--- a/KISS Challenge Presentation.pptx
+++ b/KISS Challenge Presentation.pptx
@@ -125,6 +125,1706 @@
 <file path=ppt/changesInfos/changesInfo1.xml><?xml version="1.0" encoding="utf-8"?>
 <pc:chgInfo xmlns:a="http://schemas.openxmlformats.org/drawingml/2006/main" xmlns:r="http://schemas.openxmlformats.org/officeDocument/2006/relationships" xmlns:ac="http://schemas.microsoft.com/office/drawing/2013/main/command" xmlns:pc="http://schemas.microsoft.com/office/powerpoint/2013/main/command">
   <pc:docChgLst>
+    <pc:chgData name="wbQ62lLqMu@student.ethz.ch" userId="9644f811-e42f-4102-934e-79c5381944e7" providerId="ADAL" clId="{AD979EDD-E0C2-45A8-9CE6-E82F81F5003E}"/>
+    <pc:docChg chg="undo redo custSel modSld">
+      <pc:chgData name="wbQ62lLqMu@student.ethz.ch" userId="9644f811-e42f-4102-934e-79c5381944e7" providerId="ADAL" clId="{AD979EDD-E0C2-45A8-9CE6-E82F81F5003E}" dt="2019-02-15T08:28:01.090" v="4510" actId="1076"/>
+      <pc:docMkLst>
+        <pc:docMk/>
+      </pc:docMkLst>
+      <pc:sldChg chg="addSp delSp modSp modNotesTx">
+        <pc:chgData name="wbQ62lLqMu@student.ethz.ch" userId="9644f811-e42f-4102-934e-79c5381944e7" providerId="ADAL" clId="{AD979EDD-E0C2-45A8-9CE6-E82F81F5003E}" dt="2019-02-14T15:54:17.701" v="4344" actId="20577"/>
+        <pc:sldMkLst>
+          <pc:docMk/>
+          <pc:sldMk cId="1127231858" sldId="256"/>
+        </pc:sldMkLst>
+        <pc:spChg chg="add del mod">
+          <ac:chgData name="wbQ62lLqMu@student.ethz.ch" userId="9644f811-e42f-4102-934e-79c5381944e7" providerId="ADAL" clId="{AD979EDD-E0C2-45A8-9CE6-E82F81F5003E}" dt="2019-02-13T13:45:24.150" v="408" actId="478"/>
+          <ac:spMkLst>
+            <pc:docMk/>
+            <pc:sldMk cId="1127231858" sldId="256"/>
+            <ac:spMk id="2" creationId="{71F13BF0-6C36-4475-A219-5363EE19D074}"/>
+          </ac:spMkLst>
+        </pc:spChg>
+        <pc:spChg chg="add mod">
+          <ac:chgData name="wbQ62lLqMu@student.ethz.ch" userId="9644f811-e42f-4102-934e-79c5381944e7" providerId="ADAL" clId="{AD979EDD-E0C2-45A8-9CE6-E82F81F5003E}" dt="2019-02-13T14:23:29.605" v="1109" actId="1076"/>
+          <ac:spMkLst>
+            <pc:docMk/>
+            <pc:sldMk cId="1127231858" sldId="256"/>
+            <ac:spMk id="3" creationId="{43E416AD-30A2-437D-92C3-120D45A2CC7B}"/>
+          </ac:spMkLst>
+        </pc:spChg>
+        <pc:spChg chg="mod">
+          <ac:chgData name="wbQ62lLqMu@student.ethz.ch" userId="9644f811-e42f-4102-934e-79c5381944e7" providerId="ADAL" clId="{AD979EDD-E0C2-45A8-9CE6-E82F81F5003E}" dt="2019-02-14T12:53:08.276" v="3949" actId="20577"/>
+          <ac:spMkLst>
+            <pc:docMk/>
+            <pc:sldMk cId="1127231858" sldId="256"/>
+            <ac:spMk id="4" creationId="{00000000-0000-0000-0000-000000000000}"/>
+          </ac:spMkLst>
+        </pc:spChg>
+        <pc:spChg chg="add mod">
+          <ac:chgData name="wbQ62lLqMu@student.ethz.ch" userId="9644f811-e42f-4102-934e-79c5381944e7" providerId="ADAL" clId="{AD979EDD-E0C2-45A8-9CE6-E82F81F5003E}" dt="2019-02-13T14:23:22.818" v="1108" actId="1076"/>
+          <ac:spMkLst>
+            <pc:docMk/>
+            <pc:sldMk cId="1127231858" sldId="256"/>
+            <ac:spMk id="9" creationId="{3DFD74D4-24E7-4F45-B692-5C05A45E46E6}"/>
+          </ac:spMkLst>
+        </pc:spChg>
+        <pc:picChg chg="del">
+          <ac:chgData name="wbQ62lLqMu@student.ethz.ch" userId="9644f811-e42f-4102-934e-79c5381944e7" providerId="ADAL" clId="{AD979EDD-E0C2-45A8-9CE6-E82F81F5003E}" dt="2019-02-13T13:22:57.175" v="3" actId="478"/>
+          <ac:picMkLst>
+            <pc:docMk/>
+            <pc:sldMk cId="1127231858" sldId="256"/>
+            <ac:picMk id="7" creationId="{DABF9C63-6BD8-1246-BD2B-CE8DB8979E5C}"/>
+          </ac:picMkLst>
+        </pc:picChg>
+        <pc:picChg chg="del">
+          <ac:chgData name="wbQ62lLqMu@student.ethz.ch" userId="9644f811-e42f-4102-934e-79c5381944e7" providerId="ADAL" clId="{AD979EDD-E0C2-45A8-9CE6-E82F81F5003E}" dt="2019-02-13T13:22:56.049" v="2" actId="478"/>
+          <ac:picMkLst>
+            <pc:docMk/>
+            <pc:sldMk cId="1127231858" sldId="256"/>
+            <ac:picMk id="8" creationId="{D102DA90-3273-0D47-B32A-278772F9A8B8}"/>
+          </ac:picMkLst>
+        </pc:picChg>
+        <pc:picChg chg="del">
+          <ac:chgData name="wbQ62lLqMu@student.ethz.ch" userId="9644f811-e42f-4102-934e-79c5381944e7" providerId="ADAL" clId="{AD979EDD-E0C2-45A8-9CE6-E82F81F5003E}" dt="2019-02-13T13:22:53.161" v="0" actId="478"/>
+          <ac:picMkLst>
+            <pc:docMk/>
+            <pc:sldMk cId="1127231858" sldId="256"/>
+            <ac:picMk id="10" creationId="{74DF7FE2-76C8-3B4E-9C1E-99C6C1463B56}"/>
+          </ac:picMkLst>
+        </pc:picChg>
+        <pc:picChg chg="mod">
+          <ac:chgData name="wbQ62lLqMu@student.ethz.ch" userId="9644f811-e42f-4102-934e-79c5381944e7" providerId="ADAL" clId="{AD979EDD-E0C2-45A8-9CE6-E82F81F5003E}" dt="2019-02-13T16:11:12.432" v="2310" actId="1076"/>
+          <ac:picMkLst>
+            <pc:docMk/>
+            <pc:sldMk cId="1127231858" sldId="256"/>
+            <ac:picMk id="12" creationId="{36DE8C2C-A4CA-6544-AF9E-62AFD1F823B8}"/>
+          </ac:picMkLst>
+        </pc:picChg>
+        <pc:picChg chg="del">
+          <ac:chgData name="wbQ62lLqMu@student.ethz.ch" userId="9644f811-e42f-4102-934e-79c5381944e7" providerId="ADAL" clId="{AD979EDD-E0C2-45A8-9CE6-E82F81F5003E}" dt="2019-02-13T13:22:54.956" v="1" actId="478"/>
+          <ac:picMkLst>
+            <pc:docMk/>
+            <pc:sldMk cId="1127231858" sldId="256"/>
+            <ac:picMk id="14" creationId="{093EF275-8099-0648-B589-DE8683243C6B}"/>
+          </ac:picMkLst>
+        </pc:picChg>
+      </pc:sldChg>
+      <pc:sldChg chg="addSp delSp modSp setBg modNotesTx">
+        <pc:chgData name="wbQ62lLqMu@student.ethz.ch" userId="9644f811-e42f-4102-934e-79c5381944e7" providerId="ADAL" clId="{AD979EDD-E0C2-45A8-9CE6-E82F81F5003E}" dt="2019-02-14T15:53:13.461" v="4338" actId="20577"/>
+        <pc:sldMkLst>
+          <pc:docMk/>
+          <pc:sldMk cId="896589226" sldId="258"/>
+        </pc:sldMkLst>
+        <pc:spChg chg="add mod">
+          <ac:chgData name="wbQ62lLqMu@student.ethz.ch" userId="9644f811-e42f-4102-934e-79c5381944e7" providerId="ADAL" clId="{AD979EDD-E0C2-45A8-9CE6-E82F81F5003E}" dt="2019-02-13T14:20:46.972" v="1056" actId="14100"/>
+          <ac:spMkLst>
+            <pc:docMk/>
+            <pc:sldMk cId="896589226" sldId="258"/>
+            <ac:spMk id="2" creationId="{4E852DB6-A550-4872-90BD-907468CBB78F}"/>
+          </ac:spMkLst>
+        </pc:spChg>
+        <pc:spChg chg="del mod">
+          <ac:chgData name="wbQ62lLqMu@student.ethz.ch" userId="9644f811-e42f-4102-934e-79c5381944e7" providerId="ADAL" clId="{AD979EDD-E0C2-45A8-9CE6-E82F81F5003E}" dt="2019-02-13T14:17:03.688" v="1034" actId="478"/>
+          <ac:spMkLst>
+            <pc:docMk/>
+            <pc:sldMk cId="896589226" sldId="258"/>
+            <ac:spMk id="3" creationId="{00000000-0000-0000-0000-000000000000}"/>
+          </ac:spMkLst>
+        </pc:spChg>
+        <pc:spChg chg="mod">
+          <ac:chgData name="wbQ62lLqMu@student.ethz.ch" userId="9644f811-e42f-4102-934e-79c5381944e7" providerId="ADAL" clId="{AD979EDD-E0C2-45A8-9CE6-E82F81F5003E}" dt="2019-02-14T10:02:55.699" v="3047" actId="1035"/>
+          <ac:spMkLst>
+            <pc:docMk/>
+            <pc:sldMk cId="896589226" sldId="258"/>
+            <ac:spMk id="3" creationId="{8B3F82B8-9F07-4CAA-815B-4D2BFA479187}"/>
+          </ac:spMkLst>
+        </pc:spChg>
+        <pc:spChg chg="add del mod">
+          <ac:chgData name="wbQ62lLqMu@student.ethz.ch" userId="9644f811-e42f-4102-934e-79c5381944e7" providerId="ADAL" clId="{AD979EDD-E0C2-45A8-9CE6-E82F81F5003E}" dt="2019-02-13T16:09:23.264" v="2303" actId="478"/>
+          <ac:spMkLst>
+            <pc:docMk/>
+            <pc:sldMk cId="896589226" sldId="258"/>
+            <ac:spMk id="5" creationId="{C9BC2DD9-235C-4125-B98E-E733945DBC56}"/>
+          </ac:spMkLst>
+        </pc:spChg>
+        <pc:spChg chg="add mod">
+          <ac:chgData name="wbQ62lLqMu@student.ethz.ch" userId="9644f811-e42f-4102-934e-79c5381944e7" providerId="ADAL" clId="{AD979EDD-E0C2-45A8-9CE6-E82F81F5003E}" dt="2019-02-13T16:09:31.619" v="2306" actId="1076"/>
+          <ac:spMkLst>
+            <pc:docMk/>
+            <pc:sldMk cId="896589226" sldId="258"/>
+            <ac:spMk id="6" creationId="{DA428F4A-2DB8-4C63-907D-37AD0ED14A42}"/>
+          </ac:spMkLst>
+        </pc:spChg>
+        <pc:spChg chg="add del mod">
+          <ac:chgData name="wbQ62lLqMu@student.ethz.ch" userId="9644f811-e42f-4102-934e-79c5381944e7" providerId="ADAL" clId="{AD979EDD-E0C2-45A8-9CE6-E82F81F5003E}" dt="2019-02-13T16:09:23.267" v="2305"/>
+          <ac:spMkLst>
+            <pc:docMk/>
+            <pc:sldMk cId="896589226" sldId="258"/>
+            <ac:spMk id="7" creationId="{4D611B7A-761B-4DFB-99FA-26BB3034118D}"/>
+          </ac:spMkLst>
+        </pc:spChg>
+        <pc:spChg chg="add mod">
+          <ac:chgData name="wbQ62lLqMu@student.ethz.ch" userId="9644f811-e42f-4102-934e-79c5381944e7" providerId="ADAL" clId="{AD979EDD-E0C2-45A8-9CE6-E82F81F5003E}" dt="2019-02-14T14:52:37.728" v="3959" actId="20577"/>
+          <ac:spMkLst>
+            <pc:docMk/>
+            <pc:sldMk cId="896589226" sldId="258"/>
+            <ac:spMk id="8" creationId="{2CAEF6C4-4E30-413D-9897-0130E2DFD38D}"/>
+          </ac:spMkLst>
+        </pc:spChg>
+        <pc:spChg chg="add del mod">
+          <ac:chgData name="wbQ62lLqMu@student.ethz.ch" userId="9644f811-e42f-4102-934e-79c5381944e7" providerId="ADAL" clId="{AD979EDD-E0C2-45A8-9CE6-E82F81F5003E}" dt="2019-02-13T14:18:32.836" v="1044" actId="478"/>
+          <ac:spMkLst>
+            <pc:docMk/>
+            <pc:sldMk cId="896589226" sldId="258"/>
+            <ac:spMk id="10" creationId="{74ADC6C7-04BA-4012-8C37-A114B1B93869}"/>
+          </ac:spMkLst>
+        </pc:spChg>
+        <pc:spChg chg="mod">
+          <ac:chgData name="wbQ62lLqMu@student.ethz.ch" userId="9644f811-e42f-4102-934e-79c5381944e7" providerId="ADAL" clId="{AD979EDD-E0C2-45A8-9CE6-E82F81F5003E}" dt="2019-02-14T10:02:55.699" v="3047" actId="1035"/>
+          <ac:spMkLst>
+            <pc:docMk/>
+            <pc:sldMk cId="896589226" sldId="258"/>
+            <ac:spMk id="12" creationId="{0532ADE9-A5E4-480E-883F-962147428878}"/>
+          </ac:spMkLst>
+        </pc:spChg>
+        <pc:spChg chg="add del mod">
+          <ac:chgData name="wbQ62lLqMu@student.ethz.ch" userId="9644f811-e42f-4102-934e-79c5381944e7" providerId="ADAL" clId="{AD979EDD-E0C2-45A8-9CE6-E82F81F5003E}" dt="2019-02-13T14:18:39.774" v="1046" actId="478"/>
+          <ac:spMkLst>
+            <pc:docMk/>
+            <pc:sldMk cId="896589226" sldId="258"/>
+            <ac:spMk id="12" creationId="{4E37438C-751E-403F-A3AE-1BA601A1B9F2}"/>
+          </ac:spMkLst>
+        </pc:spChg>
+        <pc:spChg chg="mod">
+          <ac:chgData name="wbQ62lLqMu@student.ethz.ch" userId="9644f811-e42f-4102-934e-79c5381944e7" providerId="ADAL" clId="{AD979EDD-E0C2-45A8-9CE6-E82F81F5003E}" dt="2019-02-14T10:07:24.272" v="3153" actId="14100"/>
+          <ac:spMkLst>
+            <pc:docMk/>
+            <pc:sldMk cId="896589226" sldId="258"/>
+            <ac:spMk id="14" creationId="{A0AA5302-69D4-4490-88CC-08E444D7B1CB}"/>
+          </ac:spMkLst>
+        </pc:spChg>
+        <pc:spChg chg="add mod">
+          <ac:chgData name="wbQ62lLqMu@student.ethz.ch" userId="9644f811-e42f-4102-934e-79c5381944e7" providerId="ADAL" clId="{AD979EDD-E0C2-45A8-9CE6-E82F81F5003E}" dt="2019-02-14T10:06:33.859" v="3127" actId="2085"/>
+          <ac:spMkLst>
+            <pc:docMk/>
+            <pc:sldMk cId="896589226" sldId="258"/>
+            <ac:spMk id="16" creationId="{A7B2DB21-6A51-4D5F-BE36-A7C8C3C2814E}"/>
+          </ac:spMkLst>
+        </pc:spChg>
+        <pc:spChg chg="mod">
+          <ac:chgData name="wbQ62lLqMu@student.ethz.ch" userId="9644f811-e42f-4102-934e-79c5381944e7" providerId="ADAL" clId="{AD979EDD-E0C2-45A8-9CE6-E82F81F5003E}" dt="2019-02-14T10:02:55.699" v="3047" actId="1035"/>
+          <ac:spMkLst>
+            <pc:docMk/>
+            <pc:sldMk cId="896589226" sldId="258"/>
+            <ac:spMk id="17" creationId="{47AF80A0-6E77-40A7-BD9F-F81202334132}"/>
+          </ac:spMkLst>
+        </pc:spChg>
+        <pc:spChg chg="del mod">
+          <ac:chgData name="wbQ62lLqMu@student.ethz.ch" userId="9644f811-e42f-4102-934e-79c5381944e7" providerId="ADAL" clId="{AD979EDD-E0C2-45A8-9CE6-E82F81F5003E}" dt="2019-02-14T09:57:40.667" v="2788" actId="478"/>
+          <ac:spMkLst>
+            <pc:docMk/>
+            <pc:sldMk cId="896589226" sldId="258"/>
+            <ac:spMk id="20" creationId="{426B95A5-9054-4699-9E86-4758273F7F3C}"/>
+          </ac:spMkLst>
+        </pc:spChg>
+        <pc:spChg chg="add mod">
+          <ac:chgData name="wbQ62lLqMu@student.ethz.ch" userId="9644f811-e42f-4102-934e-79c5381944e7" providerId="ADAL" clId="{AD979EDD-E0C2-45A8-9CE6-E82F81F5003E}" dt="2019-02-14T10:02:55.699" v="3047" actId="1035"/>
+          <ac:spMkLst>
+            <pc:docMk/>
+            <pc:sldMk cId="896589226" sldId="258"/>
+            <ac:spMk id="24" creationId="{F9465B9D-AD91-465C-84A0-96552B23CEFA}"/>
+          </ac:spMkLst>
+        </pc:spChg>
+        <pc:spChg chg="add del mod">
+          <ac:chgData name="wbQ62lLqMu@student.ethz.ch" userId="9644f811-e42f-4102-934e-79c5381944e7" providerId="ADAL" clId="{AD979EDD-E0C2-45A8-9CE6-E82F81F5003E}" dt="2019-02-13T16:30:57.460" v="2348" actId="478"/>
+          <ac:spMkLst>
+            <pc:docMk/>
+            <pc:sldMk cId="896589226" sldId="258"/>
+            <ac:spMk id="25" creationId="{91896F99-6578-4B94-9B10-8003604E9901}"/>
+          </ac:spMkLst>
+        </pc:spChg>
+        <pc:spChg chg="add del mod">
+          <ac:chgData name="wbQ62lLqMu@student.ethz.ch" userId="9644f811-e42f-4102-934e-79c5381944e7" providerId="ADAL" clId="{AD979EDD-E0C2-45A8-9CE6-E82F81F5003E}" dt="2019-02-13T16:32:09.529" v="2361" actId="478"/>
+          <ac:spMkLst>
+            <pc:docMk/>
+            <pc:sldMk cId="896589226" sldId="258"/>
+            <ac:spMk id="26" creationId="{1FF00441-3635-4E54-9164-5968FC7523F5}"/>
+          </ac:spMkLst>
+        </pc:spChg>
+        <pc:spChg chg="add mod">
+          <ac:chgData name="wbQ62lLqMu@student.ethz.ch" userId="9644f811-e42f-4102-934e-79c5381944e7" providerId="ADAL" clId="{AD979EDD-E0C2-45A8-9CE6-E82F81F5003E}" dt="2019-02-14T09:58:52.632" v="2840" actId="164"/>
+          <ac:spMkLst>
+            <pc:docMk/>
+            <pc:sldMk cId="896589226" sldId="258"/>
+            <ac:spMk id="27" creationId="{3F06122E-DDE4-4CDC-9AF1-D2C784D5F953}"/>
+          </ac:spMkLst>
+        </pc:spChg>
+        <pc:spChg chg="add mod">
+          <ac:chgData name="wbQ62lLqMu@student.ethz.ch" userId="9644f811-e42f-4102-934e-79c5381944e7" providerId="ADAL" clId="{AD979EDD-E0C2-45A8-9CE6-E82F81F5003E}" dt="2019-02-14T10:02:55.699" v="3047" actId="1035"/>
+          <ac:spMkLst>
+            <pc:docMk/>
+            <pc:sldMk cId="896589226" sldId="258"/>
+            <ac:spMk id="28" creationId="{F1682133-BF3A-45B7-9F11-1DC92FB1391A}"/>
+          </ac:spMkLst>
+        </pc:spChg>
+        <pc:spChg chg="add mod">
+          <ac:chgData name="wbQ62lLqMu@student.ethz.ch" userId="9644f811-e42f-4102-934e-79c5381944e7" providerId="ADAL" clId="{AD979EDD-E0C2-45A8-9CE6-E82F81F5003E}" dt="2019-02-14T09:58:52.632" v="2840" actId="164"/>
+          <ac:spMkLst>
+            <pc:docMk/>
+            <pc:sldMk cId="896589226" sldId="258"/>
+            <ac:spMk id="29" creationId="{FCFA1BA6-EFAD-4365-AEC4-8BC968F4216F}"/>
+          </ac:spMkLst>
+        </pc:spChg>
+        <pc:spChg chg="add del mod">
+          <ac:chgData name="wbQ62lLqMu@student.ethz.ch" userId="9644f811-e42f-4102-934e-79c5381944e7" providerId="ADAL" clId="{AD979EDD-E0C2-45A8-9CE6-E82F81F5003E}" dt="2019-02-14T09:59:05.996" v="2846" actId="478"/>
+          <ac:spMkLst>
+            <pc:docMk/>
+            <pc:sldMk cId="896589226" sldId="258"/>
+            <ac:spMk id="30" creationId="{43F27C21-8A7D-4A47-BB19-83C73B8F4A94}"/>
+          </ac:spMkLst>
+        </pc:spChg>
+        <pc:spChg chg="add del mod">
+          <ac:chgData name="wbQ62lLqMu@student.ethz.ch" userId="9644f811-e42f-4102-934e-79c5381944e7" providerId="ADAL" clId="{AD979EDD-E0C2-45A8-9CE6-E82F81F5003E}" dt="2019-02-14T09:59:04.528" v="2845" actId="478"/>
+          <ac:spMkLst>
+            <pc:docMk/>
+            <pc:sldMk cId="896589226" sldId="258"/>
+            <ac:spMk id="31" creationId="{E56D49EF-4BCE-4073-85F6-D755AD68EB77}"/>
+          </ac:spMkLst>
+        </pc:spChg>
+        <pc:spChg chg="add mod">
+          <ac:chgData name="wbQ62lLqMu@student.ethz.ch" userId="9644f811-e42f-4102-934e-79c5381944e7" providerId="ADAL" clId="{AD979EDD-E0C2-45A8-9CE6-E82F81F5003E}" dt="2019-02-14T10:06:33.859" v="3127" actId="2085"/>
+          <ac:spMkLst>
+            <pc:docMk/>
+            <pc:sldMk cId="896589226" sldId="258"/>
+            <ac:spMk id="41" creationId="{DA185178-95F2-48DD-8563-822586B99ABB}"/>
+          </ac:spMkLst>
+        </pc:spChg>
+        <pc:spChg chg="add mod">
+          <ac:chgData name="wbQ62lLqMu@student.ethz.ch" userId="9644f811-e42f-4102-934e-79c5381944e7" providerId="ADAL" clId="{AD979EDD-E0C2-45A8-9CE6-E82F81F5003E}" dt="2019-02-14T10:06:33.859" v="3127" actId="2085"/>
+          <ac:spMkLst>
+            <pc:docMk/>
+            <pc:sldMk cId="896589226" sldId="258"/>
+            <ac:spMk id="42" creationId="{6FBD31BC-28B9-40D9-BE31-A30EF57AA610}"/>
+          </ac:spMkLst>
+        </pc:spChg>
+        <pc:spChg chg="mod">
+          <ac:chgData name="wbQ62lLqMu@student.ethz.ch" userId="9644f811-e42f-4102-934e-79c5381944e7" providerId="ADAL" clId="{AD979EDD-E0C2-45A8-9CE6-E82F81F5003E}" dt="2019-02-14T10:06:42.291" v="3128" actId="2085"/>
+          <ac:spMkLst>
+            <pc:docMk/>
+            <pc:sldMk cId="896589226" sldId="258"/>
+            <ac:spMk id="44" creationId="{0F10089D-71D9-40B3-8D90-BC4996BB5834}"/>
+          </ac:spMkLst>
+        </pc:spChg>
+        <pc:spChg chg="mod">
+          <ac:chgData name="wbQ62lLqMu@student.ethz.ch" userId="9644f811-e42f-4102-934e-79c5381944e7" providerId="ADAL" clId="{AD979EDD-E0C2-45A8-9CE6-E82F81F5003E}" dt="2019-02-14T10:06:42.291" v="3128" actId="2085"/>
+          <ac:spMkLst>
+            <pc:docMk/>
+            <pc:sldMk cId="896589226" sldId="258"/>
+            <ac:spMk id="45" creationId="{47CC8EE6-AAEE-4A94-8950-32B48B29AA54}"/>
+          </ac:spMkLst>
+        </pc:spChg>
+        <pc:spChg chg="mod">
+          <ac:chgData name="wbQ62lLqMu@student.ethz.ch" userId="9644f811-e42f-4102-934e-79c5381944e7" providerId="ADAL" clId="{AD979EDD-E0C2-45A8-9CE6-E82F81F5003E}" dt="2019-02-14T10:06:42.291" v="3128" actId="2085"/>
+          <ac:spMkLst>
+            <pc:docMk/>
+            <pc:sldMk cId="896589226" sldId="258"/>
+            <ac:spMk id="46" creationId="{EB7C5682-D0FD-47BC-9143-23419842E01A}"/>
+          </ac:spMkLst>
+        </pc:spChg>
+        <pc:spChg chg="add mod">
+          <ac:chgData name="wbQ62lLqMu@student.ethz.ch" userId="9644f811-e42f-4102-934e-79c5381944e7" providerId="ADAL" clId="{AD979EDD-E0C2-45A8-9CE6-E82F81F5003E}" dt="2019-02-14T10:06:20.989" v="3126" actId="1076"/>
+          <ac:spMkLst>
+            <pc:docMk/>
+            <pc:sldMk cId="896589226" sldId="258"/>
+            <ac:spMk id="48" creationId="{DD0C92F5-07C7-409B-9A12-871C3ADEA041}"/>
+          </ac:spMkLst>
+        </pc:spChg>
+        <pc:grpChg chg="add mod">
+          <ac:chgData name="wbQ62lLqMu@student.ethz.ch" userId="9644f811-e42f-4102-934e-79c5381944e7" providerId="ADAL" clId="{AD979EDD-E0C2-45A8-9CE6-E82F81F5003E}" dt="2019-02-14T10:02:55.699" v="3047" actId="1035"/>
+          <ac:grpSpMkLst>
+            <pc:docMk/>
+            <pc:sldMk cId="896589226" sldId="258"/>
+            <ac:grpSpMk id="15" creationId="{88C6E6B0-0D02-4294-8C99-F3F5EA75E7EA}"/>
+          </ac:grpSpMkLst>
+        </pc:grpChg>
+        <pc:grpChg chg="add mod">
+          <ac:chgData name="wbQ62lLqMu@student.ethz.ch" userId="9644f811-e42f-4102-934e-79c5381944e7" providerId="ADAL" clId="{AD979EDD-E0C2-45A8-9CE6-E82F81F5003E}" dt="2019-02-14T10:07:03.327" v="3134" actId="1038"/>
+          <ac:grpSpMkLst>
+            <pc:docMk/>
+            <pc:sldMk cId="896589226" sldId="258"/>
+            <ac:grpSpMk id="18" creationId="{542B110A-AC8A-495C-8443-9C15E498CB6A}"/>
+          </ac:grpSpMkLst>
+        </pc:grpChg>
+        <pc:grpChg chg="add mod">
+          <ac:chgData name="wbQ62lLqMu@student.ethz.ch" userId="9644f811-e42f-4102-934e-79c5381944e7" providerId="ADAL" clId="{AD979EDD-E0C2-45A8-9CE6-E82F81F5003E}" dt="2019-02-14T10:02:55.699" v="3047" actId="1035"/>
+          <ac:grpSpMkLst>
+            <pc:docMk/>
+            <pc:sldMk cId="896589226" sldId="258"/>
+            <ac:grpSpMk id="32" creationId="{DF10260D-D0F7-4D5E-9751-B848047225EB}"/>
+          </ac:grpSpMkLst>
+        </pc:grpChg>
+        <pc:grpChg chg="add mod">
+          <ac:chgData name="wbQ62lLqMu@student.ethz.ch" userId="9644f811-e42f-4102-934e-79c5381944e7" providerId="ADAL" clId="{AD979EDD-E0C2-45A8-9CE6-E82F81F5003E}" dt="2019-02-14T10:02:55.699" v="3047" actId="1035"/>
+          <ac:grpSpMkLst>
+            <pc:docMk/>
+            <pc:sldMk cId="896589226" sldId="258"/>
+            <ac:grpSpMk id="35" creationId="{D46F5DE1-0B8B-4E3A-B59B-7611AC4DCDE0}"/>
+          </ac:grpSpMkLst>
+        </pc:grpChg>
+        <pc:grpChg chg="add mod">
+          <ac:chgData name="wbQ62lLqMu@student.ethz.ch" userId="9644f811-e42f-4102-934e-79c5381944e7" providerId="ADAL" clId="{AD979EDD-E0C2-45A8-9CE6-E82F81F5003E}" dt="2019-02-14T10:02:55.699" v="3047" actId="1035"/>
+          <ac:grpSpMkLst>
+            <pc:docMk/>
+            <pc:sldMk cId="896589226" sldId="258"/>
+            <ac:grpSpMk id="38" creationId="{8AC11730-A0D0-4D53-89B4-A1EA333E1659}"/>
+          </ac:grpSpMkLst>
+        </pc:grpChg>
+        <pc:grpChg chg="add mod">
+          <ac:chgData name="wbQ62lLqMu@student.ethz.ch" userId="9644f811-e42f-4102-934e-79c5381944e7" providerId="ADAL" clId="{AD979EDD-E0C2-45A8-9CE6-E82F81F5003E}" dt="2019-02-14T10:06:52.665" v="3129" actId="207"/>
+          <ac:grpSpMkLst>
+            <pc:docMk/>
+            <pc:sldMk cId="896589226" sldId="258"/>
+            <ac:grpSpMk id="43" creationId="{1A9A0844-00CB-45D3-BDAC-A8DF2E639F89}"/>
+          </ac:grpSpMkLst>
+        </pc:grpChg>
+        <pc:picChg chg="add del mod">
+          <ac:chgData name="wbQ62lLqMu@student.ethz.ch" userId="9644f811-e42f-4102-934e-79c5381944e7" providerId="ADAL" clId="{AD979EDD-E0C2-45A8-9CE6-E82F81F5003E}" dt="2019-02-13T16:11:16.661" v="2311" actId="478"/>
+          <ac:picMkLst>
+            <pc:docMk/>
+            <pc:sldMk cId="896589226" sldId="258"/>
+            <ac:picMk id="4" creationId="{6491EC36-3F0A-4452-B19C-0992F102F4F9}"/>
+          </ac:picMkLst>
+        </pc:picChg>
+        <pc:picChg chg="add del mod">
+          <ac:chgData name="wbQ62lLqMu@student.ethz.ch" userId="9644f811-e42f-4102-934e-79c5381944e7" providerId="ADAL" clId="{AD979EDD-E0C2-45A8-9CE6-E82F81F5003E}" dt="2019-02-14T09:49:21.955" v="2600" actId="478"/>
+          <ac:picMkLst>
+            <pc:docMk/>
+            <pc:sldMk cId="896589226" sldId="258"/>
+            <ac:picMk id="4" creationId="{72FF80B6-B3E9-48E9-B727-2A0A2A322859}"/>
+          </ac:picMkLst>
+        </pc:picChg>
+        <pc:picChg chg="add mod">
+          <ac:chgData name="wbQ62lLqMu@student.ethz.ch" userId="9644f811-e42f-4102-934e-79c5381944e7" providerId="ADAL" clId="{AD979EDD-E0C2-45A8-9CE6-E82F81F5003E}" dt="2019-02-14T10:06:20.989" v="3126" actId="1076"/>
+          <ac:picMkLst>
+            <pc:docMk/>
+            <pc:sldMk cId="896589226" sldId="258"/>
+            <ac:picMk id="6" creationId="{C301E4A4-2EC0-47B3-B356-4D16B4D842C5}"/>
+          </ac:picMkLst>
+        </pc:picChg>
+        <pc:picChg chg="mod">
+          <ac:chgData name="wbQ62lLqMu@student.ethz.ch" userId="9644f811-e42f-4102-934e-79c5381944e7" providerId="ADAL" clId="{AD979EDD-E0C2-45A8-9CE6-E82F81F5003E}" dt="2019-02-14T10:07:19.334" v="3152" actId="1038"/>
+          <ac:picMkLst>
+            <pc:docMk/>
+            <pc:sldMk cId="896589226" sldId="258"/>
+            <ac:picMk id="7" creationId="{0592D2DA-9B30-4C2E-9E24-062216312CD8}"/>
+          </ac:picMkLst>
+        </pc:picChg>
+        <pc:picChg chg="mod">
+          <ac:chgData name="wbQ62lLqMu@student.ethz.ch" userId="9644f811-e42f-4102-934e-79c5381944e7" providerId="ADAL" clId="{AD979EDD-E0C2-45A8-9CE6-E82F81F5003E}" dt="2019-02-14T10:02:55.699" v="3047" actId="1035"/>
+          <ac:picMkLst>
+            <pc:docMk/>
+            <pc:sldMk cId="896589226" sldId="258"/>
+            <ac:picMk id="10" creationId="{B5265A7F-15A1-4C5E-B3B4-034FF6D14C77}"/>
+          </ac:picMkLst>
+        </pc:picChg>
+        <pc:picChg chg="add del mod">
+          <ac:chgData name="wbQ62lLqMu@student.ethz.ch" userId="9644f811-e42f-4102-934e-79c5381944e7" providerId="ADAL" clId="{AD979EDD-E0C2-45A8-9CE6-E82F81F5003E}" dt="2019-02-14T10:03:23.513" v="3087" actId="478"/>
+          <ac:picMkLst>
+            <pc:docMk/>
+            <pc:sldMk cId="896589226" sldId="258"/>
+            <ac:picMk id="11" creationId="{20B6D10E-7D6E-44EB-AC5F-24E936F26ECE}"/>
+          </ac:picMkLst>
+        </pc:picChg>
+        <pc:picChg chg="add mod">
+          <ac:chgData name="wbQ62lLqMu@student.ethz.ch" userId="9644f811-e42f-4102-934e-79c5381944e7" providerId="ADAL" clId="{AD979EDD-E0C2-45A8-9CE6-E82F81F5003E}" dt="2019-02-13T16:11:22.420" v="2314" actId="1076"/>
+          <ac:picMkLst>
+            <pc:docMk/>
+            <pc:sldMk cId="896589226" sldId="258"/>
+            <ac:picMk id="13" creationId="{0C901CC2-4F6A-46C5-BC9B-57E976A0ECD7}"/>
+          </ac:picMkLst>
+        </pc:picChg>
+        <pc:picChg chg="add del mod">
+          <ac:chgData name="wbQ62lLqMu@student.ethz.ch" userId="9644f811-e42f-4102-934e-79c5381944e7" providerId="ADAL" clId="{AD979EDD-E0C2-45A8-9CE6-E82F81F5003E}" dt="2019-02-13T16:21:36.418" v="2327" actId="478"/>
+          <ac:picMkLst>
+            <pc:docMk/>
+            <pc:sldMk cId="896589226" sldId="258"/>
+            <ac:picMk id="15" creationId="{A0FB3B69-1549-4CD7-9BD0-785D06094B7A}"/>
+          </ac:picMkLst>
+        </pc:picChg>
+        <pc:picChg chg="add del mod">
+          <ac:chgData name="wbQ62lLqMu@student.ethz.ch" userId="9644f811-e42f-4102-934e-79c5381944e7" providerId="ADAL" clId="{AD979EDD-E0C2-45A8-9CE6-E82F81F5003E}" dt="2019-02-13T16:21:34.608" v="2326" actId="478"/>
+          <ac:picMkLst>
+            <pc:docMk/>
+            <pc:sldMk cId="896589226" sldId="258"/>
+            <ac:picMk id="17" creationId="{0C1B5DEC-0B68-4948-A56D-E4AE7191C51D}"/>
+          </ac:picMkLst>
+        </pc:picChg>
+        <pc:picChg chg="add mod">
+          <ac:chgData name="wbQ62lLqMu@student.ethz.ch" userId="9644f811-e42f-4102-934e-79c5381944e7" providerId="ADAL" clId="{AD979EDD-E0C2-45A8-9CE6-E82F81F5003E}" dt="2019-02-13T16:32:41.838" v="2370" actId="1076"/>
+          <ac:picMkLst>
+            <pc:docMk/>
+            <pc:sldMk cId="896589226" sldId="258"/>
+            <ac:picMk id="19" creationId="{3C384DB4-2DB4-4BCD-A249-E806C936C942}"/>
+          </ac:picMkLst>
+        </pc:picChg>
+        <pc:picChg chg="add mod">
+          <ac:chgData name="wbQ62lLqMu@student.ethz.ch" userId="9644f811-e42f-4102-934e-79c5381944e7" providerId="ADAL" clId="{AD979EDD-E0C2-45A8-9CE6-E82F81F5003E}" dt="2019-02-14T10:02:55.699" v="3047" actId="1035"/>
+          <ac:picMkLst>
+            <pc:docMk/>
+            <pc:sldMk cId="896589226" sldId="258"/>
+            <ac:picMk id="21" creationId="{44048716-29D2-4A62-8858-052EAC2173FC}"/>
+          </ac:picMkLst>
+        </pc:picChg>
+        <pc:picChg chg="add mod">
+          <ac:chgData name="wbQ62lLqMu@student.ethz.ch" userId="9644f811-e42f-4102-934e-79c5381944e7" providerId="ADAL" clId="{AD979EDD-E0C2-45A8-9CE6-E82F81F5003E}" dt="2019-02-14T10:07:19.334" v="3152" actId="1038"/>
+          <ac:picMkLst>
+            <pc:docMk/>
+            <pc:sldMk cId="896589226" sldId="258"/>
+            <ac:picMk id="23" creationId="{A11B48E1-19CC-4914-9A3A-6E467C155493}"/>
+          </ac:picMkLst>
+        </pc:picChg>
+        <pc:picChg chg="add mod">
+          <ac:chgData name="wbQ62lLqMu@student.ethz.ch" userId="9644f811-e42f-4102-934e-79c5381944e7" providerId="ADAL" clId="{AD979EDD-E0C2-45A8-9CE6-E82F81F5003E}" dt="2019-02-14T10:02:55.699" v="3047" actId="1035"/>
+          <ac:picMkLst>
+            <pc:docMk/>
+            <pc:sldMk cId="896589226" sldId="258"/>
+            <ac:picMk id="26" creationId="{70F46D2C-2679-42D6-BE8B-3F155CC98E59}"/>
+          </ac:picMkLst>
+        </pc:picChg>
+        <pc:picChg chg="add mod">
+          <ac:chgData name="wbQ62lLqMu@student.ethz.ch" userId="9644f811-e42f-4102-934e-79c5381944e7" providerId="ADAL" clId="{AD979EDD-E0C2-45A8-9CE6-E82F81F5003E}" dt="2019-02-14T10:06:20.989" v="3126" actId="1076"/>
+          <ac:picMkLst>
+            <pc:docMk/>
+            <pc:sldMk cId="896589226" sldId="258"/>
+            <ac:picMk id="47" creationId="{96EE4A0B-5AD3-451D-A67C-DF56C7CB03FE}"/>
+          </ac:picMkLst>
+        </pc:picChg>
+      </pc:sldChg>
+      <pc:sldChg chg="addSp delSp modSp modNotesTx">
+        <pc:chgData name="wbQ62lLqMu@student.ethz.ch" userId="9644f811-e42f-4102-934e-79c5381944e7" providerId="ADAL" clId="{AD979EDD-E0C2-45A8-9CE6-E82F81F5003E}" dt="2019-02-14T14:59:31.962" v="4181" actId="113"/>
+        <pc:sldMkLst>
+          <pc:docMk/>
+          <pc:sldMk cId="1580437096" sldId="259"/>
+        </pc:sldMkLst>
+        <pc:spChg chg="add del mod">
+          <ac:chgData name="wbQ62lLqMu@student.ethz.ch" userId="9644f811-e42f-4102-934e-79c5381944e7" providerId="ADAL" clId="{AD979EDD-E0C2-45A8-9CE6-E82F81F5003E}" dt="2019-02-13T14:33:44.272" v="1124" actId="478"/>
+          <ac:spMkLst>
+            <pc:docMk/>
+            <pc:sldMk cId="1580437096" sldId="259"/>
+            <ac:spMk id="2" creationId="{34B9C32F-84C2-4553-BFC3-BC53106C1DE2}"/>
+          </ac:spMkLst>
+        </pc:spChg>
+        <pc:spChg chg="del mod">
+          <ac:chgData name="wbQ62lLqMu@student.ethz.ch" userId="9644f811-e42f-4102-934e-79c5381944e7" providerId="ADAL" clId="{AD979EDD-E0C2-45A8-9CE6-E82F81F5003E}" dt="2019-02-13T14:32:16.263" v="1122" actId="478"/>
+          <ac:spMkLst>
+            <pc:docMk/>
+            <pc:sldMk cId="1580437096" sldId="259"/>
+            <ac:spMk id="5" creationId="{00000000-0000-0000-0000-000000000000}"/>
+          </ac:spMkLst>
+        </pc:spChg>
+        <pc:spChg chg="add mod">
+          <ac:chgData name="wbQ62lLqMu@student.ethz.ch" userId="9644f811-e42f-4102-934e-79c5381944e7" providerId="ADAL" clId="{AD979EDD-E0C2-45A8-9CE6-E82F81F5003E}" dt="2019-02-14T11:42:47.438" v="3533" actId="2085"/>
+          <ac:spMkLst>
+            <pc:docMk/>
+            <pc:sldMk cId="1580437096" sldId="259"/>
+            <ac:spMk id="5" creationId="{4BE1B871-8AEB-402F-BEFD-9E197B5F87DE}"/>
+          </ac:spMkLst>
+        </pc:spChg>
+        <pc:spChg chg="add del mod">
+          <ac:chgData name="wbQ62lLqMu@student.ethz.ch" userId="9644f811-e42f-4102-934e-79c5381944e7" providerId="ADAL" clId="{AD979EDD-E0C2-45A8-9CE6-E82F81F5003E}" dt="2019-02-13T14:47:27.029" v="1348" actId="478"/>
+          <ac:spMkLst>
+            <pc:docMk/>
+            <pc:sldMk cId="1580437096" sldId="259"/>
+            <ac:spMk id="10" creationId="{A11E81DE-48D9-4BF1-A94F-E009B6A8501D}"/>
+          </ac:spMkLst>
+        </pc:spChg>
+        <pc:spChg chg="add del mod">
+          <ac:chgData name="wbQ62lLqMu@student.ethz.ch" userId="9644f811-e42f-4102-934e-79c5381944e7" providerId="ADAL" clId="{AD979EDD-E0C2-45A8-9CE6-E82F81F5003E}" dt="2019-02-13T14:47:25.320" v="1347" actId="478"/>
+          <ac:spMkLst>
+            <pc:docMk/>
+            <pc:sldMk cId="1580437096" sldId="259"/>
+            <ac:spMk id="11" creationId="{3A81D146-68CA-4456-9A77-FA6451D9166C}"/>
+          </ac:spMkLst>
+        </pc:spChg>
+        <pc:spChg chg="add del mod">
+          <ac:chgData name="wbQ62lLqMu@student.ethz.ch" userId="9644f811-e42f-4102-934e-79c5381944e7" providerId="ADAL" clId="{AD979EDD-E0C2-45A8-9CE6-E82F81F5003E}" dt="2019-02-13T14:46:58.991" v="1337" actId="478"/>
+          <ac:spMkLst>
+            <pc:docMk/>
+            <pc:sldMk cId="1580437096" sldId="259"/>
+            <ac:spMk id="12" creationId="{34057DEE-4993-4762-B8DD-3BBD71763E10}"/>
+          </ac:spMkLst>
+        </pc:spChg>
+        <pc:spChg chg="add del mod">
+          <ac:chgData name="wbQ62lLqMu@student.ethz.ch" userId="9644f811-e42f-4102-934e-79c5381944e7" providerId="ADAL" clId="{AD979EDD-E0C2-45A8-9CE6-E82F81F5003E}" dt="2019-02-13T14:47:12.889" v="1343" actId="478"/>
+          <ac:spMkLst>
+            <pc:docMk/>
+            <pc:sldMk cId="1580437096" sldId="259"/>
+            <ac:spMk id="13" creationId="{9907AB26-F7ED-4E79-BCF7-0ACF7B44C761}"/>
+          </ac:spMkLst>
+        </pc:spChg>
+        <pc:spChg chg="add del mod">
+          <ac:chgData name="wbQ62lLqMu@student.ethz.ch" userId="9644f811-e42f-4102-934e-79c5381944e7" providerId="ADAL" clId="{AD979EDD-E0C2-45A8-9CE6-E82F81F5003E}" dt="2019-02-13T14:47:37.607" v="1353" actId="478"/>
+          <ac:spMkLst>
+            <pc:docMk/>
+            <pc:sldMk cId="1580437096" sldId="259"/>
+            <ac:spMk id="14" creationId="{31C8A7AE-7944-468A-99EE-47B769CA5C52}"/>
+          </ac:spMkLst>
+        </pc:spChg>
+        <pc:spChg chg="add del mod">
+          <ac:chgData name="wbQ62lLqMu@student.ethz.ch" userId="9644f811-e42f-4102-934e-79c5381944e7" providerId="ADAL" clId="{AD979EDD-E0C2-45A8-9CE6-E82F81F5003E}" dt="2019-02-13T14:47:40.039" v="1354" actId="478"/>
+          <ac:spMkLst>
+            <pc:docMk/>
+            <pc:sldMk cId="1580437096" sldId="259"/>
+            <ac:spMk id="15" creationId="{D9A0C30E-11E0-4B67-99F5-8B19A60A1DDA}"/>
+          </ac:spMkLst>
+        </pc:spChg>
+        <pc:spChg chg="add del mod">
+          <ac:chgData name="wbQ62lLqMu@student.ethz.ch" userId="9644f811-e42f-4102-934e-79c5381944e7" providerId="ADAL" clId="{AD979EDD-E0C2-45A8-9CE6-E82F81F5003E}" dt="2019-02-13T14:47:33.646" v="1351" actId="478"/>
+          <ac:spMkLst>
+            <pc:docMk/>
+            <pc:sldMk cId="1580437096" sldId="259"/>
+            <ac:spMk id="16" creationId="{7C0CF9F9-1689-4427-A4F2-FB36794CBD0F}"/>
+          </ac:spMkLst>
+        </pc:spChg>
+        <pc:spChg chg="add mod">
+          <ac:chgData name="wbQ62lLqMu@student.ethz.ch" userId="9644f811-e42f-4102-934e-79c5381944e7" providerId="ADAL" clId="{AD979EDD-E0C2-45A8-9CE6-E82F81F5003E}" dt="2019-02-14T10:19:17.276" v="3253" actId="164"/>
+          <ac:spMkLst>
+            <pc:docMk/>
+            <pc:sldMk cId="1580437096" sldId="259"/>
+            <ac:spMk id="17" creationId="{75524423-4938-4872-8F6B-F3B1C20455E3}"/>
+          </ac:spMkLst>
+        </pc:spChg>
+        <pc:spChg chg="add del mod">
+          <ac:chgData name="wbQ62lLqMu@student.ethz.ch" userId="9644f811-e42f-4102-934e-79c5381944e7" providerId="ADAL" clId="{AD979EDD-E0C2-45A8-9CE6-E82F81F5003E}" dt="2019-02-13T14:47:36.028" v="1352" actId="478"/>
+          <ac:spMkLst>
+            <pc:docMk/>
+            <pc:sldMk cId="1580437096" sldId="259"/>
+            <ac:spMk id="17" creationId="{D0C0DE81-0DE2-4CA5-AEF3-033F10136D1B}"/>
+          </ac:spMkLst>
+        </pc:spChg>
+        <pc:spChg chg="add del mod">
+          <ac:chgData name="wbQ62lLqMu@student.ethz.ch" userId="9644f811-e42f-4102-934e-79c5381944e7" providerId="ADAL" clId="{AD979EDD-E0C2-45A8-9CE6-E82F81F5003E}" dt="2019-02-13T14:47:30.477" v="1350" actId="478"/>
+          <ac:spMkLst>
+            <pc:docMk/>
+            <pc:sldMk cId="1580437096" sldId="259"/>
+            <ac:spMk id="18" creationId="{3A7E1BC9-7CBE-4BD7-9A29-A8660D6A7B1F}"/>
+          </ac:spMkLst>
+        </pc:spChg>
+        <pc:spChg chg="add mod">
+          <ac:chgData name="wbQ62lLqMu@student.ethz.ch" userId="9644f811-e42f-4102-934e-79c5381944e7" providerId="ADAL" clId="{AD979EDD-E0C2-45A8-9CE6-E82F81F5003E}" dt="2019-02-14T10:19:17.276" v="3253" actId="164"/>
+          <ac:spMkLst>
+            <pc:docMk/>
+            <pc:sldMk cId="1580437096" sldId="259"/>
+            <ac:spMk id="18" creationId="{F7A4D441-07D3-4D48-8DA5-4EE238BF6BAA}"/>
+          </ac:spMkLst>
+        </pc:spChg>
+        <pc:spChg chg="add del mod">
+          <ac:chgData name="wbQ62lLqMu@student.ethz.ch" userId="9644f811-e42f-4102-934e-79c5381944e7" providerId="ADAL" clId="{AD979EDD-E0C2-45A8-9CE6-E82F81F5003E}" dt="2019-02-13T14:47:28.721" v="1349" actId="478"/>
+          <ac:spMkLst>
+            <pc:docMk/>
+            <pc:sldMk cId="1580437096" sldId="259"/>
+            <ac:spMk id="19" creationId="{677A23FB-FB93-4C5A-BCF3-526AC4DCF5C7}"/>
+          </ac:spMkLst>
+        </pc:spChg>
+        <pc:spChg chg="add del mod">
+          <ac:chgData name="wbQ62lLqMu@student.ethz.ch" userId="9644f811-e42f-4102-934e-79c5381944e7" providerId="ADAL" clId="{AD979EDD-E0C2-45A8-9CE6-E82F81F5003E}" dt="2019-02-13T14:43:33.854" v="1193"/>
+          <ac:spMkLst>
+            <pc:docMk/>
+            <pc:sldMk cId="1580437096" sldId="259"/>
+            <ac:spMk id="20" creationId="{3764CB87-CC93-4461-B2FB-93A1D283A87C}"/>
+          </ac:spMkLst>
+        </pc:spChg>
+        <pc:spChg chg="add mod">
+          <ac:chgData name="wbQ62lLqMu@student.ethz.ch" userId="9644f811-e42f-4102-934e-79c5381944e7" providerId="ADAL" clId="{AD979EDD-E0C2-45A8-9CE6-E82F81F5003E}" dt="2019-02-14T14:59:31.962" v="4181" actId="113"/>
+          <ac:spMkLst>
+            <pc:docMk/>
+            <pc:sldMk cId="1580437096" sldId="259"/>
+            <ac:spMk id="21" creationId="{6366FFD4-39F7-49B9-984E-A662329384C8}"/>
+          </ac:spMkLst>
+        </pc:spChg>
+        <pc:spChg chg="add mod">
+          <ac:chgData name="wbQ62lLqMu@student.ethz.ch" userId="9644f811-e42f-4102-934e-79c5381944e7" providerId="ADAL" clId="{AD979EDD-E0C2-45A8-9CE6-E82F81F5003E}" dt="2019-02-14T10:47:01.094" v="3350" actId="1076"/>
+          <ac:spMkLst>
+            <pc:docMk/>
+            <pc:sldMk cId="1580437096" sldId="259"/>
+            <ac:spMk id="22" creationId="{BD5EDFA5-EFB2-4DAC-8969-BD1CB5A2E722}"/>
+          </ac:spMkLst>
+        </pc:spChg>
+        <pc:spChg chg="add mod">
+          <ac:chgData name="wbQ62lLqMu@student.ethz.ch" userId="9644f811-e42f-4102-934e-79c5381944e7" providerId="ADAL" clId="{AD979EDD-E0C2-45A8-9CE6-E82F81F5003E}" dt="2019-02-14T10:49:38.193" v="3371" actId="1076"/>
+          <ac:spMkLst>
+            <pc:docMk/>
+            <pc:sldMk cId="1580437096" sldId="259"/>
+            <ac:spMk id="23" creationId="{90127F60-28DB-4EB1-91D6-92D026474791}"/>
+          </ac:spMkLst>
+        </pc:spChg>
+        <pc:spChg chg="add mod">
+          <ac:chgData name="wbQ62lLqMu@student.ethz.ch" userId="9644f811-e42f-4102-934e-79c5381944e7" providerId="ADAL" clId="{AD979EDD-E0C2-45A8-9CE6-E82F81F5003E}" dt="2019-02-14T11:38:51.283" v="3415" actId="1037"/>
+          <ac:spMkLst>
+            <pc:docMk/>
+            <pc:sldMk cId="1580437096" sldId="259"/>
+            <ac:spMk id="24" creationId="{60BFCE49-089E-40E5-BD00-D62386EF47E9}"/>
+          </ac:spMkLst>
+        </pc:spChg>
+        <pc:spChg chg="add del mod">
+          <ac:chgData name="wbQ62lLqMu@student.ethz.ch" userId="9644f811-e42f-4102-934e-79c5381944e7" providerId="ADAL" clId="{AD979EDD-E0C2-45A8-9CE6-E82F81F5003E}" dt="2019-02-13T14:48:13.417" v="1363" actId="478"/>
+          <ac:spMkLst>
+            <pc:docMk/>
+            <pc:sldMk cId="1580437096" sldId="259"/>
+            <ac:spMk id="24" creationId="{A10F51CE-0280-4864-B202-BBCB1D04D304}"/>
+          </ac:spMkLst>
+        </pc:spChg>
+        <pc:spChg chg="add del mod">
+          <ac:chgData name="wbQ62lLqMu@student.ethz.ch" userId="9644f811-e42f-4102-934e-79c5381944e7" providerId="ADAL" clId="{AD979EDD-E0C2-45A8-9CE6-E82F81F5003E}" dt="2019-02-13T15:14:12.843" v="1599" actId="478"/>
+          <ac:spMkLst>
+            <pc:docMk/>
+            <pc:sldMk cId="1580437096" sldId="259"/>
+            <ac:spMk id="25" creationId="{D882E7A8-529D-4601-947B-026203E02668}"/>
+          </ac:spMkLst>
+        </pc:spChg>
+        <pc:spChg chg="add del mod">
+          <ac:chgData name="wbQ62lLqMu@student.ethz.ch" userId="9644f811-e42f-4102-934e-79c5381944e7" providerId="ADAL" clId="{AD979EDD-E0C2-45A8-9CE6-E82F81F5003E}" dt="2019-02-13T15:14:14.523" v="1600" actId="478"/>
+          <ac:spMkLst>
+            <pc:docMk/>
+            <pc:sldMk cId="1580437096" sldId="259"/>
+            <ac:spMk id="26" creationId="{5832FAFE-57C2-488C-ABB0-E1882923DE3A}"/>
+          </ac:spMkLst>
+        </pc:spChg>
+        <pc:spChg chg="add mod">
+          <ac:chgData name="wbQ62lLqMu@student.ethz.ch" userId="9644f811-e42f-4102-934e-79c5381944e7" providerId="ADAL" clId="{AD979EDD-E0C2-45A8-9CE6-E82F81F5003E}" dt="2019-02-14T14:56:21.988" v="4116" actId="1076"/>
+          <ac:spMkLst>
+            <pc:docMk/>
+            <pc:sldMk cId="1580437096" sldId="259"/>
+            <ac:spMk id="26" creationId="{F8D057D0-8D7E-4B59-83B8-324D9F011098}"/>
+          </ac:spMkLst>
+        </pc:spChg>
+        <pc:spChg chg="add mod">
+          <ac:chgData name="wbQ62lLqMu@student.ethz.ch" userId="9644f811-e42f-4102-934e-79c5381944e7" providerId="ADAL" clId="{AD979EDD-E0C2-45A8-9CE6-E82F81F5003E}" dt="2019-02-14T10:46:38.516" v="3344" actId="164"/>
+          <ac:spMkLst>
+            <pc:docMk/>
+            <pc:sldMk cId="1580437096" sldId="259"/>
+            <ac:spMk id="26" creationId="{F9CE2DB5-CC06-45D0-AAB6-5AF2811C6F59}"/>
+          </ac:spMkLst>
+        </pc:spChg>
+        <pc:spChg chg="add mod">
+          <ac:chgData name="wbQ62lLqMu@student.ethz.ch" userId="9644f811-e42f-4102-934e-79c5381944e7" providerId="ADAL" clId="{AD979EDD-E0C2-45A8-9CE6-E82F81F5003E}" dt="2019-02-14T10:47:01.094" v="3350" actId="1076"/>
+          <ac:spMkLst>
+            <pc:docMk/>
+            <pc:sldMk cId="1580437096" sldId="259"/>
+            <ac:spMk id="27" creationId="{70B4920E-77CB-413F-9532-54D1FDF83231}"/>
+          </ac:spMkLst>
+        </pc:spChg>
+        <pc:spChg chg="add mod">
+          <ac:chgData name="wbQ62lLqMu@student.ethz.ch" userId="9644f811-e42f-4102-934e-79c5381944e7" providerId="ADAL" clId="{AD979EDD-E0C2-45A8-9CE6-E82F81F5003E}" dt="2019-02-14T10:47:01.094" v="3350" actId="1076"/>
+          <ac:spMkLst>
+            <pc:docMk/>
+            <pc:sldMk cId="1580437096" sldId="259"/>
+            <ac:spMk id="28" creationId="{AA1B0D3E-8DA0-4D8F-9008-87A2C0D8535E}"/>
+          </ac:spMkLst>
+        </pc:spChg>
+        <pc:spChg chg="add del mod">
+          <ac:chgData name="wbQ62lLqMu@student.ethz.ch" userId="9644f811-e42f-4102-934e-79c5381944e7" providerId="ADAL" clId="{AD979EDD-E0C2-45A8-9CE6-E82F81F5003E}" dt="2019-02-13T14:51:02.182" v="1426"/>
+          <ac:spMkLst>
+            <pc:docMk/>
+            <pc:sldMk cId="1580437096" sldId="259"/>
+            <ac:spMk id="29" creationId="{5921D423-E91D-4022-9E84-46F377A24771}"/>
+          </ac:spMkLst>
+        </pc:spChg>
+        <pc:spChg chg="add mod">
+          <ac:chgData name="wbQ62lLqMu@student.ethz.ch" userId="9644f811-e42f-4102-934e-79c5381944e7" providerId="ADAL" clId="{AD979EDD-E0C2-45A8-9CE6-E82F81F5003E}" dt="2019-02-14T10:46:38.516" v="3344" actId="164"/>
+          <ac:spMkLst>
+            <pc:docMk/>
+            <pc:sldMk cId="1580437096" sldId="259"/>
+            <ac:spMk id="29" creationId="{A3B51CB4-7C9E-4A6F-A98E-374FAE70C26F}"/>
+          </ac:spMkLst>
+        </pc:spChg>
+        <pc:spChg chg="add mod">
+          <ac:chgData name="wbQ62lLqMu@student.ethz.ch" userId="9644f811-e42f-4102-934e-79c5381944e7" providerId="ADAL" clId="{AD979EDD-E0C2-45A8-9CE6-E82F81F5003E}" dt="2019-02-14T11:42:47.438" v="3533" actId="2085"/>
+          <ac:spMkLst>
+            <pc:docMk/>
+            <pc:sldMk cId="1580437096" sldId="259"/>
+            <ac:spMk id="29" creationId="{EE48D216-837F-4550-BD5D-405D0776B37D}"/>
+          </ac:spMkLst>
+        </pc:spChg>
+        <pc:spChg chg="add mod">
+          <ac:chgData name="wbQ62lLqMu@student.ethz.ch" userId="9644f811-e42f-4102-934e-79c5381944e7" providerId="ADAL" clId="{AD979EDD-E0C2-45A8-9CE6-E82F81F5003E}" dt="2019-02-14T11:42:47.438" v="3533" actId="2085"/>
+          <ac:spMkLst>
+            <pc:docMk/>
+            <pc:sldMk cId="1580437096" sldId="259"/>
+            <ac:spMk id="30" creationId="{7941B57B-6D0A-47F6-8D93-03CFD156D3DF}"/>
+          </ac:spMkLst>
+        </pc:spChg>
+        <pc:spChg chg="add mod">
+          <ac:chgData name="wbQ62lLqMu@student.ethz.ch" userId="9644f811-e42f-4102-934e-79c5381944e7" providerId="ADAL" clId="{AD979EDD-E0C2-45A8-9CE6-E82F81F5003E}" dt="2019-02-14T10:48:48.907" v="3365" actId="1076"/>
+          <ac:spMkLst>
+            <pc:docMk/>
+            <pc:sldMk cId="1580437096" sldId="259"/>
+            <ac:spMk id="32" creationId="{DC3E0D53-225D-4F3B-BF4B-7A3A7153F4F3}"/>
+          </ac:spMkLst>
+        </pc:spChg>
+        <pc:spChg chg="add mod">
+          <ac:chgData name="wbQ62lLqMu@student.ethz.ch" userId="9644f811-e42f-4102-934e-79c5381944e7" providerId="ADAL" clId="{AD979EDD-E0C2-45A8-9CE6-E82F81F5003E}" dt="2019-02-14T14:56:34.851" v="4121" actId="164"/>
+          <ac:spMkLst>
+            <pc:docMk/>
+            <pc:sldMk cId="1580437096" sldId="259"/>
+            <ac:spMk id="35" creationId="{2E231B1C-FABB-4A19-937F-7CD7FCAD256C}"/>
+          </ac:spMkLst>
+        </pc:spChg>
+        <pc:spChg chg="mod topLvl">
+          <ac:chgData name="wbQ62lLqMu@student.ethz.ch" userId="9644f811-e42f-4102-934e-79c5381944e7" providerId="ADAL" clId="{AD979EDD-E0C2-45A8-9CE6-E82F81F5003E}" dt="2019-02-14T14:58:41.339" v="4170" actId="1035"/>
+          <ac:spMkLst>
+            <pc:docMk/>
+            <pc:sldMk cId="1580437096" sldId="259"/>
+            <ac:spMk id="41" creationId="{55106473-8E8F-4EB7-A433-5D644D9CA973}"/>
+          </ac:spMkLst>
+        </pc:spChg>
+        <pc:grpChg chg="add del mod">
+          <ac:chgData name="wbQ62lLqMu@student.ethz.ch" userId="9644f811-e42f-4102-934e-79c5381944e7" providerId="ADAL" clId="{AD979EDD-E0C2-45A8-9CE6-E82F81F5003E}" dt="2019-02-14T10:21:44.304" v="3275" actId="478"/>
+          <ac:grpSpMkLst>
+            <pc:docMk/>
+            <pc:sldMk cId="1580437096" sldId="259"/>
+            <ac:grpSpMk id="2" creationId="{C7C8BEAC-CDA9-4E49-B8E0-53D4675B0A12}"/>
+          </ac:grpSpMkLst>
+        </pc:grpChg>
+        <pc:grpChg chg="add mod">
+          <ac:chgData name="wbQ62lLqMu@student.ethz.ch" userId="9644f811-e42f-4102-934e-79c5381944e7" providerId="ADAL" clId="{AD979EDD-E0C2-45A8-9CE6-E82F81F5003E}" dt="2019-02-14T14:56:21.988" v="4116" actId="1076"/>
+          <ac:grpSpMkLst>
+            <pc:docMk/>
+            <pc:sldMk cId="1580437096" sldId="259"/>
+            <ac:grpSpMk id="7" creationId="{B9C55F8D-6698-4087-B5A4-231BB4A085AD}"/>
+          </ac:grpSpMkLst>
+        </pc:grpChg>
+        <pc:grpChg chg="add mod">
+          <ac:chgData name="wbQ62lLqMu@student.ethz.ch" userId="9644f811-e42f-4102-934e-79c5381944e7" providerId="ADAL" clId="{AD979EDD-E0C2-45A8-9CE6-E82F81F5003E}" dt="2019-02-14T14:57:44.383" v="4129" actId="207"/>
+          <ac:grpSpMkLst>
+            <pc:docMk/>
+            <pc:sldMk cId="1580437096" sldId="259"/>
+            <ac:grpSpMk id="10" creationId="{52641995-53B3-4456-A7EE-CD6A70C6E5EF}"/>
+          </ac:grpSpMkLst>
+        </pc:grpChg>
+        <pc:grpChg chg="add del mod">
+          <ac:chgData name="wbQ62lLqMu@student.ethz.ch" userId="9644f811-e42f-4102-934e-79c5381944e7" providerId="ADAL" clId="{AD979EDD-E0C2-45A8-9CE6-E82F81F5003E}" dt="2019-02-14T10:48:34.413" v="3360" actId="478"/>
+          <ac:grpSpMkLst>
+            <pc:docMk/>
+            <pc:sldMk cId="1580437096" sldId="259"/>
+            <ac:grpSpMk id="10" creationId="{5AD3EB0C-E9BE-406B-9656-D29CB7E887F9}"/>
+          </ac:grpSpMkLst>
+        </pc:grpChg>
+        <pc:grpChg chg="add mod">
+          <ac:chgData name="wbQ62lLqMu@student.ethz.ch" userId="9644f811-e42f-4102-934e-79c5381944e7" providerId="ADAL" clId="{AD979EDD-E0C2-45A8-9CE6-E82F81F5003E}" dt="2019-02-14T14:56:34.851" v="4121" actId="164"/>
+          <ac:grpSpMkLst>
+            <pc:docMk/>
+            <pc:sldMk cId="1580437096" sldId="259"/>
+            <ac:grpSpMk id="36" creationId="{0709D3E1-EFA9-4BF7-A754-35FE1938CB45}"/>
+          </ac:grpSpMkLst>
+        </pc:grpChg>
+        <pc:grpChg chg="add del mod">
+          <ac:chgData name="wbQ62lLqMu@student.ethz.ch" userId="9644f811-e42f-4102-934e-79c5381944e7" providerId="ADAL" clId="{AD979EDD-E0C2-45A8-9CE6-E82F81F5003E}" dt="2019-02-14T14:57:12.270" v="4127" actId="165"/>
+          <ac:grpSpMkLst>
+            <pc:docMk/>
+            <pc:sldMk cId="1580437096" sldId="259"/>
+            <ac:grpSpMk id="40" creationId="{8DEC005C-AB15-4CA7-89E9-205225EC6B04}"/>
+          </ac:grpSpMkLst>
+        </pc:grpChg>
+        <pc:grpChg chg="mod topLvl">
+          <ac:chgData name="wbQ62lLqMu@student.ethz.ch" userId="9644f811-e42f-4102-934e-79c5381944e7" providerId="ADAL" clId="{AD979EDD-E0C2-45A8-9CE6-E82F81F5003E}" dt="2019-02-14T14:58:52.988" v="4176" actId="1036"/>
+          <ac:grpSpMkLst>
+            <pc:docMk/>
+            <pc:sldMk cId="1580437096" sldId="259"/>
+            <ac:grpSpMk id="42" creationId="{FA7BDCE4-93A6-4AB6-B679-E5AC5132E7B4}"/>
+          </ac:grpSpMkLst>
+        </pc:grpChg>
+        <pc:picChg chg="add mod">
+          <ac:chgData name="wbQ62lLqMu@student.ethz.ch" userId="9644f811-e42f-4102-934e-79c5381944e7" providerId="ADAL" clId="{AD979EDD-E0C2-45A8-9CE6-E82F81F5003E}" dt="2019-02-14T11:40:40.937" v="3442" actId="1076"/>
+          <ac:picMkLst>
+            <pc:docMk/>
+            <pc:sldMk cId="1580437096" sldId="259"/>
+            <ac:picMk id="3" creationId="{1AB82169-9D7D-4947-B2CA-6E3668A50F42}"/>
+          </ac:picMkLst>
+        </pc:picChg>
+        <pc:picChg chg="add del mod">
+          <ac:chgData name="wbQ62lLqMu@student.ethz.ch" userId="9644f811-e42f-4102-934e-79c5381944e7" providerId="ADAL" clId="{AD979EDD-E0C2-45A8-9CE6-E82F81F5003E}" dt="2019-02-13T15:13:20.753" v="1593" actId="478"/>
+          <ac:picMkLst>
+            <pc:docMk/>
+            <pc:sldMk cId="1580437096" sldId="259"/>
+            <ac:picMk id="4" creationId="{18E1A490-0EE3-4010-B794-ADE868891F3D}"/>
+          </ac:picMkLst>
+        </pc:picChg>
+        <pc:picChg chg="add mod">
+          <ac:chgData name="wbQ62lLqMu@student.ethz.ch" userId="9644f811-e42f-4102-934e-79c5381944e7" providerId="ADAL" clId="{AD979EDD-E0C2-45A8-9CE6-E82F81F5003E}" dt="2019-02-14T11:38:14.388" v="3381" actId="1035"/>
+          <ac:picMkLst>
+            <pc:docMk/>
+            <pc:sldMk cId="1580437096" sldId="259"/>
+            <ac:picMk id="4" creationId="{8B425161-A18C-487F-8F38-9D5B27C2B1E8}"/>
+          </ac:picMkLst>
+        </pc:picChg>
+        <pc:picChg chg="add mod">
+          <ac:chgData name="wbQ62lLqMu@student.ethz.ch" userId="9644f811-e42f-4102-934e-79c5381944e7" providerId="ADAL" clId="{AD979EDD-E0C2-45A8-9CE6-E82F81F5003E}" dt="2019-02-14T11:41:00.833" v="3446" actId="1076"/>
+          <ac:picMkLst>
+            <pc:docMk/>
+            <pc:sldMk cId="1580437096" sldId="259"/>
+            <ac:picMk id="6" creationId="{BA7D3D33-6FAF-433B-856A-5DB5E08ACC3A}"/>
+          </ac:picMkLst>
+        </pc:picChg>
+        <pc:picChg chg="add del mod">
+          <ac:chgData name="wbQ62lLqMu@student.ethz.ch" userId="9644f811-e42f-4102-934e-79c5381944e7" providerId="ADAL" clId="{AD979EDD-E0C2-45A8-9CE6-E82F81F5003E}" dt="2019-02-14T10:43:13.872" v="3300" actId="478"/>
+          <ac:picMkLst>
+            <pc:docMk/>
+            <pc:sldMk cId="1580437096" sldId="259"/>
+            <ac:picMk id="7" creationId="{6FF8FFCA-C3C4-4DE5-9B2B-678044545FCE}"/>
+          </ac:picMkLst>
+        </pc:picChg>
+        <pc:picChg chg="add del mod">
+          <ac:chgData name="wbQ62lLqMu@student.ethz.ch" userId="9644f811-e42f-4102-934e-79c5381944e7" providerId="ADAL" clId="{AD979EDD-E0C2-45A8-9CE6-E82F81F5003E}" dt="2019-02-13T15:13:54.043" v="1597" actId="478"/>
+          <ac:picMkLst>
+            <pc:docMk/>
+            <pc:sldMk cId="1580437096" sldId="259"/>
+            <ac:picMk id="7" creationId="{ABDB00AE-EB77-437A-A020-1357123D2679}"/>
+          </ac:picMkLst>
+        </pc:picChg>
+        <pc:picChg chg="add mod">
+          <ac:chgData name="wbQ62lLqMu@student.ethz.ch" userId="9644f811-e42f-4102-934e-79c5381944e7" providerId="ADAL" clId="{AD979EDD-E0C2-45A8-9CE6-E82F81F5003E}" dt="2019-02-14T10:47:31.074" v="3356" actId="1076"/>
+          <ac:picMkLst>
+            <pc:docMk/>
+            <pc:sldMk cId="1580437096" sldId="259"/>
+            <ac:picMk id="9" creationId="{3578DBA6-6743-4EF2-B478-7AC050D170DA}"/>
+          </ac:picMkLst>
+        </pc:picChg>
+        <pc:picChg chg="add mod">
+          <ac:chgData name="wbQ62lLqMu@student.ethz.ch" userId="9644f811-e42f-4102-934e-79c5381944e7" providerId="ADAL" clId="{AD979EDD-E0C2-45A8-9CE6-E82F81F5003E}" dt="2019-02-14T11:38:44.593" v="3403" actId="1076"/>
+          <ac:picMkLst>
+            <pc:docMk/>
+            <pc:sldMk cId="1580437096" sldId="259"/>
+            <ac:picMk id="12" creationId="{3F3638B5-0BF1-451B-8B80-56544A1EEE50}"/>
+          </ac:picMkLst>
+        </pc:picChg>
+        <pc:picChg chg="add del mod">
+          <ac:chgData name="wbQ62lLqMu@student.ethz.ch" userId="9644f811-e42f-4102-934e-79c5381944e7" providerId="ADAL" clId="{AD979EDD-E0C2-45A8-9CE6-E82F81F5003E}" dt="2019-02-14T11:40:35.382" v="3440" actId="478"/>
+          <ac:picMkLst>
+            <pc:docMk/>
+            <pc:sldMk cId="1580437096" sldId="259"/>
+            <ac:picMk id="31" creationId="{928AB3A2-ABB7-48A9-B4BC-CB884950110E}"/>
+          </ac:picMkLst>
+        </pc:picChg>
+        <pc:picChg chg="add mod">
+          <ac:chgData name="wbQ62lLqMu@student.ethz.ch" userId="9644f811-e42f-4102-934e-79c5381944e7" providerId="ADAL" clId="{AD979EDD-E0C2-45A8-9CE6-E82F81F5003E}" dt="2019-02-14T11:43:12.018" v="3545" actId="1076"/>
+          <ac:picMkLst>
+            <pc:docMk/>
+            <pc:sldMk cId="1580437096" sldId="259"/>
+            <ac:picMk id="33" creationId="{2B358927-1644-4A11-8317-5E66E21E0A11}"/>
+          </ac:picMkLst>
+        </pc:picChg>
+        <pc:picChg chg="add">
+          <ac:chgData name="wbQ62lLqMu@student.ethz.ch" userId="9644f811-e42f-4102-934e-79c5381944e7" providerId="ADAL" clId="{AD979EDD-E0C2-45A8-9CE6-E82F81F5003E}" dt="2019-02-13T16:11:28.374" v="2315"/>
+          <ac:picMkLst>
+            <pc:docMk/>
+            <pc:sldMk cId="1580437096" sldId="259"/>
+            <ac:picMk id="95" creationId="{16329B75-4542-4B8B-9011-4F136B267F3D}"/>
+          </ac:picMkLst>
+        </pc:picChg>
+        <pc:inkChg chg="add mod">
+          <ac:chgData name="wbQ62lLqMu@student.ethz.ch" userId="9644f811-e42f-4102-934e-79c5381944e7" providerId="ADAL" clId="{AD979EDD-E0C2-45A8-9CE6-E82F81F5003E}" dt="2019-02-14T11:39:02.050" v="3419" actId="1076"/>
+          <ac:inkMkLst>
+            <pc:docMk/>
+            <pc:sldMk cId="1580437096" sldId="259"/>
+            <ac:inkMk id="25" creationId="{E7876C46-A822-428D-B6E6-E0A80F83A822}"/>
+          </ac:inkMkLst>
+        </pc:inkChg>
+        <pc:inkChg chg="add mod">
+          <ac:chgData name="wbQ62lLqMu@student.ethz.ch" userId="9644f811-e42f-4102-934e-79c5381944e7" providerId="ADAL" clId="{AD979EDD-E0C2-45A8-9CE6-E82F81F5003E}" dt="2019-02-14T10:49:47.223" v="3372" actId="1076"/>
+          <ac:inkMkLst>
+            <pc:docMk/>
+            <pc:sldMk cId="1580437096" sldId="259"/>
+            <ac:inkMk id="34" creationId="{4D07F56C-1149-4D05-A2CA-FB46CB456DF9}"/>
+          </ac:inkMkLst>
+        </pc:inkChg>
+        <pc:inkChg chg="add del">
+          <ac:chgData name="wbQ62lLqMu@student.ethz.ch" userId="9644f811-e42f-4102-934e-79c5381944e7" providerId="ADAL" clId="{AD979EDD-E0C2-45A8-9CE6-E82F81F5003E}" dt="2019-02-13T15:20:34.195" v="1611"/>
+          <ac:inkMkLst>
+            <pc:docMk/>
+            <pc:sldMk cId="1580437096" sldId="259"/>
+            <ac:inkMk id="34" creationId="{67D0A720-4259-475C-AE1F-2C7BAEDF5F7E}"/>
+          </ac:inkMkLst>
+        </pc:inkChg>
+        <pc:inkChg chg="add del">
+          <ac:chgData name="wbQ62lLqMu@student.ethz.ch" userId="9644f811-e42f-4102-934e-79c5381944e7" providerId="ADAL" clId="{AD979EDD-E0C2-45A8-9CE6-E82F81F5003E}" dt="2019-02-13T15:20:31.623" v="1610"/>
+          <ac:inkMkLst>
+            <pc:docMk/>
+            <pc:sldMk cId="1580437096" sldId="259"/>
+            <ac:inkMk id="35" creationId="{FF746EE2-EEDE-4D01-8ACB-05F0D10C9D63}"/>
+          </ac:inkMkLst>
+        </pc:inkChg>
+        <pc:inkChg chg="add del">
+          <ac:chgData name="wbQ62lLqMu@student.ethz.ch" userId="9644f811-e42f-4102-934e-79c5381944e7" providerId="ADAL" clId="{AD979EDD-E0C2-45A8-9CE6-E82F81F5003E}" dt="2019-02-13T15:20:44.087" v="1616"/>
+          <ac:inkMkLst>
+            <pc:docMk/>
+            <pc:sldMk cId="1580437096" sldId="259"/>
+            <ac:inkMk id="36" creationId="{82B7BC5C-E62D-472B-AAF3-630D75650502}"/>
+          </ac:inkMkLst>
+        </pc:inkChg>
+        <pc:inkChg chg="add del">
+          <ac:chgData name="wbQ62lLqMu@student.ethz.ch" userId="9644f811-e42f-4102-934e-79c5381944e7" providerId="ADAL" clId="{AD979EDD-E0C2-45A8-9CE6-E82F81F5003E}" dt="2019-02-13T15:20:44.087" v="1616"/>
+          <ac:inkMkLst>
+            <pc:docMk/>
+            <pc:sldMk cId="1580437096" sldId="259"/>
+            <ac:inkMk id="37" creationId="{5C9C6F7F-AD47-4BDF-8577-19EDBE94593F}"/>
+          </ac:inkMkLst>
+        </pc:inkChg>
+        <pc:inkChg chg="add del">
+          <ac:chgData name="wbQ62lLqMu@student.ethz.ch" userId="9644f811-e42f-4102-934e-79c5381944e7" providerId="ADAL" clId="{AD979EDD-E0C2-45A8-9CE6-E82F81F5003E}" dt="2019-02-13T15:20:44.087" v="1616"/>
+          <ac:inkMkLst>
+            <pc:docMk/>
+            <pc:sldMk cId="1580437096" sldId="259"/>
+            <ac:inkMk id="38" creationId="{81593ACA-E1DC-4601-84DA-392C677C7917}"/>
+          </ac:inkMkLst>
+        </pc:inkChg>
+        <pc:inkChg chg="add del">
+          <ac:chgData name="wbQ62lLqMu@student.ethz.ch" userId="9644f811-e42f-4102-934e-79c5381944e7" providerId="ADAL" clId="{AD979EDD-E0C2-45A8-9CE6-E82F81F5003E}" dt="2019-02-13T15:20:44.087" v="1616"/>
+          <ac:inkMkLst>
+            <pc:docMk/>
+            <pc:sldMk cId="1580437096" sldId="259"/>
+            <ac:inkMk id="39" creationId="{02F3F9AA-DBBB-494F-AC53-B9316AF0250C}"/>
+          </ac:inkMkLst>
+        </pc:inkChg>
+        <pc:inkChg chg="add del">
+          <ac:chgData name="wbQ62lLqMu@student.ethz.ch" userId="9644f811-e42f-4102-934e-79c5381944e7" providerId="ADAL" clId="{AD979EDD-E0C2-45A8-9CE6-E82F81F5003E}" dt="2019-02-13T15:20:49.511" v="1623"/>
+          <ac:inkMkLst>
+            <pc:docMk/>
+            <pc:sldMk cId="1580437096" sldId="259"/>
+            <ac:inkMk id="40" creationId="{E40E0FE7-4E7F-4C21-BE03-A808099BDD94}"/>
+          </ac:inkMkLst>
+        </pc:inkChg>
+        <pc:inkChg chg="add del">
+          <ac:chgData name="wbQ62lLqMu@student.ethz.ch" userId="9644f811-e42f-4102-934e-79c5381944e7" providerId="ADAL" clId="{AD979EDD-E0C2-45A8-9CE6-E82F81F5003E}" dt="2019-02-13T15:20:47.967" v="1622"/>
+          <ac:inkMkLst>
+            <pc:docMk/>
+            <pc:sldMk cId="1580437096" sldId="259"/>
+            <ac:inkMk id="41" creationId="{98DF6512-2BDD-43F8-ACB6-F4442EAE8846}"/>
+          </ac:inkMkLst>
+        </pc:inkChg>
+        <pc:inkChg chg="add del">
+          <ac:chgData name="wbQ62lLqMu@student.ethz.ch" userId="9644f811-e42f-4102-934e-79c5381944e7" providerId="ADAL" clId="{AD979EDD-E0C2-45A8-9CE6-E82F81F5003E}" dt="2019-02-13T15:20:47.967" v="1622"/>
+          <ac:inkMkLst>
+            <pc:docMk/>
+            <pc:sldMk cId="1580437096" sldId="259"/>
+            <ac:inkMk id="42" creationId="{02A1EE82-2776-48BD-81C9-30F9355A51AB}"/>
+          </ac:inkMkLst>
+        </pc:inkChg>
+        <pc:inkChg chg="add del">
+          <ac:chgData name="wbQ62lLqMu@student.ethz.ch" userId="9644f811-e42f-4102-934e-79c5381944e7" providerId="ADAL" clId="{AD979EDD-E0C2-45A8-9CE6-E82F81F5003E}" dt="2019-02-13T15:20:47.967" v="1622"/>
+          <ac:inkMkLst>
+            <pc:docMk/>
+            <pc:sldMk cId="1580437096" sldId="259"/>
+            <ac:inkMk id="43" creationId="{2EA8296E-B688-4056-9E65-CC519D0B5347}"/>
+          </ac:inkMkLst>
+        </pc:inkChg>
+        <pc:inkChg chg="add del">
+          <ac:chgData name="wbQ62lLqMu@student.ethz.ch" userId="9644f811-e42f-4102-934e-79c5381944e7" providerId="ADAL" clId="{AD979EDD-E0C2-45A8-9CE6-E82F81F5003E}" dt="2019-02-13T15:20:47.967" v="1622"/>
+          <ac:inkMkLst>
+            <pc:docMk/>
+            <pc:sldMk cId="1580437096" sldId="259"/>
+            <ac:inkMk id="44" creationId="{20F23B2D-868D-4EF4-A01C-6A0F40305EAE}"/>
+          </ac:inkMkLst>
+        </pc:inkChg>
+        <pc:inkChg chg="add del">
+          <ac:chgData name="wbQ62lLqMu@student.ethz.ch" userId="9644f811-e42f-4102-934e-79c5381944e7" providerId="ADAL" clId="{AD979EDD-E0C2-45A8-9CE6-E82F81F5003E}" dt="2019-02-13T15:20:47.967" v="1622"/>
+          <ac:inkMkLst>
+            <pc:docMk/>
+            <pc:sldMk cId="1580437096" sldId="259"/>
+            <ac:inkMk id="45" creationId="{0876A65A-1123-4BD9-BEB6-11211E61DDAD}"/>
+          </ac:inkMkLst>
+        </pc:inkChg>
+        <pc:inkChg chg="add del">
+          <ac:chgData name="wbQ62lLqMu@student.ethz.ch" userId="9644f811-e42f-4102-934e-79c5381944e7" providerId="ADAL" clId="{AD979EDD-E0C2-45A8-9CE6-E82F81F5003E}" dt="2019-02-13T15:21:02.859" v="1629"/>
+          <ac:inkMkLst>
+            <pc:docMk/>
+            <pc:sldMk cId="1580437096" sldId="259"/>
+            <ac:inkMk id="46" creationId="{E13D0093-88EC-458C-9B96-8172C5449DE4}"/>
+          </ac:inkMkLst>
+        </pc:inkChg>
+        <pc:inkChg chg="add del">
+          <ac:chgData name="wbQ62lLqMu@student.ethz.ch" userId="9644f811-e42f-4102-934e-79c5381944e7" providerId="ADAL" clId="{AD979EDD-E0C2-45A8-9CE6-E82F81F5003E}" dt="2019-02-13T15:20:54.127" v="1627"/>
+          <ac:inkMkLst>
+            <pc:docMk/>
+            <pc:sldMk cId="1580437096" sldId="259"/>
+            <ac:inkMk id="47" creationId="{6F719966-78F9-4E0A-8039-86F82820C544}"/>
+          </ac:inkMkLst>
+        </pc:inkChg>
+        <pc:inkChg chg="add del">
+          <ac:chgData name="wbQ62lLqMu@student.ethz.ch" userId="9644f811-e42f-4102-934e-79c5381944e7" providerId="ADAL" clId="{AD979EDD-E0C2-45A8-9CE6-E82F81F5003E}" dt="2019-02-13T15:20:54.127" v="1627"/>
+          <ac:inkMkLst>
+            <pc:docMk/>
+            <pc:sldMk cId="1580437096" sldId="259"/>
+            <ac:inkMk id="48" creationId="{13000965-C81C-4E5E-8FC0-A7D865B604A6}"/>
+          </ac:inkMkLst>
+        </pc:inkChg>
+        <pc:inkChg chg="add del">
+          <ac:chgData name="wbQ62lLqMu@student.ethz.ch" userId="9644f811-e42f-4102-934e-79c5381944e7" providerId="ADAL" clId="{AD979EDD-E0C2-45A8-9CE6-E82F81F5003E}" dt="2019-02-13T15:20:54.127" v="1627"/>
+          <ac:inkMkLst>
+            <pc:docMk/>
+            <pc:sldMk cId="1580437096" sldId="259"/>
+            <ac:inkMk id="49" creationId="{6C3DFCE3-778F-42B5-882D-9DE553EDB7D9}"/>
+          </ac:inkMkLst>
+        </pc:inkChg>
+        <pc:inkChg chg="add del">
+          <ac:chgData name="wbQ62lLqMu@student.ethz.ch" userId="9644f811-e42f-4102-934e-79c5381944e7" providerId="ADAL" clId="{AD979EDD-E0C2-45A8-9CE6-E82F81F5003E}" dt="2019-02-13T15:20:56.186" v="1628"/>
+          <ac:inkMkLst>
+            <pc:docMk/>
+            <pc:sldMk cId="1580437096" sldId="259"/>
+            <ac:inkMk id="50" creationId="{E1F225EF-9F41-45AD-8E3B-C5266913FBCC}"/>
+          </ac:inkMkLst>
+        </pc:inkChg>
+        <pc:inkChg chg="add del">
+          <ac:chgData name="wbQ62lLqMu@student.ethz.ch" userId="9644f811-e42f-4102-934e-79c5381944e7" providerId="ADAL" clId="{AD979EDD-E0C2-45A8-9CE6-E82F81F5003E}" dt="2019-02-13T15:21:12.923" v="1640"/>
+          <ac:inkMkLst>
+            <pc:docMk/>
+            <pc:sldMk cId="1580437096" sldId="259"/>
+            <ac:inkMk id="51" creationId="{F8990E9A-ECB5-47F3-ADC9-26E344402D5A}"/>
+          </ac:inkMkLst>
+        </pc:inkChg>
+        <pc:inkChg chg="add del">
+          <ac:chgData name="wbQ62lLqMu@student.ethz.ch" userId="9644f811-e42f-4102-934e-79c5381944e7" providerId="ADAL" clId="{AD979EDD-E0C2-45A8-9CE6-E82F81F5003E}" dt="2019-02-13T15:21:12.923" v="1640"/>
+          <ac:inkMkLst>
+            <pc:docMk/>
+            <pc:sldMk cId="1580437096" sldId="259"/>
+            <ac:inkMk id="52" creationId="{B43A9BE1-2981-4D5E-903F-D86AF37903FB}"/>
+          </ac:inkMkLst>
+        </pc:inkChg>
+        <pc:inkChg chg="add del">
+          <ac:chgData name="wbQ62lLqMu@student.ethz.ch" userId="9644f811-e42f-4102-934e-79c5381944e7" providerId="ADAL" clId="{AD979EDD-E0C2-45A8-9CE6-E82F81F5003E}" dt="2019-02-13T15:21:12.923" v="1640"/>
+          <ac:inkMkLst>
+            <pc:docMk/>
+            <pc:sldMk cId="1580437096" sldId="259"/>
+            <ac:inkMk id="53" creationId="{963FA221-682A-45BA-811E-ADB33522EFAF}"/>
+          </ac:inkMkLst>
+        </pc:inkChg>
+        <pc:inkChg chg="add del">
+          <ac:chgData name="wbQ62lLqMu@student.ethz.ch" userId="9644f811-e42f-4102-934e-79c5381944e7" providerId="ADAL" clId="{AD979EDD-E0C2-45A8-9CE6-E82F81F5003E}" dt="2019-02-13T15:21:12.923" v="1640"/>
+          <ac:inkMkLst>
+            <pc:docMk/>
+            <pc:sldMk cId="1580437096" sldId="259"/>
+            <ac:inkMk id="54" creationId="{89E73B74-700B-4073-8A88-873B7A83700D}"/>
+          </ac:inkMkLst>
+        </pc:inkChg>
+        <pc:inkChg chg="add del">
+          <ac:chgData name="wbQ62lLqMu@student.ethz.ch" userId="9644f811-e42f-4102-934e-79c5381944e7" providerId="ADAL" clId="{AD979EDD-E0C2-45A8-9CE6-E82F81F5003E}" dt="2019-02-13T15:21:12.923" v="1640"/>
+          <ac:inkMkLst>
+            <pc:docMk/>
+            <pc:sldMk cId="1580437096" sldId="259"/>
+            <ac:inkMk id="55" creationId="{5553B81D-040F-4A2A-B392-9C274729076B}"/>
+          </ac:inkMkLst>
+        </pc:inkChg>
+        <pc:inkChg chg="add del">
+          <ac:chgData name="wbQ62lLqMu@student.ethz.ch" userId="9644f811-e42f-4102-934e-79c5381944e7" providerId="ADAL" clId="{AD979EDD-E0C2-45A8-9CE6-E82F81F5003E}" dt="2019-02-13T15:21:12.923" v="1640"/>
+          <ac:inkMkLst>
+            <pc:docMk/>
+            <pc:sldMk cId="1580437096" sldId="259"/>
+            <ac:inkMk id="56" creationId="{F0EB3BFD-788D-4F9A-AB8D-B71A5B45B58A}"/>
+          </ac:inkMkLst>
+        </pc:inkChg>
+        <pc:inkChg chg="add del">
+          <ac:chgData name="wbQ62lLqMu@student.ethz.ch" userId="9644f811-e42f-4102-934e-79c5381944e7" providerId="ADAL" clId="{AD979EDD-E0C2-45A8-9CE6-E82F81F5003E}" dt="2019-02-13T15:21:12.923" v="1640"/>
+          <ac:inkMkLst>
+            <pc:docMk/>
+            <pc:sldMk cId="1580437096" sldId="259"/>
+            <ac:inkMk id="57" creationId="{3508DF12-D77F-4316-8995-25EE39393326}"/>
+          </ac:inkMkLst>
+        </pc:inkChg>
+        <pc:inkChg chg="add del">
+          <ac:chgData name="wbQ62lLqMu@student.ethz.ch" userId="9644f811-e42f-4102-934e-79c5381944e7" providerId="ADAL" clId="{AD979EDD-E0C2-45A8-9CE6-E82F81F5003E}" dt="2019-02-13T15:21:12.923" v="1640"/>
+          <ac:inkMkLst>
+            <pc:docMk/>
+            <pc:sldMk cId="1580437096" sldId="259"/>
+            <ac:inkMk id="58" creationId="{6904943E-2C5F-4F5A-99A7-864423C4D541}"/>
+          </ac:inkMkLst>
+        </pc:inkChg>
+        <pc:inkChg chg="add del">
+          <ac:chgData name="wbQ62lLqMu@student.ethz.ch" userId="9644f811-e42f-4102-934e-79c5381944e7" providerId="ADAL" clId="{AD979EDD-E0C2-45A8-9CE6-E82F81F5003E}" dt="2019-02-13T15:21:12.923" v="1640"/>
+          <ac:inkMkLst>
+            <pc:docMk/>
+            <pc:sldMk cId="1580437096" sldId="259"/>
+            <ac:inkMk id="59" creationId="{594E1D5A-10E7-4F1C-9CA4-F2E58A20237B}"/>
+          </ac:inkMkLst>
+        </pc:inkChg>
+        <pc:inkChg chg="add del">
+          <ac:chgData name="wbQ62lLqMu@student.ethz.ch" userId="9644f811-e42f-4102-934e-79c5381944e7" providerId="ADAL" clId="{AD979EDD-E0C2-45A8-9CE6-E82F81F5003E}" dt="2019-02-13T15:21:12.923" v="1640"/>
+          <ac:inkMkLst>
+            <pc:docMk/>
+            <pc:sldMk cId="1580437096" sldId="259"/>
+            <ac:inkMk id="60" creationId="{1C3FAB2A-C2E1-4884-BC03-4E950FDEE421}"/>
+          </ac:inkMkLst>
+        </pc:inkChg>
+        <pc:inkChg chg="add del">
+          <ac:chgData name="wbQ62lLqMu@student.ethz.ch" userId="9644f811-e42f-4102-934e-79c5381944e7" providerId="ADAL" clId="{AD979EDD-E0C2-45A8-9CE6-E82F81F5003E}" dt="2019-02-13T15:21:27.084" v="1648"/>
+          <ac:inkMkLst>
+            <pc:docMk/>
+            <pc:sldMk cId="1580437096" sldId="259"/>
+            <ac:inkMk id="61" creationId="{CF66B21C-CAB1-49A6-BEC3-D6294C26E7A2}"/>
+          </ac:inkMkLst>
+        </pc:inkChg>
+        <pc:inkChg chg="add del">
+          <ac:chgData name="wbQ62lLqMu@student.ethz.ch" userId="9644f811-e42f-4102-934e-79c5381944e7" providerId="ADAL" clId="{AD979EDD-E0C2-45A8-9CE6-E82F81F5003E}" dt="2019-02-13T15:21:27.084" v="1648"/>
+          <ac:inkMkLst>
+            <pc:docMk/>
+            <pc:sldMk cId="1580437096" sldId="259"/>
+            <ac:inkMk id="62" creationId="{B63E3225-344B-4F89-ADDA-5A98D92A7AB6}"/>
+          </ac:inkMkLst>
+        </pc:inkChg>
+        <pc:inkChg chg="add del">
+          <ac:chgData name="wbQ62lLqMu@student.ethz.ch" userId="9644f811-e42f-4102-934e-79c5381944e7" providerId="ADAL" clId="{AD979EDD-E0C2-45A8-9CE6-E82F81F5003E}" dt="2019-02-13T15:21:27.084" v="1648"/>
+          <ac:inkMkLst>
+            <pc:docMk/>
+            <pc:sldMk cId="1580437096" sldId="259"/>
+            <ac:inkMk id="63" creationId="{CF40F4AA-CC9B-48B1-9101-14B67DF9E887}"/>
+          </ac:inkMkLst>
+        </pc:inkChg>
+        <pc:inkChg chg="add del">
+          <ac:chgData name="wbQ62lLqMu@student.ethz.ch" userId="9644f811-e42f-4102-934e-79c5381944e7" providerId="ADAL" clId="{AD979EDD-E0C2-45A8-9CE6-E82F81F5003E}" dt="2019-02-13T15:21:27.084" v="1648"/>
+          <ac:inkMkLst>
+            <pc:docMk/>
+            <pc:sldMk cId="1580437096" sldId="259"/>
+            <ac:inkMk id="64" creationId="{B01788E0-ED6E-4774-87A8-3F46B821D85E}"/>
+          </ac:inkMkLst>
+        </pc:inkChg>
+        <pc:inkChg chg="add del">
+          <ac:chgData name="wbQ62lLqMu@student.ethz.ch" userId="9644f811-e42f-4102-934e-79c5381944e7" providerId="ADAL" clId="{AD979EDD-E0C2-45A8-9CE6-E82F81F5003E}" dt="2019-02-13T15:21:27.084" v="1648"/>
+          <ac:inkMkLst>
+            <pc:docMk/>
+            <pc:sldMk cId="1580437096" sldId="259"/>
+            <ac:inkMk id="65" creationId="{D2B626AD-D7B9-4220-B029-5BDB8AEDFE3D}"/>
+          </ac:inkMkLst>
+        </pc:inkChg>
+        <pc:inkChg chg="add del">
+          <ac:chgData name="wbQ62lLqMu@student.ethz.ch" userId="9644f811-e42f-4102-934e-79c5381944e7" providerId="ADAL" clId="{AD979EDD-E0C2-45A8-9CE6-E82F81F5003E}" dt="2019-02-13T15:21:27.084" v="1648"/>
+          <ac:inkMkLst>
+            <pc:docMk/>
+            <pc:sldMk cId="1580437096" sldId="259"/>
+            <ac:inkMk id="66" creationId="{E02A17C1-5FB1-4384-B147-05C67FB93F22}"/>
+          </ac:inkMkLst>
+        </pc:inkChg>
+        <pc:inkChg chg="add del">
+          <ac:chgData name="wbQ62lLqMu@student.ethz.ch" userId="9644f811-e42f-4102-934e-79c5381944e7" providerId="ADAL" clId="{AD979EDD-E0C2-45A8-9CE6-E82F81F5003E}" dt="2019-02-13T15:21:27.084" v="1648"/>
+          <ac:inkMkLst>
+            <pc:docMk/>
+            <pc:sldMk cId="1580437096" sldId="259"/>
+            <ac:inkMk id="67" creationId="{59BECFCB-8AD4-4B36-A4D6-61A9E2E1E6D3}"/>
+          </ac:inkMkLst>
+        </pc:inkChg>
+        <pc:inkChg chg="add del">
+          <ac:chgData name="wbQ62lLqMu@student.ethz.ch" userId="9644f811-e42f-4102-934e-79c5381944e7" providerId="ADAL" clId="{AD979EDD-E0C2-45A8-9CE6-E82F81F5003E}" dt="2019-02-13T15:21:27.084" v="1648"/>
+          <ac:inkMkLst>
+            <pc:docMk/>
+            <pc:sldMk cId="1580437096" sldId="259"/>
+            <ac:inkMk id="68" creationId="{A53515CB-D726-46F5-93F1-3FCD55812FB8}"/>
+          </ac:inkMkLst>
+        </pc:inkChg>
+        <pc:inkChg chg="add mod">
+          <ac:chgData name="wbQ62lLqMu@student.ethz.ch" userId="9644f811-e42f-4102-934e-79c5381944e7" providerId="ADAL" clId="{AD979EDD-E0C2-45A8-9CE6-E82F81F5003E}" dt="2019-02-14T10:49:29.843" v="3370" actId="1076"/>
+          <ac:inkMkLst>
+            <pc:docMk/>
+            <pc:sldMk cId="1580437096" sldId="259"/>
+            <ac:inkMk id="69" creationId="{040E1D26-E52B-46D3-B74C-ABAC9684C749}"/>
+          </ac:inkMkLst>
+        </pc:inkChg>
+        <pc:inkChg chg="add del">
+          <ac:chgData name="wbQ62lLqMu@student.ethz.ch" userId="9644f811-e42f-4102-934e-79c5381944e7" providerId="ADAL" clId="{AD979EDD-E0C2-45A8-9CE6-E82F81F5003E}" dt="2019-02-13T15:21:39.395" v="1653"/>
+          <ac:inkMkLst>
+            <pc:docMk/>
+            <pc:sldMk cId="1580437096" sldId="259"/>
+            <ac:inkMk id="70" creationId="{A3DCC92D-DC93-4A25-A24A-EAC762C7237B}"/>
+          </ac:inkMkLst>
+        </pc:inkChg>
+        <pc:inkChg chg="add del">
+          <ac:chgData name="wbQ62lLqMu@student.ethz.ch" userId="9644f811-e42f-4102-934e-79c5381944e7" providerId="ADAL" clId="{AD979EDD-E0C2-45A8-9CE6-E82F81F5003E}" dt="2019-02-13T15:21:39.395" v="1653"/>
+          <ac:inkMkLst>
+            <pc:docMk/>
+            <pc:sldMk cId="1580437096" sldId="259"/>
+            <ac:inkMk id="71" creationId="{2B299618-4864-40B9-AF6F-968BAD98DCF9}"/>
+          </ac:inkMkLst>
+        </pc:inkChg>
+        <pc:inkChg chg="add del">
+          <ac:chgData name="wbQ62lLqMu@student.ethz.ch" userId="9644f811-e42f-4102-934e-79c5381944e7" providerId="ADAL" clId="{AD979EDD-E0C2-45A8-9CE6-E82F81F5003E}" dt="2019-02-13T15:21:39.395" v="1653"/>
+          <ac:inkMkLst>
+            <pc:docMk/>
+            <pc:sldMk cId="1580437096" sldId="259"/>
+            <ac:inkMk id="72" creationId="{69A8C1A6-2A68-4FCE-B80F-1DD8A9870B83}"/>
+          </ac:inkMkLst>
+        </pc:inkChg>
+        <pc:inkChg chg="add del">
+          <ac:chgData name="wbQ62lLqMu@student.ethz.ch" userId="9644f811-e42f-4102-934e-79c5381944e7" providerId="ADAL" clId="{AD979EDD-E0C2-45A8-9CE6-E82F81F5003E}" dt="2019-02-13T15:21:39.395" v="1653"/>
+          <ac:inkMkLst>
+            <pc:docMk/>
+            <pc:sldMk cId="1580437096" sldId="259"/>
+            <ac:inkMk id="73" creationId="{399FF66E-49FC-45D8-B473-B3DFB798AB79}"/>
+          </ac:inkMkLst>
+        </pc:inkChg>
+        <pc:inkChg chg="add del">
+          <ac:chgData name="wbQ62lLqMu@student.ethz.ch" userId="9644f811-e42f-4102-934e-79c5381944e7" providerId="ADAL" clId="{AD979EDD-E0C2-45A8-9CE6-E82F81F5003E}" dt="2019-02-13T15:30:24.099" v="1721"/>
+          <ac:inkMkLst>
+            <pc:docMk/>
+            <pc:sldMk cId="1580437096" sldId="259"/>
+            <ac:inkMk id="74" creationId="{BFFECB00-339C-4908-9F8A-BA3392C784C4}"/>
+          </ac:inkMkLst>
+        </pc:inkChg>
+        <pc:inkChg chg="add del">
+          <ac:chgData name="wbQ62lLqMu@student.ethz.ch" userId="9644f811-e42f-4102-934e-79c5381944e7" providerId="ADAL" clId="{AD979EDD-E0C2-45A8-9CE6-E82F81F5003E}" dt="2019-02-13T15:30:24.099" v="1721"/>
+          <ac:inkMkLst>
+            <pc:docMk/>
+            <pc:sldMk cId="1580437096" sldId="259"/>
+            <ac:inkMk id="75" creationId="{19D64BFA-6801-46DC-B57E-97577BFAD5F1}"/>
+          </ac:inkMkLst>
+        </pc:inkChg>
+        <pc:inkChg chg="add del">
+          <ac:chgData name="wbQ62lLqMu@student.ethz.ch" userId="9644f811-e42f-4102-934e-79c5381944e7" providerId="ADAL" clId="{AD979EDD-E0C2-45A8-9CE6-E82F81F5003E}" dt="2019-02-13T15:21:44.498" v="1659"/>
+          <ac:inkMkLst>
+            <pc:docMk/>
+            <pc:sldMk cId="1580437096" sldId="259"/>
+            <ac:inkMk id="76" creationId="{5452D1D5-46D7-4612-87EA-B8A770E3C351}"/>
+          </ac:inkMkLst>
+        </pc:inkChg>
+        <pc:inkChg chg="add del">
+          <ac:chgData name="wbQ62lLqMu@student.ethz.ch" userId="9644f811-e42f-4102-934e-79c5381944e7" providerId="ADAL" clId="{AD979EDD-E0C2-45A8-9CE6-E82F81F5003E}" dt="2019-02-13T15:21:44.498" v="1659"/>
+          <ac:inkMkLst>
+            <pc:docMk/>
+            <pc:sldMk cId="1580437096" sldId="259"/>
+            <ac:inkMk id="77" creationId="{75B410F6-1983-4BAA-B464-4890D49CAC02}"/>
+          </ac:inkMkLst>
+        </pc:inkChg>
+        <pc:inkChg chg="add del">
+          <ac:chgData name="wbQ62lLqMu@student.ethz.ch" userId="9644f811-e42f-4102-934e-79c5381944e7" providerId="ADAL" clId="{AD979EDD-E0C2-45A8-9CE6-E82F81F5003E}" dt="2019-02-13T15:21:44.498" v="1659"/>
+          <ac:inkMkLst>
+            <pc:docMk/>
+            <pc:sldMk cId="1580437096" sldId="259"/>
+            <ac:inkMk id="78" creationId="{5F593DDF-E231-4AA6-82AF-8958FA931398}"/>
+          </ac:inkMkLst>
+        </pc:inkChg>
+        <pc:inkChg chg="add del">
+          <ac:chgData name="wbQ62lLqMu@student.ethz.ch" userId="9644f811-e42f-4102-934e-79c5381944e7" providerId="ADAL" clId="{AD979EDD-E0C2-45A8-9CE6-E82F81F5003E}" dt="2019-02-13T15:21:44.498" v="1659"/>
+          <ac:inkMkLst>
+            <pc:docMk/>
+            <pc:sldMk cId="1580437096" sldId="259"/>
+            <ac:inkMk id="79" creationId="{EC2A0CB2-7C81-483F-B49A-E7A5A8A29798}"/>
+          </ac:inkMkLst>
+        </pc:inkChg>
+        <pc:inkChg chg="add del">
+          <ac:chgData name="wbQ62lLqMu@student.ethz.ch" userId="9644f811-e42f-4102-934e-79c5381944e7" providerId="ADAL" clId="{AD979EDD-E0C2-45A8-9CE6-E82F81F5003E}" dt="2019-02-13T15:21:48.798" v="1661"/>
+          <ac:inkMkLst>
+            <pc:docMk/>
+            <pc:sldMk cId="1580437096" sldId="259"/>
+            <ac:inkMk id="80" creationId="{AF3A18D9-DF36-4DB9-9007-B5E2874DC0BD}"/>
+          </ac:inkMkLst>
+        </pc:inkChg>
+        <pc:inkChg chg="add del">
+          <ac:chgData name="wbQ62lLqMu@student.ethz.ch" userId="9644f811-e42f-4102-934e-79c5381944e7" providerId="ADAL" clId="{AD979EDD-E0C2-45A8-9CE6-E82F81F5003E}" dt="2019-02-13T15:21:48.798" v="1661"/>
+          <ac:inkMkLst>
+            <pc:docMk/>
+            <pc:sldMk cId="1580437096" sldId="259"/>
+            <ac:inkMk id="81" creationId="{A48A5DDE-6957-47F5-B801-15BB64C06697}"/>
+          </ac:inkMkLst>
+        </pc:inkChg>
+        <pc:inkChg chg="add mod">
+          <ac:chgData name="wbQ62lLqMu@student.ethz.ch" userId="9644f811-e42f-4102-934e-79c5381944e7" providerId="ADAL" clId="{AD979EDD-E0C2-45A8-9CE6-E82F81F5003E}" dt="2019-02-14T10:50:42.291" v="3374" actId="1076"/>
+          <ac:inkMkLst>
+            <pc:docMk/>
+            <pc:sldMk cId="1580437096" sldId="259"/>
+            <ac:inkMk id="82" creationId="{6243B740-022A-45F9-8E30-C4422BAE9DF8}"/>
+          </ac:inkMkLst>
+        </pc:inkChg>
+        <pc:inkChg chg="add del">
+          <ac:chgData name="wbQ62lLqMu@student.ethz.ch" userId="9644f811-e42f-4102-934e-79c5381944e7" providerId="ADAL" clId="{AD979EDD-E0C2-45A8-9CE6-E82F81F5003E}" dt="2019-02-13T15:21:59.074" v="1669"/>
+          <ac:inkMkLst>
+            <pc:docMk/>
+            <pc:sldMk cId="1580437096" sldId="259"/>
+            <ac:inkMk id="83" creationId="{83781AF7-6EBD-41D1-93CD-FADEAEC982E2}"/>
+          </ac:inkMkLst>
+        </pc:inkChg>
+        <pc:inkChg chg="add del">
+          <ac:chgData name="wbQ62lLqMu@student.ethz.ch" userId="9644f811-e42f-4102-934e-79c5381944e7" providerId="ADAL" clId="{AD979EDD-E0C2-45A8-9CE6-E82F81F5003E}" dt="2019-02-13T15:21:59.074" v="1669"/>
+          <ac:inkMkLst>
+            <pc:docMk/>
+            <pc:sldMk cId="1580437096" sldId="259"/>
+            <ac:inkMk id="84" creationId="{6DEECC38-C36D-45D9-A3C8-65DD98C97779}"/>
+          </ac:inkMkLst>
+        </pc:inkChg>
+        <pc:inkChg chg="add del">
+          <ac:chgData name="wbQ62lLqMu@student.ethz.ch" userId="9644f811-e42f-4102-934e-79c5381944e7" providerId="ADAL" clId="{AD979EDD-E0C2-45A8-9CE6-E82F81F5003E}" dt="2019-02-13T15:21:59.074" v="1669"/>
+          <ac:inkMkLst>
+            <pc:docMk/>
+            <pc:sldMk cId="1580437096" sldId="259"/>
+            <ac:inkMk id="85" creationId="{E4C90962-9478-4BC6-8DCE-00D9DAD6E413}"/>
+          </ac:inkMkLst>
+        </pc:inkChg>
+        <pc:inkChg chg="add del">
+          <ac:chgData name="wbQ62lLqMu@student.ethz.ch" userId="9644f811-e42f-4102-934e-79c5381944e7" providerId="ADAL" clId="{AD979EDD-E0C2-45A8-9CE6-E82F81F5003E}" dt="2019-02-13T15:21:59.074" v="1669"/>
+          <ac:inkMkLst>
+            <pc:docMk/>
+            <pc:sldMk cId="1580437096" sldId="259"/>
+            <ac:inkMk id="86" creationId="{46E4696E-042D-4508-800A-BD259449ADED}"/>
+          </ac:inkMkLst>
+        </pc:inkChg>
+        <pc:inkChg chg="add del">
+          <ac:chgData name="wbQ62lLqMu@student.ethz.ch" userId="9644f811-e42f-4102-934e-79c5381944e7" providerId="ADAL" clId="{AD979EDD-E0C2-45A8-9CE6-E82F81F5003E}" dt="2019-02-13T15:21:59.074" v="1669"/>
+          <ac:inkMkLst>
+            <pc:docMk/>
+            <pc:sldMk cId="1580437096" sldId="259"/>
+            <ac:inkMk id="87" creationId="{5230988A-D45F-4159-A6C0-25B3966DB64E}"/>
+          </ac:inkMkLst>
+        </pc:inkChg>
+        <pc:inkChg chg="add del">
+          <ac:chgData name="wbQ62lLqMu@student.ethz.ch" userId="9644f811-e42f-4102-934e-79c5381944e7" providerId="ADAL" clId="{AD979EDD-E0C2-45A8-9CE6-E82F81F5003E}" dt="2019-02-13T15:21:59.074" v="1669"/>
+          <ac:inkMkLst>
+            <pc:docMk/>
+            <pc:sldMk cId="1580437096" sldId="259"/>
+            <ac:inkMk id="88" creationId="{96E88270-1F12-4AD9-BE93-739260AA1449}"/>
+          </ac:inkMkLst>
+        </pc:inkChg>
+        <pc:inkChg chg="add del">
+          <ac:chgData name="wbQ62lLqMu@student.ethz.ch" userId="9644f811-e42f-4102-934e-79c5381944e7" providerId="ADAL" clId="{AD979EDD-E0C2-45A8-9CE6-E82F81F5003E}" dt="2019-02-13T15:21:59.074" v="1669"/>
+          <ac:inkMkLst>
+            <pc:docMk/>
+            <pc:sldMk cId="1580437096" sldId="259"/>
+            <ac:inkMk id="89" creationId="{CD0E624A-DB6B-4DB2-A1B7-D4E1E8003D11}"/>
+          </ac:inkMkLst>
+        </pc:inkChg>
+        <pc:inkChg chg="add mod">
+          <ac:chgData name="wbQ62lLqMu@student.ethz.ch" userId="9644f811-e42f-4102-934e-79c5381944e7" providerId="ADAL" clId="{AD979EDD-E0C2-45A8-9CE6-E82F81F5003E}" dt="2019-02-14T10:50:46.513" v="3375" actId="1076"/>
+          <ac:inkMkLst>
+            <pc:docMk/>
+            <pc:sldMk cId="1580437096" sldId="259"/>
+            <ac:inkMk id="90" creationId="{BDA40714-0324-416E-A4FC-1934241100CF}"/>
+          </ac:inkMkLst>
+        </pc:inkChg>
+        <pc:inkChg chg="add del">
+          <ac:chgData name="wbQ62lLqMu@student.ethz.ch" userId="9644f811-e42f-4102-934e-79c5381944e7" providerId="ADAL" clId="{AD979EDD-E0C2-45A8-9CE6-E82F81F5003E}" dt="2019-02-13T15:30:21.251" v="1719" actId="9405"/>
+          <ac:inkMkLst>
+            <pc:docMk/>
+            <pc:sldMk cId="1580437096" sldId="259"/>
+            <ac:inkMk id="91" creationId="{9CD17520-B922-4F1C-B529-FB309179847C}"/>
+          </ac:inkMkLst>
+        </pc:inkChg>
+        <pc:inkChg chg="add">
+          <ac:chgData name="wbQ62lLqMu@student.ethz.ch" userId="9644f811-e42f-4102-934e-79c5381944e7" providerId="ADAL" clId="{AD979EDD-E0C2-45A8-9CE6-E82F81F5003E}" dt="2019-02-13T15:30:19.932" v="1718"/>
+          <ac:inkMkLst>
+            <pc:docMk/>
+            <pc:sldMk cId="1580437096" sldId="259"/>
+            <ac:inkMk id="92" creationId="{B7D95668-8323-4080-BCF4-4D4AB3D508ED}"/>
+          </ac:inkMkLst>
+        </pc:inkChg>
+        <pc:inkChg chg="add del">
+          <ac:chgData name="wbQ62lLqMu@student.ethz.ch" userId="9644f811-e42f-4102-934e-79c5381944e7" providerId="ADAL" clId="{AD979EDD-E0C2-45A8-9CE6-E82F81F5003E}" dt="2019-02-13T15:30:24.099" v="1721"/>
+          <ac:inkMkLst>
+            <pc:docMk/>
+            <pc:sldMk cId="1580437096" sldId="259"/>
+            <ac:inkMk id="93" creationId="{2945C4B0-52EA-41D9-A5D0-F2D18A9E4357}"/>
+          </ac:inkMkLst>
+        </pc:inkChg>
+        <pc:inkChg chg="add mod">
+          <ac:chgData name="wbQ62lLqMu@student.ethz.ch" userId="9644f811-e42f-4102-934e-79c5381944e7" providerId="ADAL" clId="{AD979EDD-E0C2-45A8-9CE6-E82F81F5003E}" dt="2019-02-14T10:50:42.291" v="3374" actId="1076"/>
+          <ac:inkMkLst>
+            <pc:docMk/>
+            <pc:sldMk cId="1580437096" sldId="259"/>
+            <ac:inkMk id="94" creationId="{2C823BEF-17B5-4A6C-8BC3-3C53F69A088A}"/>
+          </ac:inkMkLst>
+        </pc:inkChg>
+        <pc:cxnChg chg="add del mod">
+          <ac:chgData name="wbQ62lLqMu@student.ethz.ch" userId="9644f811-e42f-4102-934e-79c5381944e7" providerId="ADAL" clId="{AD979EDD-E0C2-45A8-9CE6-E82F81F5003E}" dt="2019-02-13T14:35:26.356" v="1136" actId="478"/>
+          <ac:cxnSpMkLst>
+            <pc:docMk/>
+            <pc:sldMk cId="1580437096" sldId="259"/>
+            <ac:cxnSpMk id="9" creationId="{AFA9B4BA-5946-49D2-AE4E-6AB5F26B62EE}"/>
+          </ac:cxnSpMkLst>
+        </pc:cxnChg>
+      </pc:sldChg>
+      <pc:sldChg chg="addSp delSp modSp modNotesTx">
+        <pc:chgData name="wbQ62lLqMu@student.ethz.ch" userId="9644f811-e42f-4102-934e-79c5381944e7" providerId="ADAL" clId="{AD979EDD-E0C2-45A8-9CE6-E82F81F5003E}" dt="2019-02-14T15:54:40.620" v="4346" actId="20577"/>
+        <pc:sldMkLst>
+          <pc:docMk/>
+          <pc:sldMk cId="173405992" sldId="260"/>
+        </pc:sldMkLst>
+        <pc:spChg chg="del">
+          <ac:chgData name="wbQ62lLqMu@student.ethz.ch" userId="9644f811-e42f-4102-934e-79c5381944e7" providerId="ADAL" clId="{AD979EDD-E0C2-45A8-9CE6-E82F81F5003E}" dt="2019-02-13T15:33:08.011" v="1812" actId="478"/>
+          <ac:spMkLst>
+            <pc:docMk/>
+            <pc:sldMk cId="173405992" sldId="260"/>
+            <ac:spMk id="2" creationId="{00000000-0000-0000-0000-000000000000}"/>
+          </ac:spMkLst>
+        </pc:spChg>
+        <pc:spChg chg="add mod">
+          <ac:chgData name="wbQ62lLqMu@student.ethz.ch" userId="9644f811-e42f-4102-934e-79c5381944e7" providerId="ADAL" clId="{AD979EDD-E0C2-45A8-9CE6-E82F81F5003E}" dt="2019-02-14T15:07:17.867" v="4322" actId="113"/>
+          <ac:spMkLst>
+            <pc:docMk/>
+            <pc:sldMk cId="173405992" sldId="260"/>
+            <ac:spMk id="3" creationId="{45FD89CA-10F1-41F2-B714-37413538B1CC}"/>
+          </ac:spMkLst>
+        </pc:spChg>
+        <pc:spChg chg="add mod">
+          <ac:chgData name="wbQ62lLqMu@student.ethz.ch" userId="9644f811-e42f-4102-934e-79c5381944e7" providerId="ADAL" clId="{AD979EDD-E0C2-45A8-9CE6-E82F81F5003E}" dt="2019-02-13T15:33:53.075" v="1816" actId="1076"/>
+          <ac:spMkLst>
+            <pc:docMk/>
+            <pc:sldMk cId="173405992" sldId="260"/>
+            <ac:spMk id="4" creationId="{88CE0119-70A9-43CF-A845-D17860415045}"/>
+          </ac:spMkLst>
+        </pc:spChg>
+        <pc:spChg chg="del mod">
+          <ac:chgData name="wbQ62lLqMu@student.ethz.ch" userId="9644f811-e42f-4102-934e-79c5381944e7" providerId="ADAL" clId="{AD979EDD-E0C2-45A8-9CE6-E82F81F5003E}" dt="2019-02-13T15:32:49.104" v="1811" actId="478"/>
+          <ac:spMkLst>
+            <pc:docMk/>
+            <pc:sldMk cId="173405992" sldId="260"/>
+            <ac:spMk id="5" creationId="{00000000-0000-0000-0000-000000000000}"/>
+          </ac:spMkLst>
+        </pc:spChg>
+        <pc:spChg chg="add mod">
+          <ac:chgData name="wbQ62lLqMu@student.ethz.ch" userId="9644f811-e42f-4102-934e-79c5381944e7" providerId="ADAL" clId="{AD979EDD-E0C2-45A8-9CE6-E82F81F5003E}" dt="2019-02-14T15:06:32.905" v="4320" actId="20577"/>
+          <ac:spMkLst>
+            <pc:docMk/>
+            <pc:sldMk cId="173405992" sldId="260"/>
+            <ac:spMk id="6" creationId="{BE0F5D48-DF0B-43C9-8CCF-CCDEA9154424}"/>
+          </ac:spMkLst>
+        </pc:spChg>
+        <pc:spChg chg="mod">
+          <ac:chgData name="wbQ62lLqMu@student.ethz.ch" userId="9644f811-e42f-4102-934e-79c5381944e7" providerId="ADAL" clId="{AD979EDD-E0C2-45A8-9CE6-E82F81F5003E}" dt="2019-02-14T12:20:38.122" v="3899" actId="1036"/>
+          <ac:spMkLst>
+            <pc:docMk/>
+            <pc:sldMk cId="173405992" sldId="260"/>
+            <ac:spMk id="8" creationId="{81A11D8E-0C5C-4159-A5B2-FB8EF131370D}"/>
+          </ac:spMkLst>
+        </pc:spChg>
+        <pc:spChg chg="mod">
+          <ac:chgData name="wbQ62lLqMu@student.ethz.ch" userId="9644f811-e42f-4102-934e-79c5381944e7" providerId="ADAL" clId="{AD979EDD-E0C2-45A8-9CE6-E82F81F5003E}" dt="2019-02-14T12:20:38.122" v="3899" actId="1036"/>
+          <ac:spMkLst>
+            <pc:docMk/>
+            <pc:sldMk cId="173405992" sldId="260"/>
+            <ac:spMk id="10" creationId="{D4D5DA86-CE43-40E2-BDB5-0D48B8E7BBDC}"/>
+          </ac:spMkLst>
+        </pc:spChg>
+        <pc:spChg chg="mod">
+          <ac:chgData name="wbQ62lLqMu@student.ethz.ch" userId="9644f811-e42f-4102-934e-79c5381944e7" providerId="ADAL" clId="{AD979EDD-E0C2-45A8-9CE6-E82F81F5003E}" dt="2019-02-14T12:20:38.122" v="3899" actId="1036"/>
+          <ac:spMkLst>
+            <pc:docMk/>
+            <pc:sldMk cId="173405992" sldId="260"/>
+            <ac:spMk id="11" creationId="{6FFA9741-E350-419F-8A57-79B2AA717013}"/>
+          </ac:spMkLst>
+        </pc:spChg>
+        <pc:spChg chg="mod">
+          <ac:chgData name="wbQ62lLqMu@student.ethz.ch" userId="9644f811-e42f-4102-934e-79c5381944e7" providerId="ADAL" clId="{AD979EDD-E0C2-45A8-9CE6-E82F81F5003E}" dt="2019-02-14T12:20:38.122" v="3899" actId="1036"/>
+          <ac:spMkLst>
+            <pc:docMk/>
+            <pc:sldMk cId="173405992" sldId="260"/>
+            <ac:spMk id="12" creationId="{3D754A3F-30E0-46CB-B3F4-73F0134FA8FE}"/>
+          </ac:spMkLst>
+        </pc:spChg>
+        <pc:spChg chg="add del mod ord">
+          <ac:chgData name="wbQ62lLqMu@student.ethz.ch" userId="9644f811-e42f-4102-934e-79c5381944e7" providerId="ADAL" clId="{AD979EDD-E0C2-45A8-9CE6-E82F81F5003E}" dt="2019-02-14T12:20:43.134" v="3900" actId="478"/>
+          <ac:spMkLst>
+            <pc:docMk/>
+            <pc:sldMk cId="173405992" sldId="260"/>
+            <ac:spMk id="13" creationId="{A148E074-918A-4407-A576-B57AB8AB45E1}"/>
+          </ac:spMkLst>
+        </pc:spChg>
+        <pc:picChg chg="add">
+          <ac:chgData name="wbQ62lLqMu@student.ethz.ch" userId="9644f811-e42f-4102-934e-79c5381944e7" providerId="ADAL" clId="{AD979EDD-E0C2-45A8-9CE6-E82F81F5003E}" dt="2019-02-13T16:11:34.942" v="2317"/>
+          <ac:picMkLst>
+            <pc:docMk/>
+            <pc:sldMk cId="173405992" sldId="260"/>
+            <ac:picMk id="7" creationId="{2E581422-6FEB-4936-B821-115372B624BF}"/>
+          </ac:picMkLst>
+        </pc:picChg>
+      </pc:sldChg>
+      <pc:sldChg chg="addSp delSp modSp">
+        <pc:chgData name="wbQ62lLqMu@student.ethz.ch" userId="9644f811-e42f-4102-934e-79c5381944e7" providerId="ADAL" clId="{AD979EDD-E0C2-45A8-9CE6-E82F81F5003E}" dt="2019-02-15T08:28:01.090" v="4510" actId="1076"/>
+        <pc:sldMkLst>
+          <pc:docMk/>
+          <pc:sldMk cId="1793154150" sldId="261"/>
+        </pc:sldMkLst>
+        <pc:spChg chg="add mod">
+          <ac:chgData name="wbQ62lLqMu@student.ethz.ch" userId="9644f811-e42f-4102-934e-79c5381944e7" providerId="ADAL" clId="{AD979EDD-E0C2-45A8-9CE6-E82F81F5003E}" dt="2019-02-14T12:20:01.591" v="3879" actId="1076"/>
+          <ac:spMkLst>
+            <pc:docMk/>
+            <pc:sldMk cId="1793154150" sldId="261"/>
+            <ac:spMk id="3" creationId="{851D5CCB-8D1A-4FF6-8713-0D45C781B4F6}"/>
+          </ac:spMkLst>
+        </pc:spChg>
+        <pc:spChg chg="add mod">
+          <ac:chgData name="wbQ62lLqMu@student.ethz.ch" userId="9644f811-e42f-4102-934e-79c5381944e7" providerId="ADAL" clId="{AD979EDD-E0C2-45A8-9CE6-E82F81F5003E}" dt="2019-02-14T11:49:04.676" v="3577" actId="20577"/>
+          <ac:spMkLst>
+            <pc:docMk/>
+            <pc:sldMk cId="1793154150" sldId="261"/>
+            <ac:spMk id="4" creationId="{3A4FF952-8710-4E4A-AD5C-65013F816F1E}"/>
+          </ac:spMkLst>
+        </pc:spChg>
+        <pc:spChg chg="del">
+          <ac:chgData name="wbQ62lLqMu@student.ethz.ch" userId="9644f811-e42f-4102-934e-79c5381944e7" providerId="ADAL" clId="{AD979EDD-E0C2-45A8-9CE6-E82F81F5003E}" dt="2019-02-14T11:48:40.231" v="3571" actId="478"/>
+          <ac:spMkLst>
+            <pc:docMk/>
+            <pc:sldMk cId="1793154150" sldId="261"/>
+            <ac:spMk id="5" creationId="{00000000-0000-0000-0000-000000000000}"/>
+          </ac:spMkLst>
+        </pc:spChg>
+        <pc:spChg chg="add mod">
+          <ac:chgData name="wbQ62lLqMu@student.ethz.ch" userId="9644f811-e42f-4102-934e-79c5381944e7" providerId="ADAL" clId="{AD979EDD-E0C2-45A8-9CE6-E82F81F5003E}" dt="2019-02-15T08:28:01.090" v="4510" actId="1076"/>
+          <ac:spMkLst>
+            <pc:docMk/>
+            <pc:sldMk cId="1793154150" sldId="261"/>
+            <ac:spMk id="24" creationId="{B1CB4A24-72B4-4948-B21B-B6CB579F3D07}"/>
+          </ac:spMkLst>
+        </pc:spChg>
+        <pc:picChg chg="add mod">
+          <ac:chgData name="wbQ62lLqMu@student.ethz.ch" userId="9644f811-e42f-4102-934e-79c5381944e7" providerId="ADAL" clId="{AD979EDD-E0C2-45A8-9CE6-E82F81F5003E}" dt="2019-02-15T08:25:08.125" v="4465" actId="1036"/>
+          <ac:picMkLst>
+            <pc:docMk/>
+            <pc:sldMk cId="1793154150" sldId="261"/>
+            <ac:picMk id="6" creationId="{3A413EF8-07BA-4B79-B936-04AB7F0A8647}"/>
+          </ac:picMkLst>
+        </pc:picChg>
+        <pc:picChg chg="add mod">
+          <ac:chgData name="wbQ62lLqMu@student.ethz.ch" userId="9644f811-e42f-4102-934e-79c5381944e7" providerId="ADAL" clId="{AD979EDD-E0C2-45A8-9CE6-E82F81F5003E}" dt="2019-02-15T08:08:48.203" v="4443" actId="692"/>
+          <ac:picMkLst>
+            <pc:docMk/>
+            <pc:sldMk cId="1793154150" sldId="261"/>
+            <ac:picMk id="8" creationId="{5E53EE52-90FB-4866-B78E-B47282539D01}"/>
+          </ac:picMkLst>
+        </pc:picChg>
+        <pc:picChg chg="add mod">
+          <ac:chgData name="wbQ62lLqMu@student.ethz.ch" userId="9644f811-e42f-4102-934e-79c5381944e7" providerId="ADAL" clId="{AD979EDD-E0C2-45A8-9CE6-E82F81F5003E}" dt="2019-02-15T08:25:12.139" v="4477" actId="1035"/>
+          <ac:picMkLst>
+            <pc:docMk/>
+            <pc:sldMk cId="1793154150" sldId="261"/>
+            <ac:picMk id="10" creationId="{1EFF0F17-E0DC-4172-B5B0-ABF9D067F6AA}"/>
+          </ac:picMkLst>
+        </pc:picChg>
+        <pc:inkChg chg="add del">
+          <ac:chgData name="wbQ62lLqMu@student.ethz.ch" userId="9644f811-e42f-4102-934e-79c5381944e7" providerId="ADAL" clId="{AD979EDD-E0C2-45A8-9CE6-E82F81F5003E}" dt="2019-02-15T08:24:39.704" v="4447" actId="9405"/>
+          <ac:inkMkLst>
+            <pc:docMk/>
+            <pc:sldMk cId="1793154150" sldId="261"/>
+            <ac:inkMk id="5" creationId="{C6B0880B-BAC5-41F5-BAA1-DAB57C057176}"/>
+          </ac:inkMkLst>
+        </pc:inkChg>
+        <pc:inkChg chg="add del">
+          <ac:chgData name="wbQ62lLqMu@student.ethz.ch" userId="9644f811-e42f-4102-934e-79c5381944e7" providerId="ADAL" clId="{AD979EDD-E0C2-45A8-9CE6-E82F81F5003E}" dt="2019-02-15T08:25:31.469" v="4479" actId="9405"/>
+          <ac:inkMkLst>
+            <pc:docMk/>
+            <pc:sldMk cId="1793154150" sldId="261"/>
+            <ac:inkMk id="7" creationId="{37F7E8F7-755A-4B2C-945F-B9F1B94EF088}"/>
+          </ac:inkMkLst>
+        </pc:inkChg>
+        <pc:inkChg chg="add del">
+          <ac:chgData name="wbQ62lLqMu@student.ethz.ch" userId="9644f811-e42f-4102-934e-79c5381944e7" providerId="ADAL" clId="{AD979EDD-E0C2-45A8-9CE6-E82F81F5003E}" dt="2019-02-15T08:25:55.874" v="4493"/>
+          <ac:inkMkLst>
+            <pc:docMk/>
+            <pc:sldMk cId="1793154150" sldId="261"/>
+            <ac:inkMk id="9" creationId="{9800FCDA-93D3-401E-BB92-99D19CCF5198}"/>
+          </ac:inkMkLst>
+        </pc:inkChg>
+        <pc:inkChg chg="add del">
+          <ac:chgData name="wbQ62lLqMu@student.ethz.ch" userId="9644f811-e42f-4102-934e-79c5381944e7" providerId="ADAL" clId="{AD979EDD-E0C2-45A8-9CE6-E82F81F5003E}" dt="2019-02-15T08:25:46.449" v="4485" actId="9405"/>
+          <ac:inkMkLst>
+            <pc:docMk/>
+            <pc:sldMk cId="1793154150" sldId="261"/>
+            <ac:inkMk id="11" creationId="{ADBB772D-A099-4DB8-B1B9-62904B144233}"/>
+          </ac:inkMkLst>
+        </pc:inkChg>
+        <pc:inkChg chg="add">
+          <ac:chgData name="wbQ62lLqMu@student.ethz.ch" userId="9644f811-e42f-4102-934e-79c5381944e7" providerId="ADAL" clId="{AD979EDD-E0C2-45A8-9CE6-E82F81F5003E}" dt="2019-02-15T08:25:35.951" v="4482"/>
+          <ac:inkMkLst>
+            <pc:docMk/>
+            <pc:sldMk cId="1793154150" sldId="261"/>
+            <ac:inkMk id="12" creationId="{21E56B79-2022-4158-8A51-2E27DC00982B}"/>
+          </ac:inkMkLst>
+        </pc:inkChg>
+        <pc:inkChg chg="add del">
+          <ac:chgData name="wbQ62lLqMu@student.ethz.ch" userId="9644f811-e42f-4102-934e-79c5381944e7" providerId="ADAL" clId="{AD979EDD-E0C2-45A8-9CE6-E82F81F5003E}" dt="2019-02-15T08:25:43.020" v="4484" actId="9405"/>
+          <ac:inkMkLst>
+            <pc:docMk/>
+            <pc:sldMk cId="1793154150" sldId="261"/>
+            <ac:inkMk id="13" creationId="{1E6C1C72-FAC6-4870-8F37-199150E51A7C}"/>
+          </ac:inkMkLst>
+        </pc:inkChg>
+        <pc:inkChg chg="add del">
+          <ac:chgData name="wbQ62lLqMu@student.ethz.ch" userId="9644f811-e42f-4102-934e-79c5381944e7" providerId="ADAL" clId="{AD979EDD-E0C2-45A8-9CE6-E82F81F5003E}" dt="2019-02-15T08:25:50.679" v="4488" actId="9405"/>
+          <ac:inkMkLst>
+            <pc:docMk/>
+            <pc:sldMk cId="1793154150" sldId="261"/>
+            <ac:inkMk id="14" creationId="{57934809-FF9B-476A-AD59-7971CAA827C7}"/>
+          </ac:inkMkLst>
+        </pc:inkChg>
+        <pc:inkChg chg="add">
+          <ac:chgData name="wbQ62lLqMu@student.ethz.ch" userId="9644f811-e42f-4102-934e-79c5381944e7" providerId="ADAL" clId="{AD979EDD-E0C2-45A8-9CE6-E82F81F5003E}" dt="2019-02-15T08:25:50.003" v="4487"/>
+          <ac:inkMkLst>
+            <pc:docMk/>
+            <pc:sldMk cId="1793154150" sldId="261"/>
+            <ac:inkMk id="15" creationId="{26CFA964-C90B-4086-B114-ED38FA616EFF}"/>
+          </ac:inkMkLst>
+        </pc:inkChg>
+        <pc:inkChg chg="add del">
+          <ac:chgData name="wbQ62lLqMu@student.ethz.ch" userId="9644f811-e42f-4102-934e-79c5381944e7" providerId="ADAL" clId="{AD979EDD-E0C2-45A8-9CE6-E82F81F5003E}" dt="2019-02-15T08:25:53.721" v="4491" actId="9405"/>
+          <ac:inkMkLst>
+            <pc:docMk/>
+            <pc:sldMk cId="1793154150" sldId="261"/>
+            <ac:inkMk id="16" creationId="{1725A9CF-3CDD-496B-AE1C-80BE5CB435B8}"/>
+          </ac:inkMkLst>
+        </pc:inkChg>
+        <pc:inkChg chg="add">
+          <ac:chgData name="wbQ62lLqMu@student.ethz.ch" userId="9644f811-e42f-4102-934e-79c5381944e7" providerId="ADAL" clId="{AD979EDD-E0C2-45A8-9CE6-E82F81F5003E}" dt="2019-02-15T08:25:53.500" v="4490"/>
+          <ac:inkMkLst>
+            <pc:docMk/>
+            <pc:sldMk cId="1793154150" sldId="261"/>
+            <ac:inkMk id="17" creationId="{66CBC142-D4AB-4E89-AD53-287AC38B1920}"/>
+          </ac:inkMkLst>
+        </pc:inkChg>
+        <pc:inkChg chg="add del">
+          <ac:chgData name="wbQ62lLqMu@student.ethz.ch" userId="9644f811-e42f-4102-934e-79c5381944e7" providerId="ADAL" clId="{AD979EDD-E0C2-45A8-9CE6-E82F81F5003E}" dt="2019-02-15T08:25:55.874" v="4493"/>
+          <ac:inkMkLst>
+            <pc:docMk/>
+            <pc:sldMk cId="1793154150" sldId="261"/>
+            <ac:inkMk id="18" creationId="{17640D1B-8CBB-48B0-8ABA-606DBEF63090}"/>
+          </ac:inkMkLst>
+        </pc:inkChg>
+        <pc:inkChg chg="add">
+          <ac:chgData name="wbQ62lLqMu@student.ethz.ch" userId="9644f811-e42f-4102-934e-79c5381944e7" providerId="ADAL" clId="{AD979EDD-E0C2-45A8-9CE6-E82F81F5003E}" dt="2019-02-15T08:25:55.874" v="4493"/>
+          <ac:inkMkLst>
+            <pc:docMk/>
+            <pc:sldMk cId="1793154150" sldId="261"/>
+            <ac:inkMk id="19" creationId="{DF58C01D-97D8-4593-926B-B755999B5448}"/>
+          </ac:inkMkLst>
+        </pc:inkChg>
+        <pc:inkChg chg="add del">
+          <ac:chgData name="wbQ62lLqMu@student.ethz.ch" userId="9644f811-e42f-4102-934e-79c5381944e7" providerId="ADAL" clId="{AD979EDD-E0C2-45A8-9CE6-E82F81F5003E}" dt="2019-02-15T08:26:04.059" v="4495" actId="9405"/>
+          <ac:inkMkLst>
+            <pc:docMk/>
+            <pc:sldMk cId="1793154150" sldId="261"/>
+            <ac:inkMk id="20" creationId="{A50AB3CE-C4F8-44AE-84D9-3BD3F446375D}"/>
+          </ac:inkMkLst>
+        </pc:inkChg>
+        <pc:inkChg chg="add del">
+          <ac:chgData name="wbQ62lLqMu@student.ethz.ch" userId="9644f811-e42f-4102-934e-79c5381944e7" providerId="ADAL" clId="{AD979EDD-E0C2-45A8-9CE6-E82F81F5003E}" dt="2019-02-15T08:26:07.764" v="4498"/>
+          <ac:inkMkLst>
+            <pc:docMk/>
+            <pc:sldMk cId="1793154150" sldId="261"/>
+            <ac:inkMk id="21" creationId="{8564B5EE-352B-4A93-AC21-946225D77960}"/>
+          </ac:inkMkLst>
+        </pc:inkChg>
+        <pc:inkChg chg="add del">
+          <ac:chgData name="wbQ62lLqMu@student.ethz.ch" userId="9644f811-e42f-4102-934e-79c5381944e7" providerId="ADAL" clId="{AD979EDD-E0C2-45A8-9CE6-E82F81F5003E}" dt="2019-02-15T08:26:07.764" v="4498"/>
+          <ac:inkMkLst>
+            <pc:docMk/>
+            <pc:sldMk cId="1793154150" sldId="261"/>
+            <ac:inkMk id="22" creationId="{65CC404D-2775-48AC-BCE0-D953D40B89BD}"/>
+          </ac:inkMkLst>
+        </pc:inkChg>
+        <pc:inkChg chg="add">
+          <ac:chgData name="wbQ62lLqMu@student.ethz.ch" userId="9644f811-e42f-4102-934e-79c5381944e7" providerId="ADAL" clId="{AD979EDD-E0C2-45A8-9CE6-E82F81F5003E}" dt="2019-02-15T08:26:07.764" v="4498"/>
+          <ac:inkMkLst>
+            <pc:docMk/>
+            <pc:sldMk cId="1793154150" sldId="261"/>
+            <ac:inkMk id="23" creationId="{D689382F-A35A-477E-9E1A-F4B34427C93C}"/>
+          </ac:inkMkLst>
+        </pc:inkChg>
+      </pc:sldChg>
+    </pc:docChg>
+  </pc:docChgLst>
+  <pc:docChgLst>
     <pc:chgData name="wbQ62lLqMu@student.ethz.ch" userId="9644f811-e42f-4102-934e-79c5381944e7" providerId="ADAL" clId="{580DFB80-058E-44F7-9ACA-365B4C8DAA1C}"/>
     <pc:docChg chg="modSld">
       <pc:chgData name="wbQ62lLqMu@student.ethz.ch" userId="9644f811-e42f-4102-934e-79c5381944e7" providerId="ADAL" clId="{580DFB80-058E-44F7-9ACA-365B4C8DAA1C}" dt="2019-02-13T13:22:01.829" v="24" actId="20577"/>
@@ -145,1706 +1845,6 @@
             <ac:spMk id="4" creationId="{00000000-0000-0000-0000-000000000000}"/>
           </ac:spMkLst>
         </pc:spChg>
-      </pc:sldChg>
-    </pc:docChg>
-  </pc:docChgLst>
-  <pc:docChgLst>
-    <pc:chgData name="wbQ62lLqMu@student.ethz.ch" userId="9644f811-e42f-4102-934e-79c5381944e7" providerId="ADAL" clId="{AD979EDD-E0C2-45A8-9CE6-E82F81F5003E}"/>
-    <pc:docChg chg="undo redo custSel modSld">
-      <pc:chgData name="wbQ62lLqMu@student.ethz.ch" userId="9644f811-e42f-4102-934e-79c5381944e7" providerId="ADAL" clId="{AD979EDD-E0C2-45A8-9CE6-E82F81F5003E}" dt="2019-02-15T08:28:01.090" v="4510" actId="1076"/>
-      <pc:docMkLst>
-        <pc:docMk/>
-      </pc:docMkLst>
-      <pc:sldChg chg="addSp delSp modSp modNotesTx">
-        <pc:chgData name="wbQ62lLqMu@student.ethz.ch" userId="9644f811-e42f-4102-934e-79c5381944e7" providerId="ADAL" clId="{AD979EDD-E0C2-45A8-9CE6-E82F81F5003E}" dt="2019-02-14T15:54:17.701" v="4344" actId="20577"/>
-        <pc:sldMkLst>
-          <pc:docMk/>
-          <pc:sldMk cId="1127231858" sldId="256"/>
-        </pc:sldMkLst>
-        <pc:spChg chg="add del mod">
-          <ac:chgData name="wbQ62lLqMu@student.ethz.ch" userId="9644f811-e42f-4102-934e-79c5381944e7" providerId="ADAL" clId="{AD979EDD-E0C2-45A8-9CE6-E82F81F5003E}" dt="2019-02-13T13:45:24.150" v="408" actId="478"/>
-          <ac:spMkLst>
-            <pc:docMk/>
-            <pc:sldMk cId="1127231858" sldId="256"/>
-            <ac:spMk id="2" creationId="{71F13BF0-6C36-4475-A219-5363EE19D074}"/>
-          </ac:spMkLst>
-        </pc:spChg>
-        <pc:spChg chg="add mod">
-          <ac:chgData name="wbQ62lLqMu@student.ethz.ch" userId="9644f811-e42f-4102-934e-79c5381944e7" providerId="ADAL" clId="{AD979EDD-E0C2-45A8-9CE6-E82F81F5003E}" dt="2019-02-13T14:23:29.605" v="1109" actId="1076"/>
-          <ac:spMkLst>
-            <pc:docMk/>
-            <pc:sldMk cId="1127231858" sldId="256"/>
-            <ac:spMk id="3" creationId="{43E416AD-30A2-437D-92C3-120D45A2CC7B}"/>
-          </ac:spMkLst>
-        </pc:spChg>
-        <pc:spChg chg="mod">
-          <ac:chgData name="wbQ62lLqMu@student.ethz.ch" userId="9644f811-e42f-4102-934e-79c5381944e7" providerId="ADAL" clId="{AD979EDD-E0C2-45A8-9CE6-E82F81F5003E}" dt="2019-02-14T12:53:08.276" v="3949" actId="20577"/>
-          <ac:spMkLst>
-            <pc:docMk/>
-            <pc:sldMk cId="1127231858" sldId="256"/>
-            <ac:spMk id="4" creationId="{00000000-0000-0000-0000-000000000000}"/>
-          </ac:spMkLst>
-        </pc:spChg>
-        <pc:spChg chg="add mod">
-          <ac:chgData name="wbQ62lLqMu@student.ethz.ch" userId="9644f811-e42f-4102-934e-79c5381944e7" providerId="ADAL" clId="{AD979EDD-E0C2-45A8-9CE6-E82F81F5003E}" dt="2019-02-13T14:23:22.818" v="1108" actId="1076"/>
-          <ac:spMkLst>
-            <pc:docMk/>
-            <pc:sldMk cId="1127231858" sldId="256"/>
-            <ac:spMk id="9" creationId="{3DFD74D4-24E7-4F45-B692-5C05A45E46E6}"/>
-          </ac:spMkLst>
-        </pc:spChg>
-        <pc:picChg chg="del">
-          <ac:chgData name="wbQ62lLqMu@student.ethz.ch" userId="9644f811-e42f-4102-934e-79c5381944e7" providerId="ADAL" clId="{AD979EDD-E0C2-45A8-9CE6-E82F81F5003E}" dt="2019-02-13T13:22:57.175" v="3" actId="478"/>
-          <ac:picMkLst>
-            <pc:docMk/>
-            <pc:sldMk cId="1127231858" sldId="256"/>
-            <ac:picMk id="7" creationId="{DABF9C63-6BD8-1246-BD2B-CE8DB8979E5C}"/>
-          </ac:picMkLst>
-        </pc:picChg>
-        <pc:picChg chg="del">
-          <ac:chgData name="wbQ62lLqMu@student.ethz.ch" userId="9644f811-e42f-4102-934e-79c5381944e7" providerId="ADAL" clId="{AD979EDD-E0C2-45A8-9CE6-E82F81F5003E}" dt="2019-02-13T13:22:56.049" v="2" actId="478"/>
-          <ac:picMkLst>
-            <pc:docMk/>
-            <pc:sldMk cId="1127231858" sldId="256"/>
-            <ac:picMk id="8" creationId="{D102DA90-3273-0D47-B32A-278772F9A8B8}"/>
-          </ac:picMkLst>
-        </pc:picChg>
-        <pc:picChg chg="del">
-          <ac:chgData name="wbQ62lLqMu@student.ethz.ch" userId="9644f811-e42f-4102-934e-79c5381944e7" providerId="ADAL" clId="{AD979EDD-E0C2-45A8-9CE6-E82F81F5003E}" dt="2019-02-13T13:22:53.161" v="0" actId="478"/>
-          <ac:picMkLst>
-            <pc:docMk/>
-            <pc:sldMk cId="1127231858" sldId="256"/>
-            <ac:picMk id="10" creationId="{74DF7FE2-76C8-3B4E-9C1E-99C6C1463B56}"/>
-          </ac:picMkLst>
-        </pc:picChg>
-        <pc:picChg chg="mod">
-          <ac:chgData name="wbQ62lLqMu@student.ethz.ch" userId="9644f811-e42f-4102-934e-79c5381944e7" providerId="ADAL" clId="{AD979EDD-E0C2-45A8-9CE6-E82F81F5003E}" dt="2019-02-13T16:11:12.432" v="2310" actId="1076"/>
-          <ac:picMkLst>
-            <pc:docMk/>
-            <pc:sldMk cId="1127231858" sldId="256"/>
-            <ac:picMk id="12" creationId="{36DE8C2C-A4CA-6544-AF9E-62AFD1F823B8}"/>
-          </ac:picMkLst>
-        </pc:picChg>
-        <pc:picChg chg="del">
-          <ac:chgData name="wbQ62lLqMu@student.ethz.ch" userId="9644f811-e42f-4102-934e-79c5381944e7" providerId="ADAL" clId="{AD979EDD-E0C2-45A8-9CE6-E82F81F5003E}" dt="2019-02-13T13:22:54.956" v="1" actId="478"/>
-          <ac:picMkLst>
-            <pc:docMk/>
-            <pc:sldMk cId="1127231858" sldId="256"/>
-            <ac:picMk id="14" creationId="{093EF275-8099-0648-B589-DE8683243C6B}"/>
-          </ac:picMkLst>
-        </pc:picChg>
-      </pc:sldChg>
-      <pc:sldChg chg="addSp delSp modSp setBg modNotesTx">
-        <pc:chgData name="wbQ62lLqMu@student.ethz.ch" userId="9644f811-e42f-4102-934e-79c5381944e7" providerId="ADAL" clId="{AD979EDD-E0C2-45A8-9CE6-E82F81F5003E}" dt="2019-02-14T15:53:13.461" v="4338" actId="20577"/>
-        <pc:sldMkLst>
-          <pc:docMk/>
-          <pc:sldMk cId="896589226" sldId="258"/>
-        </pc:sldMkLst>
-        <pc:spChg chg="add mod">
-          <ac:chgData name="wbQ62lLqMu@student.ethz.ch" userId="9644f811-e42f-4102-934e-79c5381944e7" providerId="ADAL" clId="{AD979EDD-E0C2-45A8-9CE6-E82F81F5003E}" dt="2019-02-13T14:20:46.972" v="1056" actId="14100"/>
-          <ac:spMkLst>
-            <pc:docMk/>
-            <pc:sldMk cId="896589226" sldId="258"/>
-            <ac:spMk id="2" creationId="{4E852DB6-A550-4872-90BD-907468CBB78F}"/>
-          </ac:spMkLst>
-        </pc:spChg>
-        <pc:spChg chg="del mod">
-          <ac:chgData name="wbQ62lLqMu@student.ethz.ch" userId="9644f811-e42f-4102-934e-79c5381944e7" providerId="ADAL" clId="{AD979EDD-E0C2-45A8-9CE6-E82F81F5003E}" dt="2019-02-13T14:17:03.688" v="1034" actId="478"/>
-          <ac:spMkLst>
-            <pc:docMk/>
-            <pc:sldMk cId="896589226" sldId="258"/>
-            <ac:spMk id="3" creationId="{00000000-0000-0000-0000-000000000000}"/>
-          </ac:spMkLst>
-        </pc:spChg>
-        <pc:spChg chg="mod">
-          <ac:chgData name="wbQ62lLqMu@student.ethz.ch" userId="9644f811-e42f-4102-934e-79c5381944e7" providerId="ADAL" clId="{AD979EDD-E0C2-45A8-9CE6-E82F81F5003E}" dt="2019-02-14T10:02:55.699" v="3047" actId="1035"/>
-          <ac:spMkLst>
-            <pc:docMk/>
-            <pc:sldMk cId="896589226" sldId="258"/>
-            <ac:spMk id="3" creationId="{8B3F82B8-9F07-4CAA-815B-4D2BFA479187}"/>
-          </ac:spMkLst>
-        </pc:spChg>
-        <pc:spChg chg="add del mod">
-          <ac:chgData name="wbQ62lLqMu@student.ethz.ch" userId="9644f811-e42f-4102-934e-79c5381944e7" providerId="ADAL" clId="{AD979EDD-E0C2-45A8-9CE6-E82F81F5003E}" dt="2019-02-13T16:09:23.264" v="2303" actId="478"/>
-          <ac:spMkLst>
-            <pc:docMk/>
-            <pc:sldMk cId="896589226" sldId="258"/>
-            <ac:spMk id="5" creationId="{C9BC2DD9-235C-4125-B98E-E733945DBC56}"/>
-          </ac:spMkLst>
-        </pc:spChg>
-        <pc:spChg chg="add mod">
-          <ac:chgData name="wbQ62lLqMu@student.ethz.ch" userId="9644f811-e42f-4102-934e-79c5381944e7" providerId="ADAL" clId="{AD979EDD-E0C2-45A8-9CE6-E82F81F5003E}" dt="2019-02-13T16:09:31.619" v="2306" actId="1076"/>
-          <ac:spMkLst>
-            <pc:docMk/>
-            <pc:sldMk cId="896589226" sldId="258"/>
-            <ac:spMk id="6" creationId="{DA428F4A-2DB8-4C63-907D-37AD0ED14A42}"/>
-          </ac:spMkLst>
-        </pc:spChg>
-        <pc:spChg chg="add del mod">
-          <ac:chgData name="wbQ62lLqMu@student.ethz.ch" userId="9644f811-e42f-4102-934e-79c5381944e7" providerId="ADAL" clId="{AD979EDD-E0C2-45A8-9CE6-E82F81F5003E}" dt="2019-02-13T16:09:23.267" v="2305"/>
-          <ac:spMkLst>
-            <pc:docMk/>
-            <pc:sldMk cId="896589226" sldId="258"/>
-            <ac:spMk id="7" creationId="{4D611B7A-761B-4DFB-99FA-26BB3034118D}"/>
-          </ac:spMkLst>
-        </pc:spChg>
-        <pc:spChg chg="add mod">
-          <ac:chgData name="wbQ62lLqMu@student.ethz.ch" userId="9644f811-e42f-4102-934e-79c5381944e7" providerId="ADAL" clId="{AD979EDD-E0C2-45A8-9CE6-E82F81F5003E}" dt="2019-02-14T14:52:37.728" v="3959" actId="20577"/>
-          <ac:spMkLst>
-            <pc:docMk/>
-            <pc:sldMk cId="896589226" sldId="258"/>
-            <ac:spMk id="8" creationId="{2CAEF6C4-4E30-413D-9897-0130E2DFD38D}"/>
-          </ac:spMkLst>
-        </pc:spChg>
-        <pc:spChg chg="add del mod">
-          <ac:chgData name="wbQ62lLqMu@student.ethz.ch" userId="9644f811-e42f-4102-934e-79c5381944e7" providerId="ADAL" clId="{AD979EDD-E0C2-45A8-9CE6-E82F81F5003E}" dt="2019-02-13T14:18:32.836" v="1044" actId="478"/>
-          <ac:spMkLst>
-            <pc:docMk/>
-            <pc:sldMk cId="896589226" sldId="258"/>
-            <ac:spMk id="10" creationId="{74ADC6C7-04BA-4012-8C37-A114B1B93869}"/>
-          </ac:spMkLst>
-        </pc:spChg>
-        <pc:spChg chg="mod">
-          <ac:chgData name="wbQ62lLqMu@student.ethz.ch" userId="9644f811-e42f-4102-934e-79c5381944e7" providerId="ADAL" clId="{AD979EDD-E0C2-45A8-9CE6-E82F81F5003E}" dt="2019-02-14T10:02:55.699" v="3047" actId="1035"/>
-          <ac:spMkLst>
-            <pc:docMk/>
-            <pc:sldMk cId="896589226" sldId="258"/>
-            <ac:spMk id="12" creationId="{0532ADE9-A5E4-480E-883F-962147428878}"/>
-          </ac:spMkLst>
-        </pc:spChg>
-        <pc:spChg chg="add del mod">
-          <ac:chgData name="wbQ62lLqMu@student.ethz.ch" userId="9644f811-e42f-4102-934e-79c5381944e7" providerId="ADAL" clId="{AD979EDD-E0C2-45A8-9CE6-E82F81F5003E}" dt="2019-02-13T14:18:39.774" v="1046" actId="478"/>
-          <ac:spMkLst>
-            <pc:docMk/>
-            <pc:sldMk cId="896589226" sldId="258"/>
-            <ac:spMk id="12" creationId="{4E37438C-751E-403F-A3AE-1BA601A1B9F2}"/>
-          </ac:spMkLst>
-        </pc:spChg>
-        <pc:spChg chg="mod">
-          <ac:chgData name="wbQ62lLqMu@student.ethz.ch" userId="9644f811-e42f-4102-934e-79c5381944e7" providerId="ADAL" clId="{AD979EDD-E0C2-45A8-9CE6-E82F81F5003E}" dt="2019-02-14T10:07:24.272" v="3153" actId="14100"/>
-          <ac:spMkLst>
-            <pc:docMk/>
-            <pc:sldMk cId="896589226" sldId="258"/>
-            <ac:spMk id="14" creationId="{A0AA5302-69D4-4490-88CC-08E444D7B1CB}"/>
-          </ac:spMkLst>
-        </pc:spChg>
-        <pc:spChg chg="add mod">
-          <ac:chgData name="wbQ62lLqMu@student.ethz.ch" userId="9644f811-e42f-4102-934e-79c5381944e7" providerId="ADAL" clId="{AD979EDD-E0C2-45A8-9CE6-E82F81F5003E}" dt="2019-02-14T10:06:33.859" v="3127" actId="2085"/>
-          <ac:spMkLst>
-            <pc:docMk/>
-            <pc:sldMk cId="896589226" sldId="258"/>
-            <ac:spMk id="16" creationId="{A7B2DB21-6A51-4D5F-BE36-A7C8C3C2814E}"/>
-          </ac:spMkLst>
-        </pc:spChg>
-        <pc:spChg chg="mod">
-          <ac:chgData name="wbQ62lLqMu@student.ethz.ch" userId="9644f811-e42f-4102-934e-79c5381944e7" providerId="ADAL" clId="{AD979EDD-E0C2-45A8-9CE6-E82F81F5003E}" dt="2019-02-14T10:02:55.699" v="3047" actId="1035"/>
-          <ac:spMkLst>
-            <pc:docMk/>
-            <pc:sldMk cId="896589226" sldId="258"/>
-            <ac:spMk id="17" creationId="{47AF80A0-6E77-40A7-BD9F-F81202334132}"/>
-          </ac:spMkLst>
-        </pc:spChg>
-        <pc:spChg chg="del mod">
-          <ac:chgData name="wbQ62lLqMu@student.ethz.ch" userId="9644f811-e42f-4102-934e-79c5381944e7" providerId="ADAL" clId="{AD979EDD-E0C2-45A8-9CE6-E82F81F5003E}" dt="2019-02-14T09:57:40.667" v="2788" actId="478"/>
-          <ac:spMkLst>
-            <pc:docMk/>
-            <pc:sldMk cId="896589226" sldId="258"/>
-            <ac:spMk id="20" creationId="{426B95A5-9054-4699-9E86-4758273F7F3C}"/>
-          </ac:spMkLst>
-        </pc:spChg>
-        <pc:spChg chg="add mod">
-          <ac:chgData name="wbQ62lLqMu@student.ethz.ch" userId="9644f811-e42f-4102-934e-79c5381944e7" providerId="ADAL" clId="{AD979EDD-E0C2-45A8-9CE6-E82F81F5003E}" dt="2019-02-14T10:02:55.699" v="3047" actId="1035"/>
-          <ac:spMkLst>
-            <pc:docMk/>
-            <pc:sldMk cId="896589226" sldId="258"/>
-            <ac:spMk id="24" creationId="{F9465B9D-AD91-465C-84A0-96552B23CEFA}"/>
-          </ac:spMkLst>
-        </pc:spChg>
-        <pc:spChg chg="add del mod">
-          <ac:chgData name="wbQ62lLqMu@student.ethz.ch" userId="9644f811-e42f-4102-934e-79c5381944e7" providerId="ADAL" clId="{AD979EDD-E0C2-45A8-9CE6-E82F81F5003E}" dt="2019-02-13T16:30:57.460" v="2348" actId="478"/>
-          <ac:spMkLst>
-            <pc:docMk/>
-            <pc:sldMk cId="896589226" sldId="258"/>
-            <ac:spMk id="25" creationId="{91896F99-6578-4B94-9B10-8003604E9901}"/>
-          </ac:spMkLst>
-        </pc:spChg>
-        <pc:spChg chg="add del mod">
-          <ac:chgData name="wbQ62lLqMu@student.ethz.ch" userId="9644f811-e42f-4102-934e-79c5381944e7" providerId="ADAL" clId="{AD979EDD-E0C2-45A8-9CE6-E82F81F5003E}" dt="2019-02-13T16:32:09.529" v="2361" actId="478"/>
-          <ac:spMkLst>
-            <pc:docMk/>
-            <pc:sldMk cId="896589226" sldId="258"/>
-            <ac:spMk id="26" creationId="{1FF00441-3635-4E54-9164-5968FC7523F5}"/>
-          </ac:spMkLst>
-        </pc:spChg>
-        <pc:spChg chg="add mod">
-          <ac:chgData name="wbQ62lLqMu@student.ethz.ch" userId="9644f811-e42f-4102-934e-79c5381944e7" providerId="ADAL" clId="{AD979EDD-E0C2-45A8-9CE6-E82F81F5003E}" dt="2019-02-14T09:58:52.632" v="2840" actId="164"/>
-          <ac:spMkLst>
-            <pc:docMk/>
-            <pc:sldMk cId="896589226" sldId="258"/>
-            <ac:spMk id="27" creationId="{3F06122E-DDE4-4CDC-9AF1-D2C784D5F953}"/>
-          </ac:spMkLst>
-        </pc:spChg>
-        <pc:spChg chg="add mod">
-          <ac:chgData name="wbQ62lLqMu@student.ethz.ch" userId="9644f811-e42f-4102-934e-79c5381944e7" providerId="ADAL" clId="{AD979EDD-E0C2-45A8-9CE6-E82F81F5003E}" dt="2019-02-14T10:02:55.699" v="3047" actId="1035"/>
-          <ac:spMkLst>
-            <pc:docMk/>
-            <pc:sldMk cId="896589226" sldId="258"/>
-            <ac:spMk id="28" creationId="{F1682133-BF3A-45B7-9F11-1DC92FB1391A}"/>
-          </ac:spMkLst>
-        </pc:spChg>
-        <pc:spChg chg="add mod">
-          <ac:chgData name="wbQ62lLqMu@student.ethz.ch" userId="9644f811-e42f-4102-934e-79c5381944e7" providerId="ADAL" clId="{AD979EDD-E0C2-45A8-9CE6-E82F81F5003E}" dt="2019-02-14T09:58:52.632" v="2840" actId="164"/>
-          <ac:spMkLst>
-            <pc:docMk/>
-            <pc:sldMk cId="896589226" sldId="258"/>
-            <ac:spMk id="29" creationId="{FCFA1BA6-EFAD-4365-AEC4-8BC968F4216F}"/>
-          </ac:spMkLst>
-        </pc:spChg>
-        <pc:spChg chg="add del mod">
-          <ac:chgData name="wbQ62lLqMu@student.ethz.ch" userId="9644f811-e42f-4102-934e-79c5381944e7" providerId="ADAL" clId="{AD979EDD-E0C2-45A8-9CE6-E82F81F5003E}" dt="2019-02-14T09:59:05.996" v="2846" actId="478"/>
-          <ac:spMkLst>
-            <pc:docMk/>
-            <pc:sldMk cId="896589226" sldId="258"/>
-            <ac:spMk id="30" creationId="{43F27C21-8A7D-4A47-BB19-83C73B8F4A94}"/>
-          </ac:spMkLst>
-        </pc:spChg>
-        <pc:spChg chg="add del mod">
-          <ac:chgData name="wbQ62lLqMu@student.ethz.ch" userId="9644f811-e42f-4102-934e-79c5381944e7" providerId="ADAL" clId="{AD979EDD-E0C2-45A8-9CE6-E82F81F5003E}" dt="2019-02-14T09:59:04.528" v="2845" actId="478"/>
-          <ac:spMkLst>
-            <pc:docMk/>
-            <pc:sldMk cId="896589226" sldId="258"/>
-            <ac:spMk id="31" creationId="{E56D49EF-4BCE-4073-85F6-D755AD68EB77}"/>
-          </ac:spMkLst>
-        </pc:spChg>
-        <pc:spChg chg="add mod">
-          <ac:chgData name="wbQ62lLqMu@student.ethz.ch" userId="9644f811-e42f-4102-934e-79c5381944e7" providerId="ADAL" clId="{AD979EDD-E0C2-45A8-9CE6-E82F81F5003E}" dt="2019-02-14T10:06:33.859" v="3127" actId="2085"/>
-          <ac:spMkLst>
-            <pc:docMk/>
-            <pc:sldMk cId="896589226" sldId="258"/>
-            <ac:spMk id="41" creationId="{DA185178-95F2-48DD-8563-822586B99ABB}"/>
-          </ac:spMkLst>
-        </pc:spChg>
-        <pc:spChg chg="add mod">
-          <ac:chgData name="wbQ62lLqMu@student.ethz.ch" userId="9644f811-e42f-4102-934e-79c5381944e7" providerId="ADAL" clId="{AD979EDD-E0C2-45A8-9CE6-E82F81F5003E}" dt="2019-02-14T10:06:33.859" v="3127" actId="2085"/>
-          <ac:spMkLst>
-            <pc:docMk/>
-            <pc:sldMk cId="896589226" sldId="258"/>
-            <ac:spMk id="42" creationId="{6FBD31BC-28B9-40D9-BE31-A30EF57AA610}"/>
-          </ac:spMkLst>
-        </pc:spChg>
-        <pc:spChg chg="mod">
-          <ac:chgData name="wbQ62lLqMu@student.ethz.ch" userId="9644f811-e42f-4102-934e-79c5381944e7" providerId="ADAL" clId="{AD979EDD-E0C2-45A8-9CE6-E82F81F5003E}" dt="2019-02-14T10:06:42.291" v="3128" actId="2085"/>
-          <ac:spMkLst>
-            <pc:docMk/>
-            <pc:sldMk cId="896589226" sldId="258"/>
-            <ac:spMk id="44" creationId="{0F10089D-71D9-40B3-8D90-BC4996BB5834}"/>
-          </ac:spMkLst>
-        </pc:spChg>
-        <pc:spChg chg="mod">
-          <ac:chgData name="wbQ62lLqMu@student.ethz.ch" userId="9644f811-e42f-4102-934e-79c5381944e7" providerId="ADAL" clId="{AD979EDD-E0C2-45A8-9CE6-E82F81F5003E}" dt="2019-02-14T10:06:42.291" v="3128" actId="2085"/>
-          <ac:spMkLst>
-            <pc:docMk/>
-            <pc:sldMk cId="896589226" sldId="258"/>
-            <ac:spMk id="45" creationId="{47CC8EE6-AAEE-4A94-8950-32B48B29AA54}"/>
-          </ac:spMkLst>
-        </pc:spChg>
-        <pc:spChg chg="mod">
-          <ac:chgData name="wbQ62lLqMu@student.ethz.ch" userId="9644f811-e42f-4102-934e-79c5381944e7" providerId="ADAL" clId="{AD979EDD-E0C2-45A8-9CE6-E82F81F5003E}" dt="2019-02-14T10:06:42.291" v="3128" actId="2085"/>
-          <ac:spMkLst>
-            <pc:docMk/>
-            <pc:sldMk cId="896589226" sldId="258"/>
-            <ac:spMk id="46" creationId="{EB7C5682-D0FD-47BC-9143-23419842E01A}"/>
-          </ac:spMkLst>
-        </pc:spChg>
-        <pc:spChg chg="add mod">
-          <ac:chgData name="wbQ62lLqMu@student.ethz.ch" userId="9644f811-e42f-4102-934e-79c5381944e7" providerId="ADAL" clId="{AD979EDD-E0C2-45A8-9CE6-E82F81F5003E}" dt="2019-02-14T10:06:20.989" v="3126" actId="1076"/>
-          <ac:spMkLst>
-            <pc:docMk/>
-            <pc:sldMk cId="896589226" sldId="258"/>
-            <ac:spMk id="48" creationId="{DD0C92F5-07C7-409B-9A12-871C3ADEA041}"/>
-          </ac:spMkLst>
-        </pc:spChg>
-        <pc:grpChg chg="add mod">
-          <ac:chgData name="wbQ62lLqMu@student.ethz.ch" userId="9644f811-e42f-4102-934e-79c5381944e7" providerId="ADAL" clId="{AD979EDD-E0C2-45A8-9CE6-E82F81F5003E}" dt="2019-02-14T10:02:55.699" v="3047" actId="1035"/>
-          <ac:grpSpMkLst>
-            <pc:docMk/>
-            <pc:sldMk cId="896589226" sldId="258"/>
-            <ac:grpSpMk id="15" creationId="{88C6E6B0-0D02-4294-8C99-F3F5EA75E7EA}"/>
-          </ac:grpSpMkLst>
-        </pc:grpChg>
-        <pc:grpChg chg="add mod">
-          <ac:chgData name="wbQ62lLqMu@student.ethz.ch" userId="9644f811-e42f-4102-934e-79c5381944e7" providerId="ADAL" clId="{AD979EDD-E0C2-45A8-9CE6-E82F81F5003E}" dt="2019-02-14T10:07:03.327" v="3134" actId="1038"/>
-          <ac:grpSpMkLst>
-            <pc:docMk/>
-            <pc:sldMk cId="896589226" sldId="258"/>
-            <ac:grpSpMk id="18" creationId="{542B110A-AC8A-495C-8443-9C15E498CB6A}"/>
-          </ac:grpSpMkLst>
-        </pc:grpChg>
-        <pc:grpChg chg="add mod">
-          <ac:chgData name="wbQ62lLqMu@student.ethz.ch" userId="9644f811-e42f-4102-934e-79c5381944e7" providerId="ADAL" clId="{AD979EDD-E0C2-45A8-9CE6-E82F81F5003E}" dt="2019-02-14T10:02:55.699" v="3047" actId="1035"/>
-          <ac:grpSpMkLst>
-            <pc:docMk/>
-            <pc:sldMk cId="896589226" sldId="258"/>
-            <ac:grpSpMk id="32" creationId="{DF10260D-D0F7-4D5E-9751-B848047225EB}"/>
-          </ac:grpSpMkLst>
-        </pc:grpChg>
-        <pc:grpChg chg="add mod">
-          <ac:chgData name="wbQ62lLqMu@student.ethz.ch" userId="9644f811-e42f-4102-934e-79c5381944e7" providerId="ADAL" clId="{AD979EDD-E0C2-45A8-9CE6-E82F81F5003E}" dt="2019-02-14T10:02:55.699" v="3047" actId="1035"/>
-          <ac:grpSpMkLst>
-            <pc:docMk/>
-            <pc:sldMk cId="896589226" sldId="258"/>
-            <ac:grpSpMk id="35" creationId="{D46F5DE1-0B8B-4E3A-B59B-7611AC4DCDE0}"/>
-          </ac:grpSpMkLst>
-        </pc:grpChg>
-        <pc:grpChg chg="add mod">
-          <ac:chgData name="wbQ62lLqMu@student.ethz.ch" userId="9644f811-e42f-4102-934e-79c5381944e7" providerId="ADAL" clId="{AD979EDD-E0C2-45A8-9CE6-E82F81F5003E}" dt="2019-02-14T10:02:55.699" v="3047" actId="1035"/>
-          <ac:grpSpMkLst>
-            <pc:docMk/>
-            <pc:sldMk cId="896589226" sldId="258"/>
-            <ac:grpSpMk id="38" creationId="{8AC11730-A0D0-4D53-89B4-A1EA333E1659}"/>
-          </ac:grpSpMkLst>
-        </pc:grpChg>
-        <pc:grpChg chg="add mod">
-          <ac:chgData name="wbQ62lLqMu@student.ethz.ch" userId="9644f811-e42f-4102-934e-79c5381944e7" providerId="ADAL" clId="{AD979EDD-E0C2-45A8-9CE6-E82F81F5003E}" dt="2019-02-14T10:06:52.665" v="3129" actId="207"/>
-          <ac:grpSpMkLst>
-            <pc:docMk/>
-            <pc:sldMk cId="896589226" sldId="258"/>
-            <ac:grpSpMk id="43" creationId="{1A9A0844-00CB-45D3-BDAC-A8DF2E639F89}"/>
-          </ac:grpSpMkLst>
-        </pc:grpChg>
-        <pc:picChg chg="add del mod">
-          <ac:chgData name="wbQ62lLqMu@student.ethz.ch" userId="9644f811-e42f-4102-934e-79c5381944e7" providerId="ADAL" clId="{AD979EDD-E0C2-45A8-9CE6-E82F81F5003E}" dt="2019-02-13T16:11:16.661" v="2311" actId="478"/>
-          <ac:picMkLst>
-            <pc:docMk/>
-            <pc:sldMk cId="896589226" sldId="258"/>
-            <ac:picMk id="4" creationId="{6491EC36-3F0A-4452-B19C-0992F102F4F9}"/>
-          </ac:picMkLst>
-        </pc:picChg>
-        <pc:picChg chg="add del mod">
-          <ac:chgData name="wbQ62lLqMu@student.ethz.ch" userId="9644f811-e42f-4102-934e-79c5381944e7" providerId="ADAL" clId="{AD979EDD-E0C2-45A8-9CE6-E82F81F5003E}" dt="2019-02-14T09:49:21.955" v="2600" actId="478"/>
-          <ac:picMkLst>
-            <pc:docMk/>
-            <pc:sldMk cId="896589226" sldId="258"/>
-            <ac:picMk id="4" creationId="{72FF80B6-B3E9-48E9-B727-2A0A2A322859}"/>
-          </ac:picMkLst>
-        </pc:picChg>
-        <pc:picChg chg="add mod">
-          <ac:chgData name="wbQ62lLqMu@student.ethz.ch" userId="9644f811-e42f-4102-934e-79c5381944e7" providerId="ADAL" clId="{AD979EDD-E0C2-45A8-9CE6-E82F81F5003E}" dt="2019-02-14T10:06:20.989" v="3126" actId="1076"/>
-          <ac:picMkLst>
-            <pc:docMk/>
-            <pc:sldMk cId="896589226" sldId="258"/>
-            <ac:picMk id="6" creationId="{C301E4A4-2EC0-47B3-B356-4D16B4D842C5}"/>
-          </ac:picMkLst>
-        </pc:picChg>
-        <pc:picChg chg="mod">
-          <ac:chgData name="wbQ62lLqMu@student.ethz.ch" userId="9644f811-e42f-4102-934e-79c5381944e7" providerId="ADAL" clId="{AD979EDD-E0C2-45A8-9CE6-E82F81F5003E}" dt="2019-02-14T10:07:19.334" v="3152" actId="1038"/>
-          <ac:picMkLst>
-            <pc:docMk/>
-            <pc:sldMk cId="896589226" sldId="258"/>
-            <ac:picMk id="7" creationId="{0592D2DA-9B30-4C2E-9E24-062216312CD8}"/>
-          </ac:picMkLst>
-        </pc:picChg>
-        <pc:picChg chg="mod">
-          <ac:chgData name="wbQ62lLqMu@student.ethz.ch" userId="9644f811-e42f-4102-934e-79c5381944e7" providerId="ADAL" clId="{AD979EDD-E0C2-45A8-9CE6-E82F81F5003E}" dt="2019-02-14T10:02:55.699" v="3047" actId="1035"/>
-          <ac:picMkLst>
-            <pc:docMk/>
-            <pc:sldMk cId="896589226" sldId="258"/>
-            <ac:picMk id="10" creationId="{B5265A7F-15A1-4C5E-B3B4-034FF6D14C77}"/>
-          </ac:picMkLst>
-        </pc:picChg>
-        <pc:picChg chg="add del mod">
-          <ac:chgData name="wbQ62lLqMu@student.ethz.ch" userId="9644f811-e42f-4102-934e-79c5381944e7" providerId="ADAL" clId="{AD979EDD-E0C2-45A8-9CE6-E82F81F5003E}" dt="2019-02-14T10:03:23.513" v="3087" actId="478"/>
-          <ac:picMkLst>
-            <pc:docMk/>
-            <pc:sldMk cId="896589226" sldId="258"/>
-            <ac:picMk id="11" creationId="{20B6D10E-7D6E-44EB-AC5F-24E936F26ECE}"/>
-          </ac:picMkLst>
-        </pc:picChg>
-        <pc:picChg chg="add mod">
-          <ac:chgData name="wbQ62lLqMu@student.ethz.ch" userId="9644f811-e42f-4102-934e-79c5381944e7" providerId="ADAL" clId="{AD979EDD-E0C2-45A8-9CE6-E82F81F5003E}" dt="2019-02-13T16:11:22.420" v="2314" actId="1076"/>
-          <ac:picMkLst>
-            <pc:docMk/>
-            <pc:sldMk cId="896589226" sldId="258"/>
-            <ac:picMk id="13" creationId="{0C901CC2-4F6A-46C5-BC9B-57E976A0ECD7}"/>
-          </ac:picMkLst>
-        </pc:picChg>
-        <pc:picChg chg="add del mod">
-          <ac:chgData name="wbQ62lLqMu@student.ethz.ch" userId="9644f811-e42f-4102-934e-79c5381944e7" providerId="ADAL" clId="{AD979EDD-E0C2-45A8-9CE6-E82F81F5003E}" dt="2019-02-13T16:21:36.418" v="2327" actId="478"/>
-          <ac:picMkLst>
-            <pc:docMk/>
-            <pc:sldMk cId="896589226" sldId="258"/>
-            <ac:picMk id="15" creationId="{A0FB3B69-1549-4CD7-9BD0-785D06094B7A}"/>
-          </ac:picMkLst>
-        </pc:picChg>
-        <pc:picChg chg="add del mod">
-          <ac:chgData name="wbQ62lLqMu@student.ethz.ch" userId="9644f811-e42f-4102-934e-79c5381944e7" providerId="ADAL" clId="{AD979EDD-E0C2-45A8-9CE6-E82F81F5003E}" dt="2019-02-13T16:21:34.608" v="2326" actId="478"/>
-          <ac:picMkLst>
-            <pc:docMk/>
-            <pc:sldMk cId="896589226" sldId="258"/>
-            <ac:picMk id="17" creationId="{0C1B5DEC-0B68-4948-A56D-E4AE7191C51D}"/>
-          </ac:picMkLst>
-        </pc:picChg>
-        <pc:picChg chg="add mod">
-          <ac:chgData name="wbQ62lLqMu@student.ethz.ch" userId="9644f811-e42f-4102-934e-79c5381944e7" providerId="ADAL" clId="{AD979EDD-E0C2-45A8-9CE6-E82F81F5003E}" dt="2019-02-13T16:32:41.838" v="2370" actId="1076"/>
-          <ac:picMkLst>
-            <pc:docMk/>
-            <pc:sldMk cId="896589226" sldId="258"/>
-            <ac:picMk id="19" creationId="{3C384DB4-2DB4-4BCD-A249-E806C936C942}"/>
-          </ac:picMkLst>
-        </pc:picChg>
-        <pc:picChg chg="add mod">
-          <ac:chgData name="wbQ62lLqMu@student.ethz.ch" userId="9644f811-e42f-4102-934e-79c5381944e7" providerId="ADAL" clId="{AD979EDD-E0C2-45A8-9CE6-E82F81F5003E}" dt="2019-02-14T10:02:55.699" v="3047" actId="1035"/>
-          <ac:picMkLst>
-            <pc:docMk/>
-            <pc:sldMk cId="896589226" sldId="258"/>
-            <ac:picMk id="21" creationId="{44048716-29D2-4A62-8858-052EAC2173FC}"/>
-          </ac:picMkLst>
-        </pc:picChg>
-        <pc:picChg chg="add mod">
-          <ac:chgData name="wbQ62lLqMu@student.ethz.ch" userId="9644f811-e42f-4102-934e-79c5381944e7" providerId="ADAL" clId="{AD979EDD-E0C2-45A8-9CE6-E82F81F5003E}" dt="2019-02-14T10:07:19.334" v="3152" actId="1038"/>
-          <ac:picMkLst>
-            <pc:docMk/>
-            <pc:sldMk cId="896589226" sldId="258"/>
-            <ac:picMk id="23" creationId="{A11B48E1-19CC-4914-9A3A-6E467C155493}"/>
-          </ac:picMkLst>
-        </pc:picChg>
-        <pc:picChg chg="add mod">
-          <ac:chgData name="wbQ62lLqMu@student.ethz.ch" userId="9644f811-e42f-4102-934e-79c5381944e7" providerId="ADAL" clId="{AD979EDD-E0C2-45A8-9CE6-E82F81F5003E}" dt="2019-02-14T10:02:55.699" v="3047" actId="1035"/>
-          <ac:picMkLst>
-            <pc:docMk/>
-            <pc:sldMk cId="896589226" sldId="258"/>
-            <ac:picMk id="26" creationId="{70F46D2C-2679-42D6-BE8B-3F155CC98E59}"/>
-          </ac:picMkLst>
-        </pc:picChg>
-        <pc:picChg chg="add mod">
-          <ac:chgData name="wbQ62lLqMu@student.ethz.ch" userId="9644f811-e42f-4102-934e-79c5381944e7" providerId="ADAL" clId="{AD979EDD-E0C2-45A8-9CE6-E82F81F5003E}" dt="2019-02-14T10:06:20.989" v="3126" actId="1076"/>
-          <ac:picMkLst>
-            <pc:docMk/>
-            <pc:sldMk cId="896589226" sldId="258"/>
-            <ac:picMk id="47" creationId="{96EE4A0B-5AD3-451D-A67C-DF56C7CB03FE}"/>
-          </ac:picMkLst>
-        </pc:picChg>
-      </pc:sldChg>
-      <pc:sldChg chg="addSp delSp modSp modNotesTx">
-        <pc:chgData name="wbQ62lLqMu@student.ethz.ch" userId="9644f811-e42f-4102-934e-79c5381944e7" providerId="ADAL" clId="{AD979EDD-E0C2-45A8-9CE6-E82F81F5003E}" dt="2019-02-14T14:59:31.962" v="4181" actId="113"/>
-        <pc:sldMkLst>
-          <pc:docMk/>
-          <pc:sldMk cId="1580437096" sldId="259"/>
-        </pc:sldMkLst>
-        <pc:spChg chg="add del mod">
-          <ac:chgData name="wbQ62lLqMu@student.ethz.ch" userId="9644f811-e42f-4102-934e-79c5381944e7" providerId="ADAL" clId="{AD979EDD-E0C2-45A8-9CE6-E82F81F5003E}" dt="2019-02-13T14:33:44.272" v="1124" actId="478"/>
-          <ac:spMkLst>
-            <pc:docMk/>
-            <pc:sldMk cId="1580437096" sldId="259"/>
-            <ac:spMk id="2" creationId="{34B9C32F-84C2-4553-BFC3-BC53106C1DE2}"/>
-          </ac:spMkLst>
-        </pc:spChg>
-        <pc:spChg chg="del mod">
-          <ac:chgData name="wbQ62lLqMu@student.ethz.ch" userId="9644f811-e42f-4102-934e-79c5381944e7" providerId="ADAL" clId="{AD979EDD-E0C2-45A8-9CE6-E82F81F5003E}" dt="2019-02-13T14:32:16.263" v="1122" actId="478"/>
-          <ac:spMkLst>
-            <pc:docMk/>
-            <pc:sldMk cId="1580437096" sldId="259"/>
-            <ac:spMk id="5" creationId="{00000000-0000-0000-0000-000000000000}"/>
-          </ac:spMkLst>
-        </pc:spChg>
-        <pc:spChg chg="add mod">
-          <ac:chgData name="wbQ62lLqMu@student.ethz.ch" userId="9644f811-e42f-4102-934e-79c5381944e7" providerId="ADAL" clId="{AD979EDD-E0C2-45A8-9CE6-E82F81F5003E}" dt="2019-02-14T11:42:47.438" v="3533" actId="2085"/>
-          <ac:spMkLst>
-            <pc:docMk/>
-            <pc:sldMk cId="1580437096" sldId="259"/>
-            <ac:spMk id="5" creationId="{4BE1B871-8AEB-402F-BEFD-9E197B5F87DE}"/>
-          </ac:spMkLst>
-        </pc:spChg>
-        <pc:spChg chg="add del mod">
-          <ac:chgData name="wbQ62lLqMu@student.ethz.ch" userId="9644f811-e42f-4102-934e-79c5381944e7" providerId="ADAL" clId="{AD979EDD-E0C2-45A8-9CE6-E82F81F5003E}" dt="2019-02-13T14:47:27.029" v="1348" actId="478"/>
-          <ac:spMkLst>
-            <pc:docMk/>
-            <pc:sldMk cId="1580437096" sldId="259"/>
-            <ac:spMk id="10" creationId="{A11E81DE-48D9-4BF1-A94F-E009B6A8501D}"/>
-          </ac:spMkLst>
-        </pc:spChg>
-        <pc:spChg chg="add del mod">
-          <ac:chgData name="wbQ62lLqMu@student.ethz.ch" userId="9644f811-e42f-4102-934e-79c5381944e7" providerId="ADAL" clId="{AD979EDD-E0C2-45A8-9CE6-E82F81F5003E}" dt="2019-02-13T14:47:25.320" v="1347" actId="478"/>
-          <ac:spMkLst>
-            <pc:docMk/>
-            <pc:sldMk cId="1580437096" sldId="259"/>
-            <ac:spMk id="11" creationId="{3A81D146-68CA-4456-9A77-FA6451D9166C}"/>
-          </ac:spMkLst>
-        </pc:spChg>
-        <pc:spChg chg="add del mod">
-          <ac:chgData name="wbQ62lLqMu@student.ethz.ch" userId="9644f811-e42f-4102-934e-79c5381944e7" providerId="ADAL" clId="{AD979EDD-E0C2-45A8-9CE6-E82F81F5003E}" dt="2019-02-13T14:46:58.991" v="1337" actId="478"/>
-          <ac:spMkLst>
-            <pc:docMk/>
-            <pc:sldMk cId="1580437096" sldId="259"/>
-            <ac:spMk id="12" creationId="{34057DEE-4993-4762-B8DD-3BBD71763E10}"/>
-          </ac:spMkLst>
-        </pc:spChg>
-        <pc:spChg chg="add del mod">
-          <ac:chgData name="wbQ62lLqMu@student.ethz.ch" userId="9644f811-e42f-4102-934e-79c5381944e7" providerId="ADAL" clId="{AD979EDD-E0C2-45A8-9CE6-E82F81F5003E}" dt="2019-02-13T14:47:12.889" v="1343" actId="478"/>
-          <ac:spMkLst>
-            <pc:docMk/>
-            <pc:sldMk cId="1580437096" sldId="259"/>
-            <ac:spMk id="13" creationId="{9907AB26-F7ED-4E79-BCF7-0ACF7B44C761}"/>
-          </ac:spMkLst>
-        </pc:spChg>
-        <pc:spChg chg="add del mod">
-          <ac:chgData name="wbQ62lLqMu@student.ethz.ch" userId="9644f811-e42f-4102-934e-79c5381944e7" providerId="ADAL" clId="{AD979EDD-E0C2-45A8-9CE6-E82F81F5003E}" dt="2019-02-13T14:47:37.607" v="1353" actId="478"/>
-          <ac:spMkLst>
-            <pc:docMk/>
-            <pc:sldMk cId="1580437096" sldId="259"/>
-            <ac:spMk id="14" creationId="{31C8A7AE-7944-468A-99EE-47B769CA5C52}"/>
-          </ac:spMkLst>
-        </pc:spChg>
-        <pc:spChg chg="add del mod">
-          <ac:chgData name="wbQ62lLqMu@student.ethz.ch" userId="9644f811-e42f-4102-934e-79c5381944e7" providerId="ADAL" clId="{AD979EDD-E0C2-45A8-9CE6-E82F81F5003E}" dt="2019-02-13T14:47:40.039" v="1354" actId="478"/>
-          <ac:spMkLst>
-            <pc:docMk/>
-            <pc:sldMk cId="1580437096" sldId="259"/>
-            <ac:spMk id="15" creationId="{D9A0C30E-11E0-4B67-99F5-8B19A60A1DDA}"/>
-          </ac:spMkLst>
-        </pc:spChg>
-        <pc:spChg chg="add del mod">
-          <ac:chgData name="wbQ62lLqMu@student.ethz.ch" userId="9644f811-e42f-4102-934e-79c5381944e7" providerId="ADAL" clId="{AD979EDD-E0C2-45A8-9CE6-E82F81F5003E}" dt="2019-02-13T14:47:33.646" v="1351" actId="478"/>
-          <ac:spMkLst>
-            <pc:docMk/>
-            <pc:sldMk cId="1580437096" sldId="259"/>
-            <ac:spMk id="16" creationId="{7C0CF9F9-1689-4427-A4F2-FB36794CBD0F}"/>
-          </ac:spMkLst>
-        </pc:spChg>
-        <pc:spChg chg="add mod">
-          <ac:chgData name="wbQ62lLqMu@student.ethz.ch" userId="9644f811-e42f-4102-934e-79c5381944e7" providerId="ADAL" clId="{AD979EDD-E0C2-45A8-9CE6-E82F81F5003E}" dt="2019-02-14T10:19:17.276" v="3253" actId="164"/>
-          <ac:spMkLst>
-            <pc:docMk/>
-            <pc:sldMk cId="1580437096" sldId="259"/>
-            <ac:spMk id="17" creationId="{75524423-4938-4872-8F6B-F3B1C20455E3}"/>
-          </ac:spMkLst>
-        </pc:spChg>
-        <pc:spChg chg="add del mod">
-          <ac:chgData name="wbQ62lLqMu@student.ethz.ch" userId="9644f811-e42f-4102-934e-79c5381944e7" providerId="ADAL" clId="{AD979EDD-E0C2-45A8-9CE6-E82F81F5003E}" dt="2019-02-13T14:47:36.028" v="1352" actId="478"/>
-          <ac:spMkLst>
-            <pc:docMk/>
-            <pc:sldMk cId="1580437096" sldId="259"/>
-            <ac:spMk id="17" creationId="{D0C0DE81-0DE2-4CA5-AEF3-033F10136D1B}"/>
-          </ac:spMkLst>
-        </pc:spChg>
-        <pc:spChg chg="add del mod">
-          <ac:chgData name="wbQ62lLqMu@student.ethz.ch" userId="9644f811-e42f-4102-934e-79c5381944e7" providerId="ADAL" clId="{AD979EDD-E0C2-45A8-9CE6-E82F81F5003E}" dt="2019-02-13T14:47:30.477" v="1350" actId="478"/>
-          <ac:spMkLst>
-            <pc:docMk/>
-            <pc:sldMk cId="1580437096" sldId="259"/>
-            <ac:spMk id="18" creationId="{3A7E1BC9-7CBE-4BD7-9A29-A8660D6A7B1F}"/>
-          </ac:spMkLst>
-        </pc:spChg>
-        <pc:spChg chg="add mod">
-          <ac:chgData name="wbQ62lLqMu@student.ethz.ch" userId="9644f811-e42f-4102-934e-79c5381944e7" providerId="ADAL" clId="{AD979EDD-E0C2-45A8-9CE6-E82F81F5003E}" dt="2019-02-14T10:19:17.276" v="3253" actId="164"/>
-          <ac:spMkLst>
-            <pc:docMk/>
-            <pc:sldMk cId="1580437096" sldId="259"/>
-            <ac:spMk id="18" creationId="{F7A4D441-07D3-4D48-8DA5-4EE238BF6BAA}"/>
-          </ac:spMkLst>
-        </pc:spChg>
-        <pc:spChg chg="add del mod">
-          <ac:chgData name="wbQ62lLqMu@student.ethz.ch" userId="9644f811-e42f-4102-934e-79c5381944e7" providerId="ADAL" clId="{AD979EDD-E0C2-45A8-9CE6-E82F81F5003E}" dt="2019-02-13T14:47:28.721" v="1349" actId="478"/>
-          <ac:spMkLst>
-            <pc:docMk/>
-            <pc:sldMk cId="1580437096" sldId="259"/>
-            <ac:spMk id="19" creationId="{677A23FB-FB93-4C5A-BCF3-526AC4DCF5C7}"/>
-          </ac:spMkLst>
-        </pc:spChg>
-        <pc:spChg chg="add del mod">
-          <ac:chgData name="wbQ62lLqMu@student.ethz.ch" userId="9644f811-e42f-4102-934e-79c5381944e7" providerId="ADAL" clId="{AD979EDD-E0C2-45A8-9CE6-E82F81F5003E}" dt="2019-02-13T14:43:33.854" v="1193"/>
-          <ac:spMkLst>
-            <pc:docMk/>
-            <pc:sldMk cId="1580437096" sldId="259"/>
-            <ac:spMk id="20" creationId="{3764CB87-CC93-4461-B2FB-93A1D283A87C}"/>
-          </ac:spMkLst>
-        </pc:spChg>
-        <pc:spChg chg="add mod">
-          <ac:chgData name="wbQ62lLqMu@student.ethz.ch" userId="9644f811-e42f-4102-934e-79c5381944e7" providerId="ADAL" clId="{AD979EDD-E0C2-45A8-9CE6-E82F81F5003E}" dt="2019-02-14T14:59:31.962" v="4181" actId="113"/>
-          <ac:spMkLst>
-            <pc:docMk/>
-            <pc:sldMk cId="1580437096" sldId="259"/>
-            <ac:spMk id="21" creationId="{6366FFD4-39F7-49B9-984E-A662329384C8}"/>
-          </ac:spMkLst>
-        </pc:spChg>
-        <pc:spChg chg="add mod">
-          <ac:chgData name="wbQ62lLqMu@student.ethz.ch" userId="9644f811-e42f-4102-934e-79c5381944e7" providerId="ADAL" clId="{AD979EDD-E0C2-45A8-9CE6-E82F81F5003E}" dt="2019-02-14T10:47:01.094" v="3350" actId="1076"/>
-          <ac:spMkLst>
-            <pc:docMk/>
-            <pc:sldMk cId="1580437096" sldId="259"/>
-            <ac:spMk id="22" creationId="{BD5EDFA5-EFB2-4DAC-8969-BD1CB5A2E722}"/>
-          </ac:spMkLst>
-        </pc:spChg>
-        <pc:spChg chg="add mod">
-          <ac:chgData name="wbQ62lLqMu@student.ethz.ch" userId="9644f811-e42f-4102-934e-79c5381944e7" providerId="ADAL" clId="{AD979EDD-E0C2-45A8-9CE6-E82F81F5003E}" dt="2019-02-14T10:49:38.193" v="3371" actId="1076"/>
-          <ac:spMkLst>
-            <pc:docMk/>
-            <pc:sldMk cId="1580437096" sldId="259"/>
-            <ac:spMk id="23" creationId="{90127F60-28DB-4EB1-91D6-92D026474791}"/>
-          </ac:spMkLst>
-        </pc:spChg>
-        <pc:spChg chg="add mod">
-          <ac:chgData name="wbQ62lLqMu@student.ethz.ch" userId="9644f811-e42f-4102-934e-79c5381944e7" providerId="ADAL" clId="{AD979EDD-E0C2-45A8-9CE6-E82F81F5003E}" dt="2019-02-14T11:38:51.283" v="3415" actId="1037"/>
-          <ac:spMkLst>
-            <pc:docMk/>
-            <pc:sldMk cId="1580437096" sldId="259"/>
-            <ac:spMk id="24" creationId="{60BFCE49-089E-40E5-BD00-D62386EF47E9}"/>
-          </ac:spMkLst>
-        </pc:spChg>
-        <pc:spChg chg="add del mod">
-          <ac:chgData name="wbQ62lLqMu@student.ethz.ch" userId="9644f811-e42f-4102-934e-79c5381944e7" providerId="ADAL" clId="{AD979EDD-E0C2-45A8-9CE6-E82F81F5003E}" dt="2019-02-13T14:48:13.417" v="1363" actId="478"/>
-          <ac:spMkLst>
-            <pc:docMk/>
-            <pc:sldMk cId="1580437096" sldId="259"/>
-            <ac:spMk id="24" creationId="{A10F51CE-0280-4864-B202-BBCB1D04D304}"/>
-          </ac:spMkLst>
-        </pc:spChg>
-        <pc:spChg chg="add del mod">
-          <ac:chgData name="wbQ62lLqMu@student.ethz.ch" userId="9644f811-e42f-4102-934e-79c5381944e7" providerId="ADAL" clId="{AD979EDD-E0C2-45A8-9CE6-E82F81F5003E}" dt="2019-02-13T15:14:12.843" v="1599" actId="478"/>
-          <ac:spMkLst>
-            <pc:docMk/>
-            <pc:sldMk cId="1580437096" sldId="259"/>
-            <ac:spMk id="25" creationId="{D882E7A8-529D-4601-947B-026203E02668}"/>
-          </ac:spMkLst>
-        </pc:spChg>
-        <pc:spChg chg="add del mod">
-          <ac:chgData name="wbQ62lLqMu@student.ethz.ch" userId="9644f811-e42f-4102-934e-79c5381944e7" providerId="ADAL" clId="{AD979EDD-E0C2-45A8-9CE6-E82F81F5003E}" dt="2019-02-13T15:14:14.523" v="1600" actId="478"/>
-          <ac:spMkLst>
-            <pc:docMk/>
-            <pc:sldMk cId="1580437096" sldId="259"/>
-            <ac:spMk id="26" creationId="{5832FAFE-57C2-488C-ABB0-E1882923DE3A}"/>
-          </ac:spMkLst>
-        </pc:spChg>
-        <pc:spChg chg="add mod">
-          <ac:chgData name="wbQ62lLqMu@student.ethz.ch" userId="9644f811-e42f-4102-934e-79c5381944e7" providerId="ADAL" clId="{AD979EDD-E0C2-45A8-9CE6-E82F81F5003E}" dt="2019-02-14T14:56:21.988" v="4116" actId="1076"/>
-          <ac:spMkLst>
-            <pc:docMk/>
-            <pc:sldMk cId="1580437096" sldId="259"/>
-            <ac:spMk id="26" creationId="{F8D057D0-8D7E-4B59-83B8-324D9F011098}"/>
-          </ac:spMkLst>
-        </pc:spChg>
-        <pc:spChg chg="add mod">
-          <ac:chgData name="wbQ62lLqMu@student.ethz.ch" userId="9644f811-e42f-4102-934e-79c5381944e7" providerId="ADAL" clId="{AD979EDD-E0C2-45A8-9CE6-E82F81F5003E}" dt="2019-02-14T10:46:38.516" v="3344" actId="164"/>
-          <ac:spMkLst>
-            <pc:docMk/>
-            <pc:sldMk cId="1580437096" sldId="259"/>
-            <ac:spMk id="26" creationId="{F9CE2DB5-CC06-45D0-AAB6-5AF2811C6F59}"/>
-          </ac:spMkLst>
-        </pc:spChg>
-        <pc:spChg chg="add mod">
-          <ac:chgData name="wbQ62lLqMu@student.ethz.ch" userId="9644f811-e42f-4102-934e-79c5381944e7" providerId="ADAL" clId="{AD979EDD-E0C2-45A8-9CE6-E82F81F5003E}" dt="2019-02-14T10:47:01.094" v="3350" actId="1076"/>
-          <ac:spMkLst>
-            <pc:docMk/>
-            <pc:sldMk cId="1580437096" sldId="259"/>
-            <ac:spMk id="27" creationId="{70B4920E-77CB-413F-9532-54D1FDF83231}"/>
-          </ac:spMkLst>
-        </pc:spChg>
-        <pc:spChg chg="add mod">
-          <ac:chgData name="wbQ62lLqMu@student.ethz.ch" userId="9644f811-e42f-4102-934e-79c5381944e7" providerId="ADAL" clId="{AD979EDD-E0C2-45A8-9CE6-E82F81F5003E}" dt="2019-02-14T10:47:01.094" v="3350" actId="1076"/>
-          <ac:spMkLst>
-            <pc:docMk/>
-            <pc:sldMk cId="1580437096" sldId="259"/>
-            <ac:spMk id="28" creationId="{AA1B0D3E-8DA0-4D8F-9008-87A2C0D8535E}"/>
-          </ac:spMkLst>
-        </pc:spChg>
-        <pc:spChg chg="add del mod">
-          <ac:chgData name="wbQ62lLqMu@student.ethz.ch" userId="9644f811-e42f-4102-934e-79c5381944e7" providerId="ADAL" clId="{AD979EDD-E0C2-45A8-9CE6-E82F81F5003E}" dt="2019-02-13T14:51:02.182" v="1426"/>
-          <ac:spMkLst>
-            <pc:docMk/>
-            <pc:sldMk cId="1580437096" sldId="259"/>
-            <ac:spMk id="29" creationId="{5921D423-E91D-4022-9E84-46F377A24771}"/>
-          </ac:spMkLst>
-        </pc:spChg>
-        <pc:spChg chg="add mod">
-          <ac:chgData name="wbQ62lLqMu@student.ethz.ch" userId="9644f811-e42f-4102-934e-79c5381944e7" providerId="ADAL" clId="{AD979EDD-E0C2-45A8-9CE6-E82F81F5003E}" dt="2019-02-14T10:46:38.516" v="3344" actId="164"/>
-          <ac:spMkLst>
-            <pc:docMk/>
-            <pc:sldMk cId="1580437096" sldId="259"/>
-            <ac:spMk id="29" creationId="{A3B51CB4-7C9E-4A6F-A98E-374FAE70C26F}"/>
-          </ac:spMkLst>
-        </pc:spChg>
-        <pc:spChg chg="add mod">
-          <ac:chgData name="wbQ62lLqMu@student.ethz.ch" userId="9644f811-e42f-4102-934e-79c5381944e7" providerId="ADAL" clId="{AD979EDD-E0C2-45A8-9CE6-E82F81F5003E}" dt="2019-02-14T11:42:47.438" v="3533" actId="2085"/>
-          <ac:spMkLst>
-            <pc:docMk/>
-            <pc:sldMk cId="1580437096" sldId="259"/>
-            <ac:spMk id="29" creationId="{EE48D216-837F-4550-BD5D-405D0776B37D}"/>
-          </ac:spMkLst>
-        </pc:spChg>
-        <pc:spChg chg="add mod">
-          <ac:chgData name="wbQ62lLqMu@student.ethz.ch" userId="9644f811-e42f-4102-934e-79c5381944e7" providerId="ADAL" clId="{AD979EDD-E0C2-45A8-9CE6-E82F81F5003E}" dt="2019-02-14T11:42:47.438" v="3533" actId="2085"/>
-          <ac:spMkLst>
-            <pc:docMk/>
-            <pc:sldMk cId="1580437096" sldId="259"/>
-            <ac:spMk id="30" creationId="{7941B57B-6D0A-47F6-8D93-03CFD156D3DF}"/>
-          </ac:spMkLst>
-        </pc:spChg>
-        <pc:spChg chg="add mod">
-          <ac:chgData name="wbQ62lLqMu@student.ethz.ch" userId="9644f811-e42f-4102-934e-79c5381944e7" providerId="ADAL" clId="{AD979EDD-E0C2-45A8-9CE6-E82F81F5003E}" dt="2019-02-14T10:48:48.907" v="3365" actId="1076"/>
-          <ac:spMkLst>
-            <pc:docMk/>
-            <pc:sldMk cId="1580437096" sldId="259"/>
-            <ac:spMk id="32" creationId="{DC3E0D53-225D-4F3B-BF4B-7A3A7153F4F3}"/>
-          </ac:spMkLst>
-        </pc:spChg>
-        <pc:spChg chg="add mod">
-          <ac:chgData name="wbQ62lLqMu@student.ethz.ch" userId="9644f811-e42f-4102-934e-79c5381944e7" providerId="ADAL" clId="{AD979EDD-E0C2-45A8-9CE6-E82F81F5003E}" dt="2019-02-14T14:56:34.851" v="4121" actId="164"/>
-          <ac:spMkLst>
-            <pc:docMk/>
-            <pc:sldMk cId="1580437096" sldId="259"/>
-            <ac:spMk id="35" creationId="{2E231B1C-FABB-4A19-937F-7CD7FCAD256C}"/>
-          </ac:spMkLst>
-        </pc:spChg>
-        <pc:spChg chg="mod topLvl">
-          <ac:chgData name="wbQ62lLqMu@student.ethz.ch" userId="9644f811-e42f-4102-934e-79c5381944e7" providerId="ADAL" clId="{AD979EDD-E0C2-45A8-9CE6-E82F81F5003E}" dt="2019-02-14T14:58:41.339" v="4170" actId="1035"/>
-          <ac:spMkLst>
-            <pc:docMk/>
-            <pc:sldMk cId="1580437096" sldId="259"/>
-            <ac:spMk id="41" creationId="{55106473-8E8F-4EB7-A433-5D644D9CA973}"/>
-          </ac:spMkLst>
-        </pc:spChg>
-        <pc:grpChg chg="add del mod">
-          <ac:chgData name="wbQ62lLqMu@student.ethz.ch" userId="9644f811-e42f-4102-934e-79c5381944e7" providerId="ADAL" clId="{AD979EDD-E0C2-45A8-9CE6-E82F81F5003E}" dt="2019-02-14T10:21:44.304" v="3275" actId="478"/>
-          <ac:grpSpMkLst>
-            <pc:docMk/>
-            <pc:sldMk cId="1580437096" sldId="259"/>
-            <ac:grpSpMk id="2" creationId="{C7C8BEAC-CDA9-4E49-B8E0-53D4675B0A12}"/>
-          </ac:grpSpMkLst>
-        </pc:grpChg>
-        <pc:grpChg chg="add mod">
-          <ac:chgData name="wbQ62lLqMu@student.ethz.ch" userId="9644f811-e42f-4102-934e-79c5381944e7" providerId="ADAL" clId="{AD979EDD-E0C2-45A8-9CE6-E82F81F5003E}" dt="2019-02-14T14:56:21.988" v="4116" actId="1076"/>
-          <ac:grpSpMkLst>
-            <pc:docMk/>
-            <pc:sldMk cId="1580437096" sldId="259"/>
-            <ac:grpSpMk id="7" creationId="{B9C55F8D-6698-4087-B5A4-231BB4A085AD}"/>
-          </ac:grpSpMkLst>
-        </pc:grpChg>
-        <pc:grpChg chg="add mod">
-          <ac:chgData name="wbQ62lLqMu@student.ethz.ch" userId="9644f811-e42f-4102-934e-79c5381944e7" providerId="ADAL" clId="{AD979EDD-E0C2-45A8-9CE6-E82F81F5003E}" dt="2019-02-14T14:57:44.383" v="4129" actId="207"/>
-          <ac:grpSpMkLst>
-            <pc:docMk/>
-            <pc:sldMk cId="1580437096" sldId="259"/>
-            <ac:grpSpMk id="10" creationId="{52641995-53B3-4456-A7EE-CD6A70C6E5EF}"/>
-          </ac:grpSpMkLst>
-        </pc:grpChg>
-        <pc:grpChg chg="add del mod">
-          <ac:chgData name="wbQ62lLqMu@student.ethz.ch" userId="9644f811-e42f-4102-934e-79c5381944e7" providerId="ADAL" clId="{AD979EDD-E0C2-45A8-9CE6-E82F81F5003E}" dt="2019-02-14T10:48:34.413" v="3360" actId="478"/>
-          <ac:grpSpMkLst>
-            <pc:docMk/>
-            <pc:sldMk cId="1580437096" sldId="259"/>
-            <ac:grpSpMk id="10" creationId="{5AD3EB0C-E9BE-406B-9656-D29CB7E887F9}"/>
-          </ac:grpSpMkLst>
-        </pc:grpChg>
-        <pc:grpChg chg="add mod">
-          <ac:chgData name="wbQ62lLqMu@student.ethz.ch" userId="9644f811-e42f-4102-934e-79c5381944e7" providerId="ADAL" clId="{AD979EDD-E0C2-45A8-9CE6-E82F81F5003E}" dt="2019-02-14T14:56:34.851" v="4121" actId="164"/>
-          <ac:grpSpMkLst>
-            <pc:docMk/>
-            <pc:sldMk cId="1580437096" sldId="259"/>
-            <ac:grpSpMk id="36" creationId="{0709D3E1-EFA9-4BF7-A754-35FE1938CB45}"/>
-          </ac:grpSpMkLst>
-        </pc:grpChg>
-        <pc:grpChg chg="add del mod">
-          <ac:chgData name="wbQ62lLqMu@student.ethz.ch" userId="9644f811-e42f-4102-934e-79c5381944e7" providerId="ADAL" clId="{AD979EDD-E0C2-45A8-9CE6-E82F81F5003E}" dt="2019-02-14T14:57:12.270" v="4127" actId="165"/>
-          <ac:grpSpMkLst>
-            <pc:docMk/>
-            <pc:sldMk cId="1580437096" sldId="259"/>
-            <ac:grpSpMk id="40" creationId="{8DEC005C-AB15-4CA7-89E9-205225EC6B04}"/>
-          </ac:grpSpMkLst>
-        </pc:grpChg>
-        <pc:grpChg chg="mod topLvl">
-          <ac:chgData name="wbQ62lLqMu@student.ethz.ch" userId="9644f811-e42f-4102-934e-79c5381944e7" providerId="ADAL" clId="{AD979EDD-E0C2-45A8-9CE6-E82F81F5003E}" dt="2019-02-14T14:58:52.988" v="4176" actId="1036"/>
-          <ac:grpSpMkLst>
-            <pc:docMk/>
-            <pc:sldMk cId="1580437096" sldId="259"/>
-            <ac:grpSpMk id="42" creationId="{FA7BDCE4-93A6-4AB6-B679-E5AC5132E7B4}"/>
-          </ac:grpSpMkLst>
-        </pc:grpChg>
-        <pc:picChg chg="add mod">
-          <ac:chgData name="wbQ62lLqMu@student.ethz.ch" userId="9644f811-e42f-4102-934e-79c5381944e7" providerId="ADAL" clId="{AD979EDD-E0C2-45A8-9CE6-E82F81F5003E}" dt="2019-02-14T11:40:40.937" v="3442" actId="1076"/>
-          <ac:picMkLst>
-            <pc:docMk/>
-            <pc:sldMk cId="1580437096" sldId="259"/>
-            <ac:picMk id="3" creationId="{1AB82169-9D7D-4947-B2CA-6E3668A50F42}"/>
-          </ac:picMkLst>
-        </pc:picChg>
-        <pc:picChg chg="add del mod">
-          <ac:chgData name="wbQ62lLqMu@student.ethz.ch" userId="9644f811-e42f-4102-934e-79c5381944e7" providerId="ADAL" clId="{AD979EDD-E0C2-45A8-9CE6-E82F81F5003E}" dt="2019-02-13T15:13:20.753" v="1593" actId="478"/>
-          <ac:picMkLst>
-            <pc:docMk/>
-            <pc:sldMk cId="1580437096" sldId="259"/>
-            <ac:picMk id="4" creationId="{18E1A490-0EE3-4010-B794-ADE868891F3D}"/>
-          </ac:picMkLst>
-        </pc:picChg>
-        <pc:picChg chg="add mod">
-          <ac:chgData name="wbQ62lLqMu@student.ethz.ch" userId="9644f811-e42f-4102-934e-79c5381944e7" providerId="ADAL" clId="{AD979EDD-E0C2-45A8-9CE6-E82F81F5003E}" dt="2019-02-14T11:38:14.388" v="3381" actId="1035"/>
-          <ac:picMkLst>
-            <pc:docMk/>
-            <pc:sldMk cId="1580437096" sldId="259"/>
-            <ac:picMk id="4" creationId="{8B425161-A18C-487F-8F38-9D5B27C2B1E8}"/>
-          </ac:picMkLst>
-        </pc:picChg>
-        <pc:picChg chg="add mod">
-          <ac:chgData name="wbQ62lLqMu@student.ethz.ch" userId="9644f811-e42f-4102-934e-79c5381944e7" providerId="ADAL" clId="{AD979EDD-E0C2-45A8-9CE6-E82F81F5003E}" dt="2019-02-14T11:41:00.833" v="3446" actId="1076"/>
-          <ac:picMkLst>
-            <pc:docMk/>
-            <pc:sldMk cId="1580437096" sldId="259"/>
-            <ac:picMk id="6" creationId="{BA7D3D33-6FAF-433B-856A-5DB5E08ACC3A}"/>
-          </ac:picMkLst>
-        </pc:picChg>
-        <pc:picChg chg="add del mod">
-          <ac:chgData name="wbQ62lLqMu@student.ethz.ch" userId="9644f811-e42f-4102-934e-79c5381944e7" providerId="ADAL" clId="{AD979EDD-E0C2-45A8-9CE6-E82F81F5003E}" dt="2019-02-14T10:43:13.872" v="3300" actId="478"/>
-          <ac:picMkLst>
-            <pc:docMk/>
-            <pc:sldMk cId="1580437096" sldId="259"/>
-            <ac:picMk id="7" creationId="{6FF8FFCA-C3C4-4DE5-9B2B-678044545FCE}"/>
-          </ac:picMkLst>
-        </pc:picChg>
-        <pc:picChg chg="add del mod">
-          <ac:chgData name="wbQ62lLqMu@student.ethz.ch" userId="9644f811-e42f-4102-934e-79c5381944e7" providerId="ADAL" clId="{AD979EDD-E0C2-45A8-9CE6-E82F81F5003E}" dt="2019-02-13T15:13:54.043" v="1597" actId="478"/>
-          <ac:picMkLst>
-            <pc:docMk/>
-            <pc:sldMk cId="1580437096" sldId="259"/>
-            <ac:picMk id="7" creationId="{ABDB00AE-EB77-437A-A020-1357123D2679}"/>
-          </ac:picMkLst>
-        </pc:picChg>
-        <pc:picChg chg="add mod">
-          <ac:chgData name="wbQ62lLqMu@student.ethz.ch" userId="9644f811-e42f-4102-934e-79c5381944e7" providerId="ADAL" clId="{AD979EDD-E0C2-45A8-9CE6-E82F81F5003E}" dt="2019-02-14T10:47:31.074" v="3356" actId="1076"/>
-          <ac:picMkLst>
-            <pc:docMk/>
-            <pc:sldMk cId="1580437096" sldId="259"/>
-            <ac:picMk id="9" creationId="{3578DBA6-6743-4EF2-B478-7AC050D170DA}"/>
-          </ac:picMkLst>
-        </pc:picChg>
-        <pc:picChg chg="add mod">
-          <ac:chgData name="wbQ62lLqMu@student.ethz.ch" userId="9644f811-e42f-4102-934e-79c5381944e7" providerId="ADAL" clId="{AD979EDD-E0C2-45A8-9CE6-E82F81F5003E}" dt="2019-02-14T11:38:44.593" v="3403" actId="1076"/>
-          <ac:picMkLst>
-            <pc:docMk/>
-            <pc:sldMk cId="1580437096" sldId="259"/>
-            <ac:picMk id="12" creationId="{3F3638B5-0BF1-451B-8B80-56544A1EEE50}"/>
-          </ac:picMkLst>
-        </pc:picChg>
-        <pc:picChg chg="add del mod">
-          <ac:chgData name="wbQ62lLqMu@student.ethz.ch" userId="9644f811-e42f-4102-934e-79c5381944e7" providerId="ADAL" clId="{AD979EDD-E0C2-45A8-9CE6-E82F81F5003E}" dt="2019-02-14T11:40:35.382" v="3440" actId="478"/>
-          <ac:picMkLst>
-            <pc:docMk/>
-            <pc:sldMk cId="1580437096" sldId="259"/>
-            <ac:picMk id="31" creationId="{928AB3A2-ABB7-48A9-B4BC-CB884950110E}"/>
-          </ac:picMkLst>
-        </pc:picChg>
-        <pc:picChg chg="add mod">
-          <ac:chgData name="wbQ62lLqMu@student.ethz.ch" userId="9644f811-e42f-4102-934e-79c5381944e7" providerId="ADAL" clId="{AD979EDD-E0C2-45A8-9CE6-E82F81F5003E}" dt="2019-02-14T11:43:12.018" v="3545" actId="1076"/>
-          <ac:picMkLst>
-            <pc:docMk/>
-            <pc:sldMk cId="1580437096" sldId="259"/>
-            <ac:picMk id="33" creationId="{2B358927-1644-4A11-8317-5E66E21E0A11}"/>
-          </ac:picMkLst>
-        </pc:picChg>
-        <pc:picChg chg="add">
-          <ac:chgData name="wbQ62lLqMu@student.ethz.ch" userId="9644f811-e42f-4102-934e-79c5381944e7" providerId="ADAL" clId="{AD979EDD-E0C2-45A8-9CE6-E82F81F5003E}" dt="2019-02-13T16:11:28.374" v="2315"/>
-          <ac:picMkLst>
-            <pc:docMk/>
-            <pc:sldMk cId="1580437096" sldId="259"/>
-            <ac:picMk id="95" creationId="{16329B75-4542-4B8B-9011-4F136B267F3D}"/>
-          </ac:picMkLst>
-        </pc:picChg>
-        <pc:inkChg chg="add mod">
-          <ac:chgData name="wbQ62lLqMu@student.ethz.ch" userId="9644f811-e42f-4102-934e-79c5381944e7" providerId="ADAL" clId="{AD979EDD-E0C2-45A8-9CE6-E82F81F5003E}" dt="2019-02-14T11:39:02.050" v="3419" actId="1076"/>
-          <ac:inkMkLst>
-            <pc:docMk/>
-            <pc:sldMk cId="1580437096" sldId="259"/>
-            <ac:inkMk id="25" creationId="{E7876C46-A822-428D-B6E6-E0A80F83A822}"/>
-          </ac:inkMkLst>
-        </pc:inkChg>
-        <pc:inkChg chg="add mod">
-          <ac:chgData name="wbQ62lLqMu@student.ethz.ch" userId="9644f811-e42f-4102-934e-79c5381944e7" providerId="ADAL" clId="{AD979EDD-E0C2-45A8-9CE6-E82F81F5003E}" dt="2019-02-14T10:49:47.223" v="3372" actId="1076"/>
-          <ac:inkMkLst>
-            <pc:docMk/>
-            <pc:sldMk cId="1580437096" sldId="259"/>
-            <ac:inkMk id="34" creationId="{4D07F56C-1149-4D05-A2CA-FB46CB456DF9}"/>
-          </ac:inkMkLst>
-        </pc:inkChg>
-        <pc:inkChg chg="add del">
-          <ac:chgData name="wbQ62lLqMu@student.ethz.ch" userId="9644f811-e42f-4102-934e-79c5381944e7" providerId="ADAL" clId="{AD979EDD-E0C2-45A8-9CE6-E82F81F5003E}" dt="2019-02-13T15:20:34.195" v="1611"/>
-          <ac:inkMkLst>
-            <pc:docMk/>
-            <pc:sldMk cId="1580437096" sldId="259"/>
-            <ac:inkMk id="34" creationId="{67D0A720-4259-475C-AE1F-2C7BAEDF5F7E}"/>
-          </ac:inkMkLst>
-        </pc:inkChg>
-        <pc:inkChg chg="add del">
-          <ac:chgData name="wbQ62lLqMu@student.ethz.ch" userId="9644f811-e42f-4102-934e-79c5381944e7" providerId="ADAL" clId="{AD979EDD-E0C2-45A8-9CE6-E82F81F5003E}" dt="2019-02-13T15:20:31.623" v="1610"/>
-          <ac:inkMkLst>
-            <pc:docMk/>
-            <pc:sldMk cId="1580437096" sldId="259"/>
-            <ac:inkMk id="35" creationId="{FF746EE2-EEDE-4D01-8ACB-05F0D10C9D63}"/>
-          </ac:inkMkLst>
-        </pc:inkChg>
-        <pc:inkChg chg="add del">
-          <ac:chgData name="wbQ62lLqMu@student.ethz.ch" userId="9644f811-e42f-4102-934e-79c5381944e7" providerId="ADAL" clId="{AD979EDD-E0C2-45A8-9CE6-E82F81F5003E}" dt="2019-02-13T15:20:44.087" v="1616"/>
-          <ac:inkMkLst>
-            <pc:docMk/>
-            <pc:sldMk cId="1580437096" sldId="259"/>
-            <ac:inkMk id="36" creationId="{82B7BC5C-E62D-472B-AAF3-630D75650502}"/>
-          </ac:inkMkLst>
-        </pc:inkChg>
-        <pc:inkChg chg="add del">
-          <ac:chgData name="wbQ62lLqMu@student.ethz.ch" userId="9644f811-e42f-4102-934e-79c5381944e7" providerId="ADAL" clId="{AD979EDD-E0C2-45A8-9CE6-E82F81F5003E}" dt="2019-02-13T15:20:44.087" v="1616"/>
-          <ac:inkMkLst>
-            <pc:docMk/>
-            <pc:sldMk cId="1580437096" sldId="259"/>
-            <ac:inkMk id="37" creationId="{5C9C6F7F-AD47-4BDF-8577-19EDBE94593F}"/>
-          </ac:inkMkLst>
-        </pc:inkChg>
-        <pc:inkChg chg="add del">
-          <ac:chgData name="wbQ62lLqMu@student.ethz.ch" userId="9644f811-e42f-4102-934e-79c5381944e7" providerId="ADAL" clId="{AD979EDD-E0C2-45A8-9CE6-E82F81F5003E}" dt="2019-02-13T15:20:44.087" v="1616"/>
-          <ac:inkMkLst>
-            <pc:docMk/>
-            <pc:sldMk cId="1580437096" sldId="259"/>
-            <ac:inkMk id="38" creationId="{81593ACA-E1DC-4601-84DA-392C677C7917}"/>
-          </ac:inkMkLst>
-        </pc:inkChg>
-        <pc:inkChg chg="add del">
-          <ac:chgData name="wbQ62lLqMu@student.ethz.ch" userId="9644f811-e42f-4102-934e-79c5381944e7" providerId="ADAL" clId="{AD979EDD-E0C2-45A8-9CE6-E82F81F5003E}" dt="2019-02-13T15:20:44.087" v="1616"/>
-          <ac:inkMkLst>
-            <pc:docMk/>
-            <pc:sldMk cId="1580437096" sldId="259"/>
-            <ac:inkMk id="39" creationId="{02F3F9AA-DBBB-494F-AC53-B9316AF0250C}"/>
-          </ac:inkMkLst>
-        </pc:inkChg>
-        <pc:inkChg chg="add del">
-          <ac:chgData name="wbQ62lLqMu@student.ethz.ch" userId="9644f811-e42f-4102-934e-79c5381944e7" providerId="ADAL" clId="{AD979EDD-E0C2-45A8-9CE6-E82F81F5003E}" dt="2019-02-13T15:20:49.511" v="1623"/>
-          <ac:inkMkLst>
-            <pc:docMk/>
-            <pc:sldMk cId="1580437096" sldId="259"/>
-            <ac:inkMk id="40" creationId="{E40E0FE7-4E7F-4C21-BE03-A808099BDD94}"/>
-          </ac:inkMkLst>
-        </pc:inkChg>
-        <pc:inkChg chg="add del">
-          <ac:chgData name="wbQ62lLqMu@student.ethz.ch" userId="9644f811-e42f-4102-934e-79c5381944e7" providerId="ADAL" clId="{AD979EDD-E0C2-45A8-9CE6-E82F81F5003E}" dt="2019-02-13T15:20:47.967" v="1622"/>
-          <ac:inkMkLst>
-            <pc:docMk/>
-            <pc:sldMk cId="1580437096" sldId="259"/>
-            <ac:inkMk id="41" creationId="{98DF6512-2BDD-43F8-ACB6-F4442EAE8846}"/>
-          </ac:inkMkLst>
-        </pc:inkChg>
-        <pc:inkChg chg="add del">
-          <ac:chgData name="wbQ62lLqMu@student.ethz.ch" userId="9644f811-e42f-4102-934e-79c5381944e7" providerId="ADAL" clId="{AD979EDD-E0C2-45A8-9CE6-E82F81F5003E}" dt="2019-02-13T15:20:47.967" v="1622"/>
-          <ac:inkMkLst>
-            <pc:docMk/>
-            <pc:sldMk cId="1580437096" sldId="259"/>
-            <ac:inkMk id="42" creationId="{02A1EE82-2776-48BD-81C9-30F9355A51AB}"/>
-          </ac:inkMkLst>
-        </pc:inkChg>
-        <pc:inkChg chg="add del">
-          <ac:chgData name="wbQ62lLqMu@student.ethz.ch" userId="9644f811-e42f-4102-934e-79c5381944e7" providerId="ADAL" clId="{AD979EDD-E0C2-45A8-9CE6-E82F81F5003E}" dt="2019-02-13T15:20:47.967" v="1622"/>
-          <ac:inkMkLst>
-            <pc:docMk/>
-            <pc:sldMk cId="1580437096" sldId="259"/>
-            <ac:inkMk id="43" creationId="{2EA8296E-B688-4056-9E65-CC519D0B5347}"/>
-          </ac:inkMkLst>
-        </pc:inkChg>
-        <pc:inkChg chg="add del">
-          <ac:chgData name="wbQ62lLqMu@student.ethz.ch" userId="9644f811-e42f-4102-934e-79c5381944e7" providerId="ADAL" clId="{AD979EDD-E0C2-45A8-9CE6-E82F81F5003E}" dt="2019-02-13T15:20:47.967" v="1622"/>
-          <ac:inkMkLst>
-            <pc:docMk/>
-            <pc:sldMk cId="1580437096" sldId="259"/>
-            <ac:inkMk id="44" creationId="{20F23B2D-868D-4EF4-A01C-6A0F40305EAE}"/>
-          </ac:inkMkLst>
-        </pc:inkChg>
-        <pc:inkChg chg="add del">
-          <ac:chgData name="wbQ62lLqMu@student.ethz.ch" userId="9644f811-e42f-4102-934e-79c5381944e7" providerId="ADAL" clId="{AD979EDD-E0C2-45A8-9CE6-E82F81F5003E}" dt="2019-02-13T15:20:47.967" v="1622"/>
-          <ac:inkMkLst>
-            <pc:docMk/>
-            <pc:sldMk cId="1580437096" sldId="259"/>
-            <ac:inkMk id="45" creationId="{0876A65A-1123-4BD9-BEB6-11211E61DDAD}"/>
-          </ac:inkMkLst>
-        </pc:inkChg>
-        <pc:inkChg chg="add del">
-          <ac:chgData name="wbQ62lLqMu@student.ethz.ch" userId="9644f811-e42f-4102-934e-79c5381944e7" providerId="ADAL" clId="{AD979EDD-E0C2-45A8-9CE6-E82F81F5003E}" dt="2019-02-13T15:21:02.859" v="1629"/>
-          <ac:inkMkLst>
-            <pc:docMk/>
-            <pc:sldMk cId="1580437096" sldId="259"/>
-            <ac:inkMk id="46" creationId="{E13D0093-88EC-458C-9B96-8172C5449DE4}"/>
-          </ac:inkMkLst>
-        </pc:inkChg>
-        <pc:inkChg chg="add del">
-          <ac:chgData name="wbQ62lLqMu@student.ethz.ch" userId="9644f811-e42f-4102-934e-79c5381944e7" providerId="ADAL" clId="{AD979EDD-E0C2-45A8-9CE6-E82F81F5003E}" dt="2019-02-13T15:20:54.127" v="1627"/>
-          <ac:inkMkLst>
-            <pc:docMk/>
-            <pc:sldMk cId="1580437096" sldId="259"/>
-            <ac:inkMk id="47" creationId="{6F719966-78F9-4E0A-8039-86F82820C544}"/>
-          </ac:inkMkLst>
-        </pc:inkChg>
-        <pc:inkChg chg="add del">
-          <ac:chgData name="wbQ62lLqMu@student.ethz.ch" userId="9644f811-e42f-4102-934e-79c5381944e7" providerId="ADAL" clId="{AD979EDD-E0C2-45A8-9CE6-E82F81F5003E}" dt="2019-02-13T15:20:54.127" v="1627"/>
-          <ac:inkMkLst>
-            <pc:docMk/>
-            <pc:sldMk cId="1580437096" sldId="259"/>
-            <ac:inkMk id="48" creationId="{13000965-C81C-4E5E-8FC0-A7D865B604A6}"/>
-          </ac:inkMkLst>
-        </pc:inkChg>
-        <pc:inkChg chg="add del">
-          <ac:chgData name="wbQ62lLqMu@student.ethz.ch" userId="9644f811-e42f-4102-934e-79c5381944e7" providerId="ADAL" clId="{AD979EDD-E0C2-45A8-9CE6-E82F81F5003E}" dt="2019-02-13T15:20:54.127" v="1627"/>
-          <ac:inkMkLst>
-            <pc:docMk/>
-            <pc:sldMk cId="1580437096" sldId="259"/>
-            <ac:inkMk id="49" creationId="{6C3DFCE3-778F-42B5-882D-9DE553EDB7D9}"/>
-          </ac:inkMkLst>
-        </pc:inkChg>
-        <pc:inkChg chg="add del">
-          <ac:chgData name="wbQ62lLqMu@student.ethz.ch" userId="9644f811-e42f-4102-934e-79c5381944e7" providerId="ADAL" clId="{AD979EDD-E0C2-45A8-9CE6-E82F81F5003E}" dt="2019-02-13T15:20:56.186" v="1628"/>
-          <ac:inkMkLst>
-            <pc:docMk/>
-            <pc:sldMk cId="1580437096" sldId="259"/>
-            <ac:inkMk id="50" creationId="{E1F225EF-9F41-45AD-8E3B-C5266913FBCC}"/>
-          </ac:inkMkLst>
-        </pc:inkChg>
-        <pc:inkChg chg="add del">
-          <ac:chgData name="wbQ62lLqMu@student.ethz.ch" userId="9644f811-e42f-4102-934e-79c5381944e7" providerId="ADAL" clId="{AD979EDD-E0C2-45A8-9CE6-E82F81F5003E}" dt="2019-02-13T15:21:12.923" v="1640"/>
-          <ac:inkMkLst>
-            <pc:docMk/>
-            <pc:sldMk cId="1580437096" sldId="259"/>
-            <ac:inkMk id="51" creationId="{F8990E9A-ECB5-47F3-ADC9-26E344402D5A}"/>
-          </ac:inkMkLst>
-        </pc:inkChg>
-        <pc:inkChg chg="add del">
-          <ac:chgData name="wbQ62lLqMu@student.ethz.ch" userId="9644f811-e42f-4102-934e-79c5381944e7" providerId="ADAL" clId="{AD979EDD-E0C2-45A8-9CE6-E82F81F5003E}" dt="2019-02-13T15:21:12.923" v="1640"/>
-          <ac:inkMkLst>
-            <pc:docMk/>
-            <pc:sldMk cId="1580437096" sldId="259"/>
-            <ac:inkMk id="52" creationId="{B43A9BE1-2981-4D5E-903F-D86AF37903FB}"/>
-          </ac:inkMkLst>
-        </pc:inkChg>
-        <pc:inkChg chg="add del">
-          <ac:chgData name="wbQ62lLqMu@student.ethz.ch" userId="9644f811-e42f-4102-934e-79c5381944e7" providerId="ADAL" clId="{AD979EDD-E0C2-45A8-9CE6-E82F81F5003E}" dt="2019-02-13T15:21:12.923" v="1640"/>
-          <ac:inkMkLst>
-            <pc:docMk/>
-            <pc:sldMk cId="1580437096" sldId="259"/>
-            <ac:inkMk id="53" creationId="{963FA221-682A-45BA-811E-ADB33522EFAF}"/>
-          </ac:inkMkLst>
-        </pc:inkChg>
-        <pc:inkChg chg="add del">
-          <ac:chgData name="wbQ62lLqMu@student.ethz.ch" userId="9644f811-e42f-4102-934e-79c5381944e7" providerId="ADAL" clId="{AD979EDD-E0C2-45A8-9CE6-E82F81F5003E}" dt="2019-02-13T15:21:12.923" v="1640"/>
-          <ac:inkMkLst>
-            <pc:docMk/>
-            <pc:sldMk cId="1580437096" sldId="259"/>
-            <ac:inkMk id="54" creationId="{89E73B74-700B-4073-8A88-873B7A83700D}"/>
-          </ac:inkMkLst>
-        </pc:inkChg>
-        <pc:inkChg chg="add del">
-          <ac:chgData name="wbQ62lLqMu@student.ethz.ch" userId="9644f811-e42f-4102-934e-79c5381944e7" providerId="ADAL" clId="{AD979EDD-E0C2-45A8-9CE6-E82F81F5003E}" dt="2019-02-13T15:21:12.923" v="1640"/>
-          <ac:inkMkLst>
-            <pc:docMk/>
-            <pc:sldMk cId="1580437096" sldId="259"/>
-            <ac:inkMk id="55" creationId="{5553B81D-040F-4A2A-B392-9C274729076B}"/>
-          </ac:inkMkLst>
-        </pc:inkChg>
-        <pc:inkChg chg="add del">
-          <ac:chgData name="wbQ62lLqMu@student.ethz.ch" userId="9644f811-e42f-4102-934e-79c5381944e7" providerId="ADAL" clId="{AD979EDD-E0C2-45A8-9CE6-E82F81F5003E}" dt="2019-02-13T15:21:12.923" v="1640"/>
-          <ac:inkMkLst>
-            <pc:docMk/>
-            <pc:sldMk cId="1580437096" sldId="259"/>
-            <ac:inkMk id="56" creationId="{F0EB3BFD-788D-4F9A-AB8D-B71A5B45B58A}"/>
-          </ac:inkMkLst>
-        </pc:inkChg>
-        <pc:inkChg chg="add del">
-          <ac:chgData name="wbQ62lLqMu@student.ethz.ch" userId="9644f811-e42f-4102-934e-79c5381944e7" providerId="ADAL" clId="{AD979EDD-E0C2-45A8-9CE6-E82F81F5003E}" dt="2019-02-13T15:21:12.923" v="1640"/>
-          <ac:inkMkLst>
-            <pc:docMk/>
-            <pc:sldMk cId="1580437096" sldId="259"/>
-            <ac:inkMk id="57" creationId="{3508DF12-D77F-4316-8995-25EE39393326}"/>
-          </ac:inkMkLst>
-        </pc:inkChg>
-        <pc:inkChg chg="add del">
-          <ac:chgData name="wbQ62lLqMu@student.ethz.ch" userId="9644f811-e42f-4102-934e-79c5381944e7" providerId="ADAL" clId="{AD979EDD-E0C2-45A8-9CE6-E82F81F5003E}" dt="2019-02-13T15:21:12.923" v="1640"/>
-          <ac:inkMkLst>
-            <pc:docMk/>
-            <pc:sldMk cId="1580437096" sldId="259"/>
-            <ac:inkMk id="58" creationId="{6904943E-2C5F-4F5A-99A7-864423C4D541}"/>
-          </ac:inkMkLst>
-        </pc:inkChg>
-        <pc:inkChg chg="add del">
-          <ac:chgData name="wbQ62lLqMu@student.ethz.ch" userId="9644f811-e42f-4102-934e-79c5381944e7" providerId="ADAL" clId="{AD979EDD-E0C2-45A8-9CE6-E82F81F5003E}" dt="2019-02-13T15:21:12.923" v="1640"/>
-          <ac:inkMkLst>
-            <pc:docMk/>
-            <pc:sldMk cId="1580437096" sldId="259"/>
-            <ac:inkMk id="59" creationId="{594E1D5A-10E7-4F1C-9CA4-F2E58A20237B}"/>
-          </ac:inkMkLst>
-        </pc:inkChg>
-        <pc:inkChg chg="add del">
-          <ac:chgData name="wbQ62lLqMu@student.ethz.ch" userId="9644f811-e42f-4102-934e-79c5381944e7" providerId="ADAL" clId="{AD979EDD-E0C2-45A8-9CE6-E82F81F5003E}" dt="2019-02-13T15:21:12.923" v="1640"/>
-          <ac:inkMkLst>
-            <pc:docMk/>
-            <pc:sldMk cId="1580437096" sldId="259"/>
-            <ac:inkMk id="60" creationId="{1C3FAB2A-C2E1-4884-BC03-4E950FDEE421}"/>
-          </ac:inkMkLst>
-        </pc:inkChg>
-        <pc:inkChg chg="add del">
-          <ac:chgData name="wbQ62lLqMu@student.ethz.ch" userId="9644f811-e42f-4102-934e-79c5381944e7" providerId="ADAL" clId="{AD979EDD-E0C2-45A8-9CE6-E82F81F5003E}" dt="2019-02-13T15:21:27.084" v="1648"/>
-          <ac:inkMkLst>
-            <pc:docMk/>
-            <pc:sldMk cId="1580437096" sldId="259"/>
-            <ac:inkMk id="61" creationId="{CF66B21C-CAB1-49A6-BEC3-D6294C26E7A2}"/>
-          </ac:inkMkLst>
-        </pc:inkChg>
-        <pc:inkChg chg="add del">
-          <ac:chgData name="wbQ62lLqMu@student.ethz.ch" userId="9644f811-e42f-4102-934e-79c5381944e7" providerId="ADAL" clId="{AD979EDD-E0C2-45A8-9CE6-E82F81F5003E}" dt="2019-02-13T15:21:27.084" v="1648"/>
-          <ac:inkMkLst>
-            <pc:docMk/>
-            <pc:sldMk cId="1580437096" sldId="259"/>
-            <ac:inkMk id="62" creationId="{B63E3225-344B-4F89-ADDA-5A98D92A7AB6}"/>
-          </ac:inkMkLst>
-        </pc:inkChg>
-        <pc:inkChg chg="add del">
-          <ac:chgData name="wbQ62lLqMu@student.ethz.ch" userId="9644f811-e42f-4102-934e-79c5381944e7" providerId="ADAL" clId="{AD979EDD-E0C2-45A8-9CE6-E82F81F5003E}" dt="2019-02-13T15:21:27.084" v="1648"/>
-          <ac:inkMkLst>
-            <pc:docMk/>
-            <pc:sldMk cId="1580437096" sldId="259"/>
-            <ac:inkMk id="63" creationId="{CF40F4AA-CC9B-48B1-9101-14B67DF9E887}"/>
-          </ac:inkMkLst>
-        </pc:inkChg>
-        <pc:inkChg chg="add del">
-          <ac:chgData name="wbQ62lLqMu@student.ethz.ch" userId="9644f811-e42f-4102-934e-79c5381944e7" providerId="ADAL" clId="{AD979EDD-E0C2-45A8-9CE6-E82F81F5003E}" dt="2019-02-13T15:21:27.084" v="1648"/>
-          <ac:inkMkLst>
-            <pc:docMk/>
-            <pc:sldMk cId="1580437096" sldId="259"/>
-            <ac:inkMk id="64" creationId="{B01788E0-ED6E-4774-87A8-3F46B821D85E}"/>
-          </ac:inkMkLst>
-        </pc:inkChg>
-        <pc:inkChg chg="add del">
-          <ac:chgData name="wbQ62lLqMu@student.ethz.ch" userId="9644f811-e42f-4102-934e-79c5381944e7" providerId="ADAL" clId="{AD979EDD-E0C2-45A8-9CE6-E82F81F5003E}" dt="2019-02-13T15:21:27.084" v="1648"/>
-          <ac:inkMkLst>
-            <pc:docMk/>
-            <pc:sldMk cId="1580437096" sldId="259"/>
-            <ac:inkMk id="65" creationId="{D2B626AD-D7B9-4220-B029-5BDB8AEDFE3D}"/>
-          </ac:inkMkLst>
-        </pc:inkChg>
-        <pc:inkChg chg="add del">
-          <ac:chgData name="wbQ62lLqMu@student.ethz.ch" userId="9644f811-e42f-4102-934e-79c5381944e7" providerId="ADAL" clId="{AD979EDD-E0C2-45A8-9CE6-E82F81F5003E}" dt="2019-02-13T15:21:27.084" v="1648"/>
-          <ac:inkMkLst>
-            <pc:docMk/>
-            <pc:sldMk cId="1580437096" sldId="259"/>
-            <ac:inkMk id="66" creationId="{E02A17C1-5FB1-4384-B147-05C67FB93F22}"/>
-          </ac:inkMkLst>
-        </pc:inkChg>
-        <pc:inkChg chg="add del">
-          <ac:chgData name="wbQ62lLqMu@student.ethz.ch" userId="9644f811-e42f-4102-934e-79c5381944e7" providerId="ADAL" clId="{AD979EDD-E0C2-45A8-9CE6-E82F81F5003E}" dt="2019-02-13T15:21:27.084" v="1648"/>
-          <ac:inkMkLst>
-            <pc:docMk/>
-            <pc:sldMk cId="1580437096" sldId="259"/>
-            <ac:inkMk id="67" creationId="{59BECFCB-8AD4-4B36-A4D6-61A9E2E1E6D3}"/>
-          </ac:inkMkLst>
-        </pc:inkChg>
-        <pc:inkChg chg="add del">
-          <ac:chgData name="wbQ62lLqMu@student.ethz.ch" userId="9644f811-e42f-4102-934e-79c5381944e7" providerId="ADAL" clId="{AD979EDD-E0C2-45A8-9CE6-E82F81F5003E}" dt="2019-02-13T15:21:27.084" v="1648"/>
-          <ac:inkMkLst>
-            <pc:docMk/>
-            <pc:sldMk cId="1580437096" sldId="259"/>
-            <ac:inkMk id="68" creationId="{A53515CB-D726-46F5-93F1-3FCD55812FB8}"/>
-          </ac:inkMkLst>
-        </pc:inkChg>
-        <pc:inkChg chg="add mod">
-          <ac:chgData name="wbQ62lLqMu@student.ethz.ch" userId="9644f811-e42f-4102-934e-79c5381944e7" providerId="ADAL" clId="{AD979EDD-E0C2-45A8-9CE6-E82F81F5003E}" dt="2019-02-14T10:49:29.843" v="3370" actId="1076"/>
-          <ac:inkMkLst>
-            <pc:docMk/>
-            <pc:sldMk cId="1580437096" sldId="259"/>
-            <ac:inkMk id="69" creationId="{040E1D26-E52B-46D3-B74C-ABAC9684C749}"/>
-          </ac:inkMkLst>
-        </pc:inkChg>
-        <pc:inkChg chg="add del">
-          <ac:chgData name="wbQ62lLqMu@student.ethz.ch" userId="9644f811-e42f-4102-934e-79c5381944e7" providerId="ADAL" clId="{AD979EDD-E0C2-45A8-9CE6-E82F81F5003E}" dt="2019-02-13T15:21:39.395" v="1653"/>
-          <ac:inkMkLst>
-            <pc:docMk/>
-            <pc:sldMk cId="1580437096" sldId="259"/>
-            <ac:inkMk id="70" creationId="{A3DCC92D-DC93-4A25-A24A-EAC762C7237B}"/>
-          </ac:inkMkLst>
-        </pc:inkChg>
-        <pc:inkChg chg="add del">
-          <ac:chgData name="wbQ62lLqMu@student.ethz.ch" userId="9644f811-e42f-4102-934e-79c5381944e7" providerId="ADAL" clId="{AD979EDD-E0C2-45A8-9CE6-E82F81F5003E}" dt="2019-02-13T15:21:39.395" v="1653"/>
-          <ac:inkMkLst>
-            <pc:docMk/>
-            <pc:sldMk cId="1580437096" sldId="259"/>
-            <ac:inkMk id="71" creationId="{2B299618-4864-40B9-AF6F-968BAD98DCF9}"/>
-          </ac:inkMkLst>
-        </pc:inkChg>
-        <pc:inkChg chg="add del">
-          <ac:chgData name="wbQ62lLqMu@student.ethz.ch" userId="9644f811-e42f-4102-934e-79c5381944e7" providerId="ADAL" clId="{AD979EDD-E0C2-45A8-9CE6-E82F81F5003E}" dt="2019-02-13T15:21:39.395" v="1653"/>
-          <ac:inkMkLst>
-            <pc:docMk/>
-            <pc:sldMk cId="1580437096" sldId="259"/>
-            <ac:inkMk id="72" creationId="{69A8C1A6-2A68-4FCE-B80F-1DD8A9870B83}"/>
-          </ac:inkMkLst>
-        </pc:inkChg>
-        <pc:inkChg chg="add del">
-          <ac:chgData name="wbQ62lLqMu@student.ethz.ch" userId="9644f811-e42f-4102-934e-79c5381944e7" providerId="ADAL" clId="{AD979EDD-E0C2-45A8-9CE6-E82F81F5003E}" dt="2019-02-13T15:21:39.395" v="1653"/>
-          <ac:inkMkLst>
-            <pc:docMk/>
-            <pc:sldMk cId="1580437096" sldId="259"/>
-            <ac:inkMk id="73" creationId="{399FF66E-49FC-45D8-B473-B3DFB798AB79}"/>
-          </ac:inkMkLst>
-        </pc:inkChg>
-        <pc:inkChg chg="add del">
-          <ac:chgData name="wbQ62lLqMu@student.ethz.ch" userId="9644f811-e42f-4102-934e-79c5381944e7" providerId="ADAL" clId="{AD979EDD-E0C2-45A8-9CE6-E82F81F5003E}" dt="2019-02-13T15:30:24.099" v="1721"/>
-          <ac:inkMkLst>
-            <pc:docMk/>
-            <pc:sldMk cId="1580437096" sldId="259"/>
-            <ac:inkMk id="74" creationId="{BFFECB00-339C-4908-9F8A-BA3392C784C4}"/>
-          </ac:inkMkLst>
-        </pc:inkChg>
-        <pc:inkChg chg="add del">
-          <ac:chgData name="wbQ62lLqMu@student.ethz.ch" userId="9644f811-e42f-4102-934e-79c5381944e7" providerId="ADAL" clId="{AD979EDD-E0C2-45A8-9CE6-E82F81F5003E}" dt="2019-02-13T15:30:24.099" v="1721"/>
-          <ac:inkMkLst>
-            <pc:docMk/>
-            <pc:sldMk cId="1580437096" sldId="259"/>
-            <ac:inkMk id="75" creationId="{19D64BFA-6801-46DC-B57E-97577BFAD5F1}"/>
-          </ac:inkMkLst>
-        </pc:inkChg>
-        <pc:inkChg chg="add del">
-          <ac:chgData name="wbQ62lLqMu@student.ethz.ch" userId="9644f811-e42f-4102-934e-79c5381944e7" providerId="ADAL" clId="{AD979EDD-E0C2-45A8-9CE6-E82F81F5003E}" dt="2019-02-13T15:21:44.498" v="1659"/>
-          <ac:inkMkLst>
-            <pc:docMk/>
-            <pc:sldMk cId="1580437096" sldId="259"/>
-            <ac:inkMk id="76" creationId="{5452D1D5-46D7-4612-87EA-B8A770E3C351}"/>
-          </ac:inkMkLst>
-        </pc:inkChg>
-        <pc:inkChg chg="add del">
-          <ac:chgData name="wbQ62lLqMu@student.ethz.ch" userId="9644f811-e42f-4102-934e-79c5381944e7" providerId="ADAL" clId="{AD979EDD-E0C2-45A8-9CE6-E82F81F5003E}" dt="2019-02-13T15:21:44.498" v="1659"/>
-          <ac:inkMkLst>
-            <pc:docMk/>
-            <pc:sldMk cId="1580437096" sldId="259"/>
-            <ac:inkMk id="77" creationId="{75B410F6-1983-4BAA-B464-4890D49CAC02}"/>
-          </ac:inkMkLst>
-        </pc:inkChg>
-        <pc:inkChg chg="add del">
-          <ac:chgData name="wbQ62lLqMu@student.ethz.ch" userId="9644f811-e42f-4102-934e-79c5381944e7" providerId="ADAL" clId="{AD979EDD-E0C2-45A8-9CE6-E82F81F5003E}" dt="2019-02-13T15:21:44.498" v="1659"/>
-          <ac:inkMkLst>
-            <pc:docMk/>
-            <pc:sldMk cId="1580437096" sldId="259"/>
-            <ac:inkMk id="78" creationId="{5F593DDF-E231-4AA6-82AF-8958FA931398}"/>
-          </ac:inkMkLst>
-        </pc:inkChg>
-        <pc:inkChg chg="add del">
-          <ac:chgData name="wbQ62lLqMu@student.ethz.ch" userId="9644f811-e42f-4102-934e-79c5381944e7" providerId="ADAL" clId="{AD979EDD-E0C2-45A8-9CE6-E82F81F5003E}" dt="2019-02-13T15:21:44.498" v="1659"/>
-          <ac:inkMkLst>
-            <pc:docMk/>
-            <pc:sldMk cId="1580437096" sldId="259"/>
-            <ac:inkMk id="79" creationId="{EC2A0CB2-7C81-483F-B49A-E7A5A8A29798}"/>
-          </ac:inkMkLst>
-        </pc:inkChg>
-        <pc:inkChg chg="add del">
-          <ac:chgData name="wbQ62lLqMu@student.ethz.ch" userId="9644f811-e42f-4102-934e-79c5381944e7" providerId="ADAL" clId="{AD979EDD-E0C2-45A8-9CE6-E82F81F5003E}" dt="2019-02-13T15:21:48.798" v="1661"/>
-          <ac:inkMkLst>
-            <pc:docMk/>
-            <pc:sldMk cId="1580437096" sldId="259"/>
-            <ac:inkMk id="80" creationId="{AF3A18D9-DF36-4DB9-9007-B5E2874DC0BD}"/>
-          </ac:inkMkLst>
-        </pc:inkChg>
-        <pc:inkChg chg="add del">
-          <ac:chgData name="wbQ62lLqMu@student.ethz.ch" userId="9644f811-e42f-4102-934e-79c5381944e7" providerId="ADAL" clId="{AD979EDD-E0C2-45A8-9CE6-E82F81F5003E}" dt="2019-02-13T15:21:48.798" v="1661"/>
-          <ac:inkMkLst>
-            <pc:docMk/>
-            <pc:sldMk cId="1580437096" sldId="259"/>
-            <ac:inkMk id="81" creationId="{A48A5DDE-6957-47F5-B801-15BB64C06697}"/>
-          </ac:inkMkLst>
-        </pc:inkChg>
-        <pc:inkChg chg="add mod">
-          <ac:chgData name="wbQ62lLqMu@student.ethz.ch" userId="9644f811-e42f-4102-934e-79c5381944e7" providerId="ADAL" clId="{AD979EDD-E0C2-45A8-9CE6-E82F81F5003E}" dt="2019-02-14T10:50:42.291" v="3374" actId="1076"/>
-          <ac:inkMkLst>
-            <pc:docMk/>
-            <pc:sldMk cId="1580437096" sldId="259"/>
-            <ac:inkMk id="82" creationId="{6243B740-022A-45F9-8E30-C4422BAE9DF8}"/>
-          </ac:inkMkLst>
-        </pc:inkChg>
-        <pc:inkChg chg="add del">
-          <ac:chgData name="wbQ62lLqMu@student.ethz.ch" userId="9644f811-e42f-4102-934e-79c5381944e7" providerId="ADAL" clId="{AD979EDD-E0C2-45A8-9CE6-E82F81F5003E}" dt="2019-02-13T15:21:59.074" v="1669"/>
-          <ac:inkMkLst>
-            <pc:docMk/>
-            <pc:sldMk cId="1580437096" sldId="259"/>
-            <ac:inkMk id="83" creationId="{83781AF7-6EBD-41D1-93CD-FADEAEC982E2}"/>
-          </ac:inkMkLst>
-        </pc:inkChg>
-        <pc:inkChg chg="add del">
-          <ac:chgData name="wbQ62lLqMu@student.ethz.ch" userId="9644f811-e42f-4102-934e-79c5381944e7" providerId="ADAL" clId="{AD979EDD-E0C2-45A8-9CE6-E82F81F5003E}" dt="2019-02-13T15:21:59.074" v="1669"/>
-          <ac:inkMkLst>
-            <pc:docMk/>
-            <pc:sldMk cId="1580437096" sldId="259"/>
-            <ac:inkMk id="84" creationId="{6DEECC38-C36D-45D9-A3C8-65DD98C97779}"/>
-          </ac:inkMkLst>
-        </pc:inkChg>
-        <pc:inkChg chg="add del">
-          <ac:chgData name="wbQ62lLqMu@student.ethz.ch" userId="9644f811-e42f-4102-934e-79c5381944e7" providerId="ADAL" clId="{AD979EDD-E0C2-45A8-9CE6-E82F81F5003E}" dt="2019-02-13T15:21:59.074" v="1669"/>
-          <ac:inkMkLst>
-            <pc:docMk/>
-            <pc:sldMk cId="1580437096" sldId="259"/>
-            <ac:inkMk id="85" creationId="{E4C90962-9478-4BC6-8DCE-00D9DAD6E413}"/>
-          </ac:inkMkLst>
-        </pc:inkChg>
-        <pc:inkChg chg="add del">
-          <ac:chgData name="wbQ62lLqMu@student.ethz.ch" userId="9644f811-e42f-4102-934e-79c5381944e7" providerId="ADAL" clId="{AD979EDD-E0C2-45A8-9CE6-E82F81F5003E}" dt="2019-02-13T15:21:59.074" v="1669"/>
-          <ac:inkMkLst>
-            <pc:docMk/>
-            <pc:sldMk cId="1580437096" sldId="259"/>
-            <ac:inkMk id="86" creationId="{46E4696E-042D-4508-800A-BD259449ADED}"/>
-          </ac:inkMkLst>
-        </pc:inkChg>
-        <pc:inkChg chg="add del">
-          <ac:chgData name="wbQ62lLqMu@student.ethz.ch" userId="9644f811-e42f-4102-934e-79c5381944e7" providerId="ADAL" clId="{AD979EDD-E0C2-45A8-9CE6-E82F81F5003E}" dt="2019-02-13T15:21:59.074" v="1669"/>
-          <ac:inkMkLst>
-            <pc:docMk/>
-            <pc:sldMk cId="1580437096" sldId="259"/>
-            <ac:inkMk id="87" creationId="{5230988A-D45F-4159-A6C0-25B3966DB64E}"/>
-          </ac:inkMkLst>
-        </pc:inkChg>
-        <pc:inkChg chg="add del">
-          <ac:chgData name="wbQ62lLqMu@student.ethz.ch" userId="9644f811-e42f-4102-934e-79c5381944e7" providerId="ADAL" clId="{AD979EDD-E0C2-45A8-9CE6-E82F81F5003E}" dt="2019-02-13T15:21:59.074" v="1669"/>
-          <ac:inkMkLst>
-            <pc:docMk/>
-            <pc:sldMk cId="1580437096" sldId="259"/>
-            <ac:inkMk id="88" creationId="{96E88270-1F12-4AD9-BE93-739260AA1449}"/>
-          </ac:inkMkLst>
-        </pc:inkChg>
-        <pc:inkChg chg="add del">
-          <ac:chgData name="wbQ62lLqMu@student.ethz.ch" userId="9644f811-e42f-4102-934e-79c5381944e7" providerId="ADAL" clId="{AD979EDD-E0C2-45A8-9CE6-E82F81F5003E}" dt="2019-02-13T15:21:59.074" v="1669"/>
-          <ac:inkMkLst>
-            <pc:docMk/>
-            <pc:sldMk cId="1580437096" sldId="259"/>
-            <ac:inkMk id="89" creationId="{CD0E624A-DB6B-4DB2-A1B7-D4E1E8003D11}"/>
-          </ac:inkMkLst>
-        </pc:inkChg>
-        <pc:inkChg chg="add mod">
-          <ac:chgData name="wbQ62lLqMu@student.ethz.ch" userId="9644f811-e42f-4102-934e-79c5381944e7" providerId="ADAL" clId="{AD979EDD-E0C2-45A8-9CE6-E82F81F5003E}" dt="2019-02-14T10:50:46.513" v="3375" actId="1076"/>
-          <ac:inkMkLst>
-            <pc:docMk/>
-            <pc:sldMk cId="1580437096" sldId="259"/>
-            <ac:inkMk id="90" creationId="{BDA40714-0324-416E-A4FC-1934241100CF}"/>
-          </ac:inkMkLst>
-        </pc:inkChg>
-        <pc:inkChg chg="add del">
-          <ac:chgData name="wbQ62lLqMu@student.ethz.ch" userId="9644f811-e42f-4102-934e-79c5381944e7" providerId="ADAL" clId="{AD979EDD-E0C2-45A8-9CE6-E82F81F5003E}" dt="2019-02-13T15:30:21.251" v="1719" actId="9405"/>
-          <ac:inkMkLst>
-            <pc:docMk/>
-            <pc:sldMk cId="1580437096" sldId="259"/>
-            <ac:inkMk id="91" creationId="{9CD17520-B922-4F1C-B529-FB309179847C}"/>
-          </ac:inkMkLst>
-        </pc:inkChg>
-        <pc:inkChg chg="add">
-          <ac:chgData name="wbQ62lLqMu@student.ethz.ch" userId="9644f811-e42f-4102-934e-79c5381944e7" providerId="ADAL" clId="{AD979EDD-E0C2-45A8-9CE6-E82F81F5003E}" dt="2019-02-13T15:30:19.932" v="1718"/>
-          <ac:inkMkLst>
-            <pc:docMk/>
-            <pc:sldMk cId="1580437096" sldId="259"/>
-            <ac:inkMk id="92" creationId="{B7D95668-8323-4080-BCF4-4D4AB3D508ED}"/>
-          </ac:inkMkLst>
-        </pc:inkChg>
-        <pc:inkChg chg="add del">
-          <ac:chgData name="wbQ62lLqMu@student.ethz.ch" userId="9644f811-e42f-4102-934e-79c5381944e7" providerId="ADAL" clId="{AD979EDD-E0C2-45A8-9CE6-E82F81F5003E}" dt="2019-02-13T15:30:24.099" v="1721"/>
-          <ac:inkMkLst>
-            <pc:docMk/>
-            <pc:sldMk cId="1580437096" sldId="259"/>
-            <ac:inkMk id="93" creationId="{2945C4B0-52EA-41D9-A5D0-F2D18A9E4357}"/>
-          </ac:inkMkLst>
-        </pc:inkChg>
-        <pc:inkChg chg="add mod">
-          <ac:chgData name="wbQ62lLqMu@student.ethz.ch" userId="9644f811-e42f-4102-934e-79c5381944e7" providerId="ADAL" clId="{AD979EDD-E0C2-45A8-9CE6-E82F81F5003E}" dt="2019-02-14T10:50:42.291" v="3374" actId="1076"/>
-          <ac:inkMkLst>
-            <pc:docMk/>
-            <pc:sldMk cId="1580437096" sldId="259"/>
-            <ac:inkMk id="94" creationId="{2C823BEF-17B5-4A6C-8BC3-3C53F69A088A}"/>
-          </ac:inkMkLst>
-        </pc:inkChg>
-        <pc:cxnChg chg="add del mod">
-          <ac:chgData name="wbQ62lLqMu@student.ethz.ch" userId="9644f811-e42f-4102-934e-79c5381944e7" providerId="ADAL" clId="{AD979EDD-E0C2-45A8-9CE6-E82F81F5003E}" dt="2019-02-13T14:35:26.356" v="1136" actId="478"/>
-          <ac:cxnSpMkLst>
-            <pc:docMk/>
-            <pc:sldMk cId="1580437096" sldId="259"/>
-            <ac:cxnSpMk id="9" creationId="{AFA9B4BA-5946-49D2-AE4E-6AB5F26B62EE}"/>
-          </ac:cxnSpMkLst>
-        </pc:cxnChg>
-      </pc:sldChg>
-      <pc:sldChg chg="addSp delSp modSp modNotesTx">
-        <pc:chgData name="wbQ62lLqMu@student.ethz.ch" userId="9644f811-e42f-4102-934e-79c5381944e7" providerId="ADAL" clId="{AD979EDD-E0C2-45A8-9CE6-E82F81F5003E}" dt="2019-02-14T15:54:40.620" v="4346" actId="20577"/>
-        <pc:sldMkLst>
-          <pc:docMk/>
-          <pc:sldMk cId="173405992" sldId="260"/>
-        </pc:sldMkLst>
-        <pc:spChg chg="del">
-          <ac:chgData name="wbQ62lLqMu@student.ethz.ch" userId="9644f811-e42f-4102-934e-79c5381944e7" providerId="ADAL" clId="{AD979EDD-E0C2-45A8-9CE6-E82F81F5003E}" dt="2019-02-13T15:33:08.011" v="1812" actId="478"/>
-          <ac:spMkLst>
-            <pc:docMk/>
-            <pc:sldMk cId="173405992" sldId="260"/>
-            <ac:spMk id="2" creationId="{00000000-0000-0000-0000-000000000000}"/>
-          </ac:spMkLst>
-        </pc:spChg>
-        <pc:spChg chg="add mod">
-          <ac:chgData name="wbQ62lLqMu@student.ethz.ch" userId="9644f811-e42f-4102-934e-79c5381944e7" providerId="ADAL" clId="{AD979EDD-E0C2-45A8-9CE6-E82F81F5003E}" dt="2019-02-14T15:07:17.867" v="4322" actId="113"/>
-          <ac:spMkLst>
-            <pc:docMk/>
-            <pc:sldMk cId="173405992" sldId="260"/>
-            <ac:spMk id="3" creationId="{45FD89CA-10F1-41F2-B714-37413538B1CC}"/>
-          </ac:spMkLst>
-        </pc:spChg>
-        <pc:spChg chg="add mod">
-          <ac:chgData name="wbQ62lLqMu@student.ethz.ch" userId="9644f811-e42f-4102-934e-79c5381944e7" providerId="ADAL" clId="{AD979EDD-E0C2-45A8-9CE6-E82F81F5003E}" dt="2019-02-13T15:33:53.075" v="1816" actId="1076"/>
-          <ac:spMkLst>
-            <pc:docMk/>
-            <pc:sldMk cId="173405992" sldId="260"/>
-            <ac:spMk id="4" creationId="{88CE0119-70A9-43CF-A845-D17860415045}"/>
-          </ac:spMkLst>
-        </pc:spChg>
-        <pc:spChg chg="del mod">
-          <ac:chgData name="wbQ62lLqMu@student.ethz.ch" userId="9644f811-e42f-4102-934e-79c5381944e7" providerId="ADAL" clId="{AD979EDD-E0C2-45A8-9CE6-E82F81F5003E}" dt="2019-02-13T15:32:49.104" v="1811" actId="478"/>
-          <ac:spMkLst>
-            <pc:docMk/>
-            <pc:sldMk cId="173405992" sldId="260"/>
-            <ac:spMk id="5" creationId="{00000000-0000-0000-0000-000000000000}"/>
-          </ac:spMkLst>
-        </pc:spChg>
-        <pc:spChg chg="add mod">
-          <ac:chgData name="wbQ62lLqMu@student.ethz.ch" userId="9644f811-e42f-4102-934e-79c5381944e7" providerId="ADAL" clId="{AD979EDD-E0C2-45A8-9CE6-E82F81F5003E}" dt="2019-02-14T15:06:32.905" v="4320" actId="20577"/>
-          <ac:spMkLst>
-            <pc:docMk/>
-            <pc:sldMk cId="173405992" sldId="260"/>
-            <ac:spMk id="6" creationId="{BE0F5D48-DF0B-43C9-8CCF-CCDEA9154424}"/>
-          </ac:spMkLst>
-        </pc:spChg>
-        <pc:spChg chg="mod">
-          <ac:chgData name="wbQ62lLqMu@student.ethz.ch" userId="9644f811-e42f-4102-934e-79c5381944e7" providerId="ADAL" clId="{AD979EDD-E0C2-45A8-9CE6-E82F81F5003E}" dt="2019-02-14T12:20:38.122" v="3899" actId="1036"/>
-          <ac:spMkLst>
-            <pc:docMk/>
-            <pc:sldMk cId="173405992" sldId="260"/>
-            <ac:spMk id="8" creationId="{81A11D8E-0C5C-4159-A5B2-FB8EF131370D}"/>
-          </ac:spMkLst>
-        </pc:spChg>
-        <pc:spChg chg="mod">
-          <ac:chgData name="wbQ62lLqMu@student.ethz.ch" userId="9644f811-e42f-4102-934e-79c5381944e7" providerId="ADAL" clId="{AD979EDD-E0C2-45A8-9CE6-E82F81F5003E}" dt="2019-02-14T12:20:38.122" v="3899" actId="1036"/>
-          <ac:spMkLst>
-            <pc:docMk/>
-            <pc:sldMk cId="173405992" sldId="260"/>
-            <ac:spMk id="10" creationId="{D4D5DA86-CE43-40E2-BDB5-0D48B8E7BBDC}"/>
-          </ac:spMkLst>
-        </pc:spChg>
-        <pc:spChg chg="mod">
-          <ac:chgData name="wbQ62lLqMu@student.ethz.ch" userId="9644f811-e42f-4102-934e-79c5381944e7" providerId="ADAL" clId="{AD979EDD-E0C2-45A8-9CE6-E82F81F5003E}" dt="2019-02-14T12:20:38.122" v="3899" actId="1036"/>
-          <ac:spMkLst>
-            <pc:docMk/>
-            <pc:sldMk cId="173405992" sldId="260"/>
-            <ac:spMk id="11" creationId="{6FFA9741-E350-419F-8A57-79B2AA717013}"/>
-          </ac:spMkLst>
-        </pc:spChg>
-        <pc:spChg chg="mod">
-          <ac:chgData name="wbQ62lLqMu@student.ethz.ch" userId="9644f811-e42f-4102-934e-79c5381944e7" providerId="ADAL" clId="{AD979EDD-E0C2-45A8-9CE6-E82F81F5003E}" dt="2019-02-14T12:20:38.122" v="3899" actId="1036"/>
-          <ac:spMkLst>
-            <pc:docMk/>
-            <pc:sldMk cId="173405992" sldId="260"/>
-            <ac:spMk id="12" creationId="{3D754A3F-30E0-46CB-B3F4-73F0134FA8FE}"/>
-          </ac:spMkLst>
-        </pc:spChg>
-        <pc:spChg chg="add del mod ord">
-          <ac:chgData name="wbQ62lLqMu@student.ethz.ch" userId="9644f811-e42f-4102-934e-79c5381944e7" providerId="ADAL" clId="{AD979EDD-E0C2-45A8-9CE6-E82F81F5003E}" dt="2019-02-14T12:20:43.134" v="3900" actId="478"/>
-          <ac:spMkLst>
-            <pc:docMk/>
-            <pc:sldMk cId="173405992" sldId="260"/>
-            <ac:spMk id="13" creationId="{A148E074-918A-4407-A576-B57AB8AB45E1}"/>
-          </ac:spMkLst>
-        </pc:spChg>
-        <pc:picChg chg="add">
-          <ac:chgData name="wbQ62lLqMu@student.ethz.ch" userId="9644f811-e42f-4102-934e-79c5381944e7" providerId="ADAL" clId="{AD979EDD-E0C2-45A8-9CE6-E82F81F5003E}" dt="2019-02-13T16:11:34.942" v="2317"/>
-          <ac:picMkLst>
-            <pc:docMk/>
-            <pc:sldMk cId="173405992" sldId="260"/>
-            <ac:picMk id="7" creationId="{2E581422-6FEB-4936-B821-115372B624BF}"/>
-          </ac:picMkLst>
-        </pc:picChg>
-      </pc:sldChg>
-      <pc:sldChg chg="addSp delSp modSp">
-        <pc:chgData name="wbQ62lLqMu@student.ethz.ch" userId="9644f811-e42f-4102-934e-79c5381944e7" providerId="ADAL" clId="{AD979EDD-E0C2-45A8-9CE6-E82F81F5003E}" dt="2019-02-15T08:28:01.090" v="4510" actId="1076"/>
-        <pc:sldMkLst>
-          <pc:docMk/>
-          <pc:sldMk cId="1793154150" sldId="261"/>
-        </pc:sldMkLst>
-        <pc:spChg chg="add mod">
-          <ac:chgData name="wbQ62lLqMu@student.ethz.ch" userId="9644f811-e42f-4102-934e-79c5381944e7" providerId="ADAL" clId="{AD979EDD-E0C2-45A8-9CE6-E82F81F5003E}" dt="2019-02-14T12:20:01.591" v="3879" actId="1076"/>
-          <ac:spMkLst>
-            <pc:docMk/>
-            <pc:sldMk cId="1793154150" sldId="261"/>
-            <ac:spMk id="3" creationId="{851D5CCB-8D1A-4FF6-8713-0D45C781B4F6}"/>
-          </ac:spMkLst>
-        </pc:spChg>
-        <pc:spChg chg="add mod">
-          <ac:chgData name="wbQ62lLqMu@student.ethz.ch" userId="9644f811-e42f-4102-934e-79c5381944e7" providerId="ADAL" clId="{AD979EDD-E0C2-45A8-9CE6-E82F81F5003E}" dt="2019-02-14T11:49:04.676" v="3577" actId="20577"/>
-          <ac:spMkLst>
-            <pc:docMk/>
-            <pc:sldMk cId="1793154150" sldId="261"/>
-            <ac:spMk id="4" creationId="{3A4FF952-8710-4E4A-AD5C-65013F816F1E}"/>
-          </ac:spMkLst>
-        </pc:spChg>
-        <pc:spChg chg="del">
-          <ac:chgData name="wbQ62lLqMu@student.ethz.ch" userId="9644f811-e42f-4102-934e-79c5381944e7" providerId="ADAL" clId="{AD979EDD-E0C2-45A8-9CE6-E82F81F5003E}" dt="2019-02-14T11:48:40.231" v="3571" actId="478"/>
-          <ac:spMkLst>
-            <pc:docMk/>
-            <pc:sldMk cId="1793154150" sldId="261"/>
-            <ac:spMk id="5" creationId="{00000000-0000-0000-0000-000000000000}"/>
-          </ac:spMkLst>
-        </pc:spChg>
-        <pc:spChg chg="add mod">
-          <ac:chgData name="wbQ62lLqMu@student.ethz.ch" userId="9644f811-e42f-4102-934e-79c5381944e7" providerId="ADAL" clId="{AD979EDD-E0C2-45A8-9CE6-E82F81F5003E}" dt="2019-02-15T08:28:01.090" v="4510" actId="1076"/>
-          <ac:spMkLst>
-            <pc:docMk/>
-            <pc:sldMk cId="1793154150" sldId="261"/>
-            <ac:spMk id="24" creationId="{B1CB4A24-72B4-4948-B21B-B6CB579F3D07}"/>
-          </ac:spMkLst>
-        </pc:spChg>
-        <pc:picChg chg="add mod">
-          <ac:chgData name="wbQ62lLqMu@student.ethz.ch" userId="9644f811-e42f-4102-934e-79c5381944e7" providerId="ADAL" clId="{AD979EDD-E0C2-45A8-9CE6-E82F81F5003E}" dt="2019-02-15T08:25:08.125" v="4465" actId="1036"/>
-          <ac:picMkLst>
-            <pc:docMk/>
-            <pc:sldMk cId="1793154150" sldId="261"/>
-            <ac:picMk id="6" creationId="{3A413EF8-07BA-4B79-B936-04AB7F0A8647}"/>
-          </ac:picMkLst>
-        </pc:picChg>
-        <pc:picChg chg="add mod">
-          <ac:chgData name="wbQ62lLqMu@student.ethz.ch" userId="9644f811-e42f-4102-934e-79c5381944e7" providerId="ADAL" clId="{AD979EDD-E0C2-45A8-9CE6-E82F81F5003E}" dt="2019-02-15T08:08:48.203" v="4443" actId="692"/>
-          <ac:picMkLst>
-            <pc:docMk/>
-            <pc:sldMk cId="1793154150" sldId="261"/>
-            <ac:picMk id="8" creationId="{5E53EE52-90FB-4866-B78E-B47282539D01}"/>
-          </ac:picMkLst>
-        </pc:picChg>
-        <pc:picChg chg="add mod">
-          <ac:chgData name="wbQ62lLqMu@student.ethz.ch" userId="9644f811-e42f-4102-934e-79c5381944e7" providerId="ADAL" clId="{AD979EDD-E0C2-45A8-9CE6-E82F81F5003E}" dt="2019-02-15T08:25:12.139" v="4477" actId="1035"/>
-          <ac:picMkLst>
-            <pc:docMk/>
-            <pc:sldMk cId="1793154150" sldId="261"/>
-            <ac:picMk id="10" creationId="{1EFF0F17-E0DC-4172-B5B0-ABF9D067F6AA}"/>
-          </ac:picMkLst>
-        </pc:picChg>
-        <pc:inkChg chg="add del">
-          <ac:chgData name="wbQ62lLqMu@student.ethz.ch" userId="9644f811-e42f-4102-934e-79c5381944e7" providerId="ADAL" clId="{AD979EDD-E0C2-45A8-9CE6-E82F81F5003E}" dt="2019-02-15T08:24:39.704" v="4447" actId="9405"/>
-          <ac:inkMkLst>
-            <pc:docMk/>
-            <pc:sldMk cId="1793154150" sldId="261"/>
-            <ac:inkMk id="5" creationId="{C6B0880B-BAC5-41F5-BAA1-DAB57C057176}"/>
-          </ac:inkMkLst>
-        </pc:inkChg>
-        <pc:inkChg chg="add del">
-          <ac:chgData name="wbQ62lLqMu@student.ethz.ch" userId="9644f811-e42f-4102-934e-79c5381944e7" providerId="ADAL" clId="{AD979EDD-E0C2-45A8-9CE6-E82F81F5003E}" dt="2019-02-15T08:25:31.469" v="4479" actId="9405"/>
-          <ac:inkMkLst>
-            <pc:docMk/>
-            <pc:sldMk cId="1793154150" sldId="261"/>
-            <ac:inkMk id="7" creationId="{37F7E8F7-755A-4B2C-945F-B9F1B94EF088}"/>
-          </ac:inkMkLst>
-        </pc:inkChg>
-        <pc:inkChg chg="add del">
-          <ac:chgData name="wbQ62lLqMu@student.ethz.ch" userId="9644f811-e42f-4102-934e-79c5381944e7" providerId="ADAL" clId="{AD979EDD-E0C2-45A8-9CE6-E82F81F5003E}" dt="2019-02-15T08:25:55.874" v="4493"/>
-          <ac:inkMkLst>
-            <pc:docMk/>
-            <pc:sldMk cId="1793154150" sldId="261"/>
-            <ac:inkMk id="9" creationId="{9800FCDA-93D3-401E-BB92-99D19CCF5198}"/>
-          </ac:inkMkLst>
-        </pc:inkChg>
-        <pc:inkChg chg="add del">
-          <ac:chgData name="wbQ62lLqMu@student.ethz.ch" userId="9644f811-e42f-4102-934e-79c5381944e7" providerId="ADAL" clId="{AD979EDD-E0C2-45A8-9CE6-E82F81F5003E}" dt="2019-02-15T08:25:46.449" v="4485" actId="9405"/>
-          <ac:inkMkLst>
-            <pc:docMk/>
-            <pc:sldMk cId="1793154150" sldId="261"/>
-            <ac:inkMk id="11" creationId="{ADBB772D-A099-4DB8-B1B9-62904B144233}"/>
-          </ac:inkMkLst>
-        </pc:inkChg>
-        <pc:inkChg chg="add">
-          <ac:chgData name="wbQ62lLqMu@student.ethz.ch" userId="9644f811-e42f-4102-934e-79c5381944e7" providerId="ADAL" clId="{AD979EDD-E0C2-45A8-9CE6-E82F81F5003E}" dt="2019-02-15T08:25:35.951" v="4482"/>
-          <ac:inkMkLst>
-            <pc:docMk/>
-            <pc:sldMk cId="1793154150" sldId="261"/>
-            <ac:inkMk id="12" creationId="{21E56B79-2022-4158-8A51-2E27DC00982B}"/>
-          </ac:inkMkLst>
-        </pc:inkChg>
-        <pc:inkChg chg="add del">
-          <ac:chgData name="wbQ62lLqMu@student.ethz.ch" userId="9644f811-e42f-4102-934e-79c5381944e7" providerId="ADAL" clId="{AD979EDD-E0C2-45A8-9CE6-E82F81F5003E}" dt="2019-02-15T08:25:43.020" v="4484" actId="9405"/>
-          <ac:inkMkLst>
-            <pc:docMk/>
-            <pc:sldMk cId="1793154150" sldId="261"/>
-            <ac:inkMk id="13" creationId="{1E6C1C72-FAC6-4870-8F37-199150E51A7C}"/>
-          </ac:inkMkLst>
-        </pc:inkChg>
-        <pc:inkChg chg="add del">
-          <ac:chgData name="wbQ62lLqMu@student.ethz.ch" userId="9644f811-e42f-4102-934e-79c5381944e7" providerId="ADAL" clId="{AD979EDD-E0C2-45A8-9CE6-E82F81F5003E}" dt="2019-02-15T08:25:50.679" v="4488" actId="9405"/>
-          <ac:inkMkLst>
-            <pc:docMk/>
-            <pc:sldMk cId="1793154150" sldId="261"/>
-            <ac:inkMk id="14" creationId="{57934809-FF9B-476A-AD59-7971CAA827C7}"/>
-          </ac:inkMkLst>
-        </pc:inkChg>
-        <pc:inkChg chg="add">
-          <ac:chgData name="wbQ62lLqMu@student.ethz.ch" userId="9644f811-e42f-4102-934e-79c5381944e7" providerId="ADAL" clId="{AD979EDD-E0C2-45A8-9CE6-E82F81F5003E}" dt="2019-02-15T08:25:50.003" v="4487"/>
-          <ac:inkMkLst>
-            <pc:docMk/>
-            <pc:sldMk cId="1793154150" sldId="261"/>
-            <ac:inkMk id="15" creationId="{26CFA964-C90B-4086-B114-ED38FA616EFF}"/>
-          </ac:inkMkLst>
-        </pc:inkChg>
-        <pc:inkChg chg="add del">
-          <ac:chgData name="wbQ62lLqMu@student.ethz.ch" userId="9644f811-e42f-4102-934e-79c5381944e7" providerId="ADAL" clId="{AD979EDD-E0C2-45A8-9CE6-E82F81F5003E}" dt="2019-02-15T08:25:53.721" v="4491" actId="9405"/>
-          <ac:inkMkLst>
-            <pc:docMk/>
-            <pc:sldMk cId="1793154150" sldId="261"/>
-            <ac:inkMk id="16" creationId="{1725A9CF-3CDD-496B-AE1C-80BE5CB435B8}"/>
-          </ac:inkMkLst>
-        </pc:inkChg>
-        <pc:inkChg chg="add">
-          <ac:chgData name="wbQ62lLqMu@student.ethz.ch" userId="9644f811-e42f-4102-934e-79c5381944e7" providerId="ADAL" clId="{AD979EDD-E0C2-45A8-9CE6-E82F81F5003E}" dt="2019-02-15T08:25:53.500" v="4490"/>
-          <ac:inkMkLst>
-            <pc:docMk/>
-            <pc:sldMk cId="1793154150" sldId="261"/>
-            <ac:inkMk id="17" creationId="{66CBC142-D4AB-4E89-AD53-287AC38B1920}"/>
-          </ac:inkMkLst>
-        </pc:inkChg>
-        <pc:inkChg chg="add del">
-          <ac:chgData name="wbQ62lLqMu@student.ethz.ch" userId="9644f811-e42f-4102-934e-79c5381944e7" providerId="ADAL" clId="{AD979EDD-E0C2-45A8-9CE6-E82F81F5003E}" dt="2019-02-15T08:25:55.874" v="4493"/>
-          <ac:inkMkLst>
-            <pc:docMk/>
-            <pc:sldMk cId="1793154150" sldId="261"/>
-            <ac:inkMk id="18" creationId="{17640D1B-8CBB-48B0-8ABA-606DBEF63090}"/>
-          </ac:inkMkLst>
-        </pc:inkChg>
-        <pc:inkChg chg="add">
-          <ac:chgData name="wbQ62lLqMu@student.ethz.ch" userId="9644f811-e42f-4102-934e-79c5381944e7" providerId="ADAL" clId="{AD979EDD-E0C2-45A8-9CE6-E82F81F5003E}" dt="2019-02-15T08:25:55.874" v="4493"/>
-          <ac:inkMkLst>
-            <pc:docMk/>
-            <pc:sldMk cId="1793154150" sldId="261"/>
-            <ac:inkMk id="19" creationId="{DF58C01D-97D8-4593-926B-B755999B5448}"/>
-          </ac:inkMkLst>
-        </pc:inkChg>
-        <pc:inkChg chg="add del">
-          <ac:chgData name="wbQ62lLqMu@student.ethz.ch" userId="9644f811-e42f-4102-934e-79c5381944e7" providerId="ADAL" clId="{AD979EDD-E0C2-45A8-9CE6-E82F81F5003E}" dt="2019-02-15T08:26:04.059" v="4495" actId="9405"/>
-          <ac:inkMkLst>
-            <pc:docMk/>
-            <pc:sldMk cId="1793154150" sldId="261"/>
-            <ac:inkMk id="20" creationId="{A50AB3CE-C4F8-44AE-84D9-3BD3F446375D}"/>
-          </ac:inkMkLst>
-        </pc:inkChg>
-        <pc:inkChg chg="add del">
-          <ac:chgData name="wbQ62lLqMu@student.ethz.ch" userId="9644f811-e42f-4102-934e-79c5381944e7" providerId="ADAL" clId="{AD979EDD-E0C2-45A8-9CE6-E82F81F5003E}" dt="2019-02-15T08:26:07.764" v="4498"/>
-          <ac:inkMkLst>
-            <pc:docMk/>
-            <pc:sldMk cId="1793154150" sldId="261"/>
-            <ac:inkMk id="21" creationId="{8564B5EE-352B-4A93-AC21-946225D77960}"/>
-          </ac:inkMkLst>
-        </pc:inkChg>
-        <pc:inkChg chg="add del">
-          <ac:chgData name="wbQ62lLqMu@student.ethz.ch" userId="9644f811-e42f-4102-934e-79c5381944e7" providerId="ADAL" clId="{AD979EDD-E0C2-45A8-9CE6-E82F81F5003E}" dt="2019-02-15T08:26:07.764" v="4498"/>
-          <ac:inkMkLst>
-            <pc:docMk/>
-            <pc:sldMk cId="1793154150" sldId="261"/>
-            <ac:inkMk id="22" creationId="{65CC404D-2775-48AC-BCE0-D953D40B89BD}"/>
-          </ac:inkMkLst>
-        </pc:inkChg>
-        <pc:inkChg chg="add">
-          <ac:chgData name="wbQ62lLqMu@student.ethz.ch" userId="9644f811-e42f-4102-934e-79c5381944e7" providerId="ADAL" clId="{AD979EDD-E0C2-45A8-9CE6-E82F81F5003E}" dt="2019-02-15T08:26:07.764" v="4498"/>
-          <ac:inkMkLst>
-            <pc:docMk/>
-            <pc:sldMk cId="1793154150" sldId="261"/>
-            <ac:inkMk id="23" creationId="{D689382F-A35A-477E-9E1A-F4B34427C93C}"/>
-          </ac:inkMkLst>
-        </pc:inkChg>
       </pc:sldChg>
     </pc:docChg>
   </pc:docChgLst>
@@ -1975,7 +1975,7 @@
     </inkml:brush>
   </inkml:definitions>
   <inkml:trace contextRef="#ctx0" brushRef="#br0">377 1 8192,'-24'25'5973,"1"1"-3371,10-9-2318,-2 0 0,1-2 0,-2 0 0,0-1-284,-35 29 177,3 2 0,-4 7-177,-52 50 1204,104-102-1088,0 0 0,0 0 0,0 0 0,0 0 0,0 0 0,0 0 0,0 0 0,0 0 0,0 0 0,0 0 0,0 0 1,0 0-1,0 0-116,10-12 373,16-14-474,-15 17 68,-1 0-1,2 2 1,0-1-1,0 2 1,0-1-1,1 1 1,0 1-1,0 0 1,0 1-1,1 0 1,0 1 33,-12 3-7,2 0 0,-1 1 0,-1-1 0,1 0-1,0 1 1,0-1 0,0 1 0,-1 0 0,1 0 0,0 1 0,-1-1 0,1 0-1,-1 1 1,0-1 0,1 1 0,0-1 0,-1 1 0,0 1 0,-1-1 0,1 0-1,1 0 1,-2 0 0,1 0 0,-1 1 0,1 0 0,-1-1 0,0 0 0,0 2 7,1 0 29,0-2 0,-1 0 0,0 1 0,-1-1 0,1 2 0,0-2 0,-1 1 1,1-1-1,-1 2 0,0-1 0,0-1 0,0 1 0,0-1 0,-1 2 1,1-1-1,-1-1 0,1 1 0,-1-1 0,0 2 0,0-2 0,-1 0 0,1 1 1,0-1-1,-1 1 0,1-1 0,-1 0 0,0 0 0,1 0 0,-2 0-29,-7 7 122,-1-1 0,-1-2 0,0 1 1,-10 4-123,-8 0-3705,30-11-81,2 0 1349,1 0-1675</inkml:trace>
-  <inkml:trace contextRef="#ctx0" brushRef="#br0" timeOffset="1176.659">341 466 5888,'2'5'6702,"4"7"-5730,-2-4-904,2-2 0,-1 2 0,0-2 0,2 1 0,-1-1 0,1 0 0,-1-1 0,1 1-1,0-1 1,1-1 0,0 1 0,-1-2 0,2 1 0,-2-1 0,2 1-68,-7-4 38,0 1 1,0-1 0,0 0-1,0 0 1,-1 0-1,1 1 1,0-1 0,-1-1-1,2 1 1,-1 0 0,0 0-39,-2-1 27,1 1 0,-1 0 0,1 0 0,-1 0 1,1-1-1,-1 1 0,1 0 0,-1-1 1,1 1-1,-1 0 0,1-2 0,-1 2 1,1-1-1,-1 1 0,0-1 0,2 1 0,-2-1 1,0 1-1,1-1 0,-1 1 0,0-1-27,0 0 52,0-1-1,1 0 1,-1 1-1,0-2 1,-1 2-1,1-1 1,0 1-1,0-1 1,-1 1-1,1-1 1,-2 1-1,2-1 1,-1 0-1,1 1 1,-1-1-1,0 1 1,0 0-1,0 0 1,0-1-1,-1-1-51,-4-3 101,1-1 0,-2 1 0,2-1-1,-3 2 1,2 0 0,-1-1-1,-3 0-100,7 4 0,0 0 0,1 0 0,-1 1 0,0 0 0,0 0 0,0 0 0,0 1 0,0-1 0,-1 1 0,1-1 0,0 1 0,0 0 0,0 0 0,0 0 0,0 1 0,0-1 0,-1 1 0,1-1 0,0 1 0,1 0 0,-1 0-1,-2 1 1,2 1-38,-1 0 0,-1-1 0,2 1 0,0 0 0,-2 1 0,2-1 0,0 0-1,1 2 1,-1-2 0,-1 1 0,2 0 0,0 1 0,0-1 0,0 0 0,1 1-1,-2 0 39,1 1 0,0-1 0,1 2 0,0-1-1,0-1 1,0 2 0,0-2 0,1 2-1,0-1 1,0 1 0,1-2-1,0 2 1,0 0 0,0-3-37,-1-2 0,1 0 0,0 0 1,0 0-1,0 0 0,1 1 0,0-1 0,-1-1 0,1 1 0,-1 0 0,1-1 0,-1 1 0,1 0 0,0 0 0,1-1 1,-1 0-1,-1 1 0,1-1 0,0 0 0,1 0 0,0-1 0,1 2 37,4 1-917,0-2 0,1 1 0,0-1 0,0-1 0,6 1 917,14-1-3397</inkml:trace>
+  <inkml:trace contextRef="#ctx0" brushRef="#br0" timeOffset="1176.658">341 466 5888,'2'5'6702,"4"7"-5730,-2-4-904,2-2 0,-1 2 0,0-2 0,2 1 0,-1-1 0,1 0 0,-1-1 0,1 1-1,0-1 1,1-1 0,0 1 0,-1-2 0,2 1 0,-2-1 0,2 1-68,-7-4 38,0 1 1,0-1 0,0 0-1,0 0 1,-1 0-1,1 1 1,0-1 0,-1-1-1,2 1 1,-1 0 0,0 0-39,-2-1 27,1 1 0,-1 0 0,1 0 0,-1 0 1,1-1-1,-1 1 0,1 0 0,-1-1 1,1 1-1,-1 0 0,1-2 0,-1 2 1,1-1-1,-1 1 0,0-1 0,2 1 0,-2-1 1,0 1-1,1-1 0,-1 1 0,0-1-27,0 0 52,0-1-1,1 0 1,-1 1-1,0-2 1,-1 2-1,1-1 1,0 1-1,0-1 1,-1 1-1,1-1 1,-2 1-1,2-1 1,-1 0-1,1 1 1,-1-1-1,0 1 1,0 0-1,0 0 1,0-1-1,-1-1-51,-4-3 101,1-1 0,-2 1 0,2-1-1,-3 2 1,2 0 0,-1-1-1,-3 0-100,7 4 0,0 0 0,1 0 0,-1 1 0,0 0 0,0 0 0,0 0 0,0 1 0,0-1 0,-1 1 0,1-1 0,0 1 0,0 0 0,0 0 0,0 0 0,0 1 0,0-1 0,-1 1 0,1-1 0,0 1 0,1 0 0,-1 0-1,-2 1 1,2 1-38,-1 0 0,-1-1 0,2 1 0,0 0 0,-2 1 0,2-1 0,0 0-1,1 2 1,-1-2 0,-1 1 0,2 0 0,0 1 0,0-1 0,0 0 0,1 1-1,-2 0 39,1 1 0,0-1 0,1 2 0,0-1-1,0-1 1,0 2 0,0-2 0,1 2-1,0-1 1,0 1 0,1-2-1,0 2 1,0 0 0,0-3-37,-1-2 0,1 0 0,0 0 1,0 0-1,0 0 0,1 1 0,0-1 0,-1-1 0,1 1 0,-1 0 0,1-1 0,-1 1 0,1 0 0,0 0 0,1-1 1,-1 0-1,-1 1 0,1-1 0,0 0 0,1 0 0,0-1 0,1 2 37,4 1-917,0-2 0,1 1 0,0-1 0,0-1 0,6 1 917,14-1-3397</inkml:trace>
   <inkml:trace contextRef="#ctx0" brushRef="#br0" timeOffset="1566.341">791 495 4992,'-8'3'805,"1"2"1,-1-2-1,2 1 0,-1 2 1,1-2-1,-1 1 1,-2 3-806,-11 9 468,-164 122 2487,157-117-2677,1-2-673,13-11-5403,18-10 3132</inkml:trace>
   <inkml:trace contextRef="#ctx0" brushRef="#br0" timeOffset="2375.103">679 711 5632,'-7'4'1444,"0"0"1,1 1 0,-1-1-1,-6 7-1444,-4 5 584,1 1 0,-2 5-584,2-5 56,-17 18-56,32-34-7,-19 18-565,-1-2 0,0 0 1,-16 7 571,70-54 1888,2 6-1230,-7 4 285,1 2 0,2 1 1,19-9-944,-42 22 108,2 0 0,-1 1 0,0 1 0,0-2 0,8 1-108,-14 3 23,-1 0 0,1 0 1,-1 0-1,0 0 1,0 0-1,2 0 0,-2 1 1,0-1-1,0 1 1,0-1-1,1 1 0,0 0 1,-1 1-1,0-1 1,0 0-1,-1 0 1,2 1-1,-1-1 0,0 0 1,-1 1-1,1-1 1,0 2-1,-1-1 0,0 0 1,2 0-24,0 2 29,-1 1-1,0-1 1,1 0 0,0 1 0,-2 0-1,1-1 1,-1 2 0,0-2 0,0 2 0,0-2-1,0 1 1,-1 1 0,0 1-29,0-4 32,0 0-1,0-1 1,-1 0 0,1 0 0,-1 0 0,1 1-1,-1-1 1,0 0 0,0 0 0,0 0 0,0 0-1,0 0 1,-2 0 0,2 0 0,0-1 0,-1 1-1,1 0 1,-1-1 0,0 0 0,1 2 0,-2-2-1,1 0 1,0 0 0,0 0 0,0 0 0,0 0-1,-1-1 1,1 1 0,0-1 0,-2 1-32,-2 0 87,1 0 1,-2-1-1,2 2 0,-1-2 1,0 0-1,0-2 0,0 2 1,0-1-1,-4-1-87,6 1-38,0 0-1,1 0 1,-1 0-1,1-1 1,-1 1-1,1-2 1,0 1-1,0 1 1,-1-1-1,1-1 1,1 1-1,-1-1 1,0 0-1,0 1 1,1-1-1,0 0 39,2 1-267,-1 1 0,1 1 0,0-1 0,-1 0 0,1 0 0,0 0 0,0 0 0,0 0 0,-1 0 0,1 0 0,0 0 0,0 0 0,1-1 0,-1 1 0,0 0 0,0 0 0,0 0 0,1 0 0,-1 0 0,0 0 0,1 0 0,-1 1 0,1-1-1,-1 0 1,1 0 0,0-1 0,-1 2 0,1-1 267,8-12-3978</inkml:trace>
   <inkml:trace contextRef="#ctx0" brushRef="#br0" timeOffset="4132.745">1068 1039 4992,'-1'4'7363,"-5"17"-5846,-15 46-258,12-44-502,2-1 0,-3 17-757,10-37 49,0-2 1,0 1-1,-1 0 0,1-1 1,0 1-1,0 0 0,0 0 1,0-1-1,0 1 0,0 0 1,1-1-1,-1 1 0,0 0 1,0-1-1,0 1 0,1 0 1,-1-1-1,0 2 0,1-1-49,-1-1 35,0 0 1,1 1-1,-1-1 0,1 0 0,-1 0 0,0 1 0,1-1 0,-1 0 0,1 0 0,-1 0 0,2 0 0,-2 0 0,1 1 0,-1-1 1,1 0-1,-1 0 0,0 0 0,1 0 0,-1 0 0,1-1 0,0 1-35,3-1 130,2 0 0,-1-2 0,-1 1 1,2 0-1,1-1-130,5-3-155,15-4 170,2 1 0,0 0-1,0 3 1,4 0-15,-32 5 3,-1 1 0,1 0 0,-1 0 1,1 0-1,0 0 0,-1 0 0,1 0 0,0 0 0,-1 0 0,1 0 0,0 0 0,-1 0 0,1 0 1,0 0-1,-1 1 0,2-1 0,-2 0 0,1 0 0,0 1 0,-1-1 0,1 0 0,-1 2-3,1-2 4,-1 1 0,0-1 0,0 1 0,0-1 0,0 1-1,0-1 1,0 1 0,0-1 0,0 1 0,0-1 0,0 1 0,0-1-1,0 1 1,0-1 0,-1 0 0,1 1 0,0-1 0,0 1-1,0-1 1,-1 1 0,1-1 0,0 0 0,-1 1-4,-4 6 27,1-2 0,-1 2-1,-6 4-26,5-6-34,-2 4 39,0 1 1,0 0 0,-5 10-6,11-18-1,1 0 1,-1 1 0,1 0-1,0 0 1,0-1 0,0 1-1,0 1 1,0-1 0,1-1-1,-2 1 1,2 0 0,0 1-1,0-1 1,0-1-1,0 1 1,0 1 0,0-1-1,2 1 1,-1-3 19,-1 0 0,1 0 0,0-1-1,-1 2 1,1-1 0,0 0-1,0-1 1,0 1 0,-1 0 0,1-1-1,0 1 1,0-1 0,0 1-1,1-1 1,-1 1 0,0-1 0,0 0-1,0 0 1,0 1 0,0-1-1,1 0 1,-1 0 0,0 0 0,0 0-19,34-2 441,-31 2-393,18-2 82,-1-1-1,-1-2 1,0 1 0,0-3-1,4 0-129,-13 3-3144,-1-2 0,1 1 0,6-6 3144,-13 9-3690</inkml:trace>
@@ -2115,7 +2115,7 @@
     </inkml:brush>
   </inkml:definitions>
   <inkml:trace contextRef="#ctx0" brushRef="#br0">7 1 6400,'0'0'142,"-1"0"0,1 0 0,-1 1 0,1-1 0,0 0-1,-1 1 1,1-1 0,0 0 0,-1 1 0,1-1 0,0 0 0,-1 1 0,1-1 0,0 0 0,0 1 0,-1-1 0,1 1 0,0-1 0,0 1 0,0-1 0,0 0 0,0 1-1,0-1 1,0 1 0,0-1 0,0 1 0,0-1 0,0 1 0,0 0-142,0 16 806,2-7-674,-1-1 0,2 0 0,0 1 0,0-1 0,0 0 0,4 5-132,4 7 71,1-1 0,3 4-71,60 79 165,-4-6-69,22 29 31,23 17-127,-67-85 12,791 922 649,-114-241 448,-344-385 1128,14-16 1,66 19-2238,-65-74 740,10-26-88,-25-48 62,-91-51-180,-82-49-17,220 79-517,-376-165-440,12 9 440,8 8-4296,-52-28 990</inkml:trace>
-  <inkml:trace contextRef="#ctx0" brushRef="#br0" timeOffset="1236.093">5320 4789 6016,'-4'-1'921,"-4"-1"5341,8 3-6193,0-1 1,0 0-1,0 0 0,0 0 0,0 0 0,0 0 0,-1 0 0,1 0 1,0 0-1,0 0 0,0 0 0,0 0 0,0 0 0,0 0 0,0 1 1,0-1-1,0 0 0,-1 0 0,1 0 0,0 0 0,0 0 0,0 0 1,0 0-1,0 1 0,0-1 0,0 0 0,0 0 0,0 0 0,0 0 1,0 0-1,0 0 0,0 1 0,0-1 0,0 0 0,0 0 1,0 0-1,0 0 0,0 0 0,0 0 0,0 1 0,1-1 0,-1 0 1,0 0-1,0 0 0,0 0 0,0 0 0,0 0 0,0 0 0,0 0 1,0 0-1,0 1 0,0-1 0,1 0 0,-1 0 0,0 0 0,0 0-69,1 1 98,-1 0-1,1-1 1,0 1-1,0 0 0,0 0 1,0-1-1,0 1 0,0-1 1,0 1-1,0-1 0,1 1 1,-1-1-1,0 1 0,0-1 1,1 0-98,21 4 842,-15-3-515,32 4 292,-1-2 0,7-1-619,-13-1 58,110-1 1643,-143 0-1694,0 0 0,1 0 0,-1 0 0,0 0 0,0 0 0,1 0 0,-1 0 0,0 0 0,0 0 0,1 0 0,-1 0 0,0 0 0,0 0 0,1-1 0,-1 1 0,0 0 1,0 0-1,1 0 0,-1 0 0,0 0 0,0-1 0,0 1 0,1 0 0,-1 0 0,0 0 0,0-1 0,0 1 0,0 0 0,0 0 0,1-1 0,-1 1 0,0 0-7,-2-11 391,-9-8 145,-22-20-460,-21-33-76,28 35 55,-3 1 1,-11-10-56,-14-7 667,14 14-4070,37 34 352,-1-2-2239</inkml:trace>
+  <inkml:trace contextRef="#ctx0" brushRef="#br0" timeOffset="1236.092">5320 4789 6016,'-4'-1'921,"-4"-1"5341,8 3-6193,0-1 1,0 0-1,0 0 0,0 0 0,0 0 0,0 0 0,-1 0 0,1 0 1,0 0-1,0 0 0,0 0 0,0 0 0,0 0 0,0 0 0,0 1 1,0-1-1,0 0 0,-1 0 0,1 0 0,0 0 0,0 0 0,0 0 1,0 0-1,0 1 0,0-1 0,0 0 0,0 0 0,0 0 0,0 0 1,0 0-1,0 0 0,0 1 0,0-1 0,0 0 0,0 0 1,0 0-1,0 0 0,0 0 0,0 0 0,0 1 0,1-1 0,-1 0 1,0 0-1,0 0 0,0 0 0,0 0 0,0 0 0,0 0 0,0 0 1,0 0-1,0 1 0,0-1 0,1 0 0,-1 0 0,0 0 0,0 0-69,1 1 98,-1 0-1,1-1 1,0 1-1,0 0 0,0 0 1,0-1-1,0 1 0,0-1 1,0 1-1,0-1 0,1 1 1,-1-1-1,0 1 0,0-1 1,1 0-98,21 4 842,-15-3-515,32 4 292,-1-2 0,7-1-619,-13-1 58,110-1 1643,-143 0-1694,0 0 0,1 0 0,-1 0 0,0 0 0,0 0 0,1 0 0,-1 0 0,0 0 0,0 0 0,1 0 0,-1 0 0,0 0 0,0 0 0,1-1 0,-1 1 0,0 0 1,0 0-1,1 0 0,-1 0 0,0 0 0,0-1 0,0 1 0,1 0 0,-1 0 0,0 0 0,0-1 0,0 1 0,0 0 0,0 0 0,1-1 0,-1 1 0,0 0-7,-2-11 391,-9-8 145,-22-20-460,-21-33-76,28 35 55,-3 1 1,-11-10-56,-14-7 667,14 14-4070,37 34 352,-1-2-2239</inkml:trace>
 </inkml:ink>
 </file>
 
@@ -2201,7 +2201,7 @@
           <a:p>
             <a:fld id="{526B2B58-DA01-6A46-AEEB-590602B5B3C6}" type="datetimeFigureOut">
               <a:rPr lang="en-US" smtClean="0"/>
-              <a:t>2/15/2019</a:t>
+              <a:t>2/15/19</a:t>
             </a:fld>
             <a:endParaRPr lang="en-US"/>
           </a:p>
@@ -2359,7 +2359,7 @@
           <a:p>
             <a:fld id="{7F8A3D38-493C-6644-B1F2-D82D87C65A6A}" type="slidenum">
               <a:rPr lang="en-US" smtClean="0"/>
-              <a:t>‹Nr.›</a:t>
+              <a:t>‹#›</a:t>
             </a:fld>
             <a:endParaRPr lang="en-US"/>
           </a:p>
@@ -3363,7 +3363,7 @@
           <a:p>
             <a:fld id="{2959E2FC-6FBE-4C91-B920-661B71D50995}" type="datetime1">
               <a:rPr lang="en-US" smtClean="0"/>
-              <a:t>2/15/2019</a:t>
+              <a:t>2/15/19</a:t>
             </a:fld>
             <a:endParaRPr lang="en-US"/>
           </a:p>
@@ -3405,7 +3405,7 @@
           <a:p>
             <a:fld id="{B73DDFA9-9ADF-7F44-A296-C892D5563FA5}" type="slidenum">
               <a:rPr lang="en-US" smtClean="0"/>
-              <a:t>‹Nr.›</a:t>
+              <a:t>‹#›</a:t>
             </a:fld>
             <a:endParaRPr lang="en-US"/>
           </a:p>
@@ -3531,7 +3531,7 @@
           <a:p>
             <a:fld id="{72A174AB-5BCE-44A5-85D9-DD4A7C8EBF21}" type="datetime1">
               <a:rPr lang="en-US" smtClean="0"/>
-              <a:t>2/15/2019</a:t>
+              <a:t>2/15/19</a:t>
             </a:fld>
             <a:endParaRPr lang="en-US"/>
           </a:p>
@@ -3573,7 +3573,7 @@
           <a:p>
             <a:fld id="{B73DDFA9-9ADF-7F44-A296-C892D5563FA5}" type="slidenum">
               <a:rPr lang="en-US" smtClean="0"/>
-              <a:t>‹Nr.›</a:t>
+              <a:t>‹#›</a:t>
             </a:fld>
             <a:endParaRPr lang="en-US"/>
           </a:p>
@@ -3709,7 +3709,7 @@
           <a:p>
             <a:fld id="{0497AB8D-E51D-461E-8C9C-90F6388191C8}" type="datetime1">
               <a:rPr lang="en-US" smtClean="0"/>
-              <a:t>2/15/2019</a:t>
+              <a:t>2/15/19</a:t>
             </a:fld>
             <a:endParaRPr lang="en-US"/>
           </a:p>
@@ -3751,7 +3751,7 @@
           <a:p>
             <a:fld id="{B73DDFA9-9ADF-7F44-A296-C892D5563FA5}" type="slidenum">
               <a:rPr lang="en-US" smtClean="0"/>
-              <a:t>‹Nr.›</a:t>
+              <a:t>‹#›</a:t>
             </a:fld>
             <a:endParaRPr lang="en-US"/>
           </a:p>
@@ -3877,7 +3877,7 @@
           <a:p>
             <a:fld id="{1DCB8CF4-C720-4EFC-9A1C-11B66538AF9B}" type="datetime1">
               <a:rPr lang="en-US" smtClean="0"/>
-              <a:t>2/15/2019</a:t>
+              <a:t>2/15/19</a:t>
             </a:fld>
             <a:endParaRPr lang="en-US"/>
           </a:p>
@@ -3919,7 +3919,7 @@
           <a:p>
             <a:fld id="{B73DDFA9-9ADF-7F44-A296-C892D5563FA5}" type="slidenum">
               <a:rPr lang="en-US" smtClean="0"/>
-              <a:t>‹Nr.›</a:t>
+              <a:t>‹#›</a:t>
             </a:fld>
             <a:endParaRPr lang="en-US"/>
           </a:p>
@@ -4122,7 +4122,7 @@
           <a:p>
             <a:fld id="{0595AE02-A739-4A5B-A7F4-436F10234C2B}" type="datetime1">
               <a:rPr lang="en-US" smtClean="0"/>
-              <a:t>2/15/2019</a:t>
+              <a:t>2/15/19</a:t>
             </a:fld>
             <a:endParaRPr lang="en-US"/>
           </a:p>
@@ -4164,7 +4164,7 @@
           <a:p>
             <a:fld id="{B73DDFA9-9ADF-7F44-A296-C892D5563FA5}" type="slidenum">
               <a:rPr lang="en-US" smtClean="0"/>
-              <a:t>‹Nr.›</a:t>
+              <a:t>‹#›</a:t>
             </a:fld>
             <a:endParaRPr lang="en-US"/>
           </a:p>
@@ -4351,7 +4351,7 @@
           <a:p>
             <a:fld id="{7A2D5194-E621-4915-9B80-064BDB581457}" type="datetime1">
               <a:rPr lang="en-US" smtClean="0"/>
-              <a:t>2/15/2019</a:t>
+              <a:t>2/15/19</a:t>
             </a:fld>
             <a:endParaRPr lang="en-US"/>
           </a:p>
@@ -4393,7 +4393,7 @@
           <a:p>
             <a:fld id="{B73DDFA9-9ADF-7F44-A296-C892D5563FA5}" type="slidenum">
               <a:rPr lang="en-US" smtClean="0"/>
-              <a:t>‹Nr.›</a:t>
+              <a:t>‹#›</a:t>
             </a:fld>
             <a:endParaRPr lang="en-US"/>
           </a:p>
@@ -4715,7 +4715,7 @@
           <a:p>
             <a:fld id="{70428D5B-CBD9-49BA-B828-0B6C07EAAFFE}" type="datetime1">
               <a:rPr lang="en-US" smtClean="0"/>
-              <a:t>2/15/2019</a:t>
+              <a:t>2/15/19</a:t>
             </a:fld>
             <a:endParaRPr lang="en-US"/>
           </a:p>
@@ -4757,7 +4757,7 @@
           <a:p>
             <a:fld id="{B73DDFA9-9ADF-7F44-A296-C892D5563FA5}" type="slidenum">
               <a:rPr lang="en-US" smtClean="0"/>
-              <a:t>‹Nr.›</a:t>
+              <a:t>‹#›</a:t>
             </a:fld>
             <a:endParaRPr lang="en-US"/>
           </a:p>
@@ -4832,7 +4832,7 @@
           <a:p>
             <a:fld id="{46FB9008-E91D-4C1A-AB0C-63077F0D2F78}" type="datetime1">
               <a:rPr lang="en-US" smtClean="0"/>
-              <a:t>2/15/2019</a:t>
+              <a:t>2/15/19</a:t>
             </a:fld>
             <a:endParaRPr lang="en-US"/>
           </a:p>
@@ -4874,7 +4874,7 @@
           <a:p>
             <a:fld id="{B73DDFA9-9ADF-7F44-A296-C892D5563FA5}" type="slidenum">
               <a:rPr lang="en-US" smtClean="0"/>
-              <a:t>‹Nr.›</a:t>
+              <a:t>‹#›</a:t>
             </a:fld>
             <a:endParaRPr lang="en-US"/>
           </a:p>
@@ -4927,7 +4927,7 @@
           <a:p>
             <a:fld id="{4510BF12-0173-419C-A732-2B02BF829145}" type="datetime1">
               <a:rPr lang="en-US" smtClean="0"/>
-              <a:t>2/15/2019</a:t>
+              <a:t>2/15/19</a:t>
             </a:fld>
             <a:endParaRPr lang="en-US"/>
           </a:p>
@@ -4969,7 +4969,7 @@
           <a:p>
             <a:fld id="{B73DDFA9-9ADF-7F44-A296-C892D5563FA5}" type="slidenum">
               <a:rPr lang="en-US" smtClean="0"/>
-              <a:t>‹Nr.›</a:t>
+              <a:t>‹#›</a:t>
             </a:fld>
             <a:endParaRPr lang="en-US"/>
           </a:p>
@@ -5202,7 +5202,7 @@
           <a:p>
             <a:fld id="{4E05552B-A679-4521-918A-FCCC42D239AD}" type="datetime1">
               <a:rPr lang="en-US" smtClean="0"/>
-              <a:t>2/15/2019</a:t>
+              <a:t>2/15/19</a:t>
             </a:fld>
             <a:endParaRPr lang="en-US"/>
           </a:p>
@@ -5244,7 +5244,7 @@
           <a:p>
             <a:fld id="{B73DDFA9-9ADF-7F44-A296-C892D5563FA5}" type="slidenum">
               <a:rPr lang="en-US" smtClean="0"/>
-              <a:t>‹Nr.›</a:t>
+              <a:t>‹#›</a:t>
             </a:fld>
             <a:endParaRPr lang="en-US"/>
           </a:p>
@@ -5454,7 +5454,7 @@
           <a:p>
             <a:fld id="{F2C0371D-626C-411A-82AC-84C443BB57CD}" type="datetime1">
               <a:rPr lang="en-US" smtClean="0"/>
-              <a:t>2/15/2019</a:t>
+              <a:t>2/15/19</a:t>
             </a:fld>
             <a:endParaRPr lang="en-US"/>
           </a:p>
@@ -5496,7 +5496,7 @@
           <a:p>
             <a:fld id="{B73DDFA9-9ADF-7F44-A296-C892D5563FA5}" type="slidenum">
               <a:rPr lang="en-US" smtClean="0"/>
-              <a:t>‹Nr.›</a:t>
+              <a:t>‹#›</a:t>
             </a:fld>
             <a:endParaRPr lang="en-US"/>
           </a:p>
@@ -5665,7 +5665,7 @@
           <a:p>
             <a:fld id="{9BC470AD-9512-4647-B6D8-5338BCA5BB5D}" type="datetime1">
               <a:rPr lang="en-US" smtClean="0"/>
-              <a:t>2/15/2019</a:t>
+              <a:t>2/15/19</a:t>
             </a:fld>
             <a:endParaRPr lang="en-US"/>
           </a:p>
@@ -5743,7 +5743,7 @@
           <a:p>
             <a:fld id="{B73DDFA9-9ADF-7F44-A296-C892D5563FA5}" type="slidenum">
               <a:rPr lang="en-US" smtClean="0"/>
-              <a:t>‹Nr.›</a:t>
+              <a:t>‹#›</a:t>
             </a:fld>
             <a:endParaRPr lang="en-US"/>
           </a:p>
@@ -6532,28 +6532,72 @@
               <a:buChar char="•"/>
             </a:pPr>
             <a:r>
-              <a:rPr lang="de-CH" b="1" dirty="0"/>
-              <a:t>Flexible</a:t>
-            </a:r>
-            <a:r>
-              <a:rPr lang="de-CH" dirty="0"/>
+              <a:rPr lang="de-CH" altLang="zh-CN" dirty="0" err="1"/>
+              <a:t>Use</a:t>
+            </a:r>
+            <a:r>
+              <a:rPr lang="de-CH" altLang="zh-CN" dirty="0"/>
               <a:t> </a:t>
             </a:r>
             <a:r>
-              <a:rPr lang="de-CH" dirty="0" err="1"/>
-              <a:t>blockchain</a:t>
-            </a:r>
-            <a:r>
-              <a:rPr lang="de-CH" dirty="0"/>
+              <a:rPr lang="de-CH" altLang="zh-CN" b="1" dirty="0"/>
+              <a:t>time </a:t>
+            </a:r>
+            <a:r>
+              <a:rPr lang="de-CH" altLang="zh-CN" b="1" dirty="0" err="1"/>
+              <a:t>token</a:t>
+            </a:r>
+            <a:r>
+              <a:rPr lang="de-CH" altLang="zh-CN" dirty="0"/>
               <a:t> </a:t>
             </a:r>
             <a:r>
-              <a:rPr lang="de-CH" dirty="0" err="1"/>
-              <a:t>platform</a:t>
-            </a:r>
-            <a:r>
-              <a:rPr lang="de-CH" dirty="0"/>
+              <a:rPr lang="de-CH" altLang="zh-CN" dirty="0" err="1"/>
+              <a:t>instead</a:t>
+            </a:r>
+            <a:r>
+              <a:rPr lang="de-CH" altLang="zh-CN" dirty="0"/>
               <a:t> </a:t>
+            </a:r>
+            <a:r>
+              <a:rPr lang="de-CH" altLang="zh-CN" dirty="0" err="1"/>
+              <a:t>of</a:t>
+            </a:r>
+            <a:r>
+              <a:rPr lang="de-CH" altLang="zh-CN" dirty="0"/>
+              <a:t> </a:t>
+            </a:r>
+            <a:r>
+              <a:rPr lang="de-CH" altLang="zh-CN" dirty="0" err="1"/>
+              <a:t>money</a:t>
+            </a:r>
+            <a:r>
+              <a:rPr lang="de-CH" altLang="zh-CN" dirty="0"/>
+              <a:t> </a:t>
+            </a:r>
+            <a:r>
+              <a:rPr lang="de-CH" altLang="zh-CN" dirty="0" err="1"/>
+              <a:t>to</a:t>
+            </a:r>
+            <a:r>
+              <a:rPr lang="de-CH" altLang="zh-CN" dirty="0"/>
+              <a:t> «</a:t>
+            </a:r>
+            <a:r>
+              <a:rPr lang="de-CH" altLang="zh-CN" dirty="0" err="1"/>
+              <a:t>exchange</a:t>
+            </a:r>
+            <a:r>
+              <a:rPr lang="de-CH" altLang="zh-CN" dirty="0"/>
+              <a:t> </a:t>
+            </a:r>
+            <a:r>
+              <a:rPr lang="de-CH" altLang="zh-CN" dirty="0" err="1"/>
+              <a:t>work</a:t>
+            </a:r>
+            <a:r>
+              <a:rPr lang="de-CH" altLang="zh-CN" dirty="0"/>
+              <a:t>»</a:t>
             </a:r>
           </a:p>
           <a:p>
@@ -6565,69 +6609,34 @@
               <a:buChar char="•"/>
             </a:pPr>
             <a:r>
-              <a:rPr lang="de-CH" dirty="0"/>
-              <a:t>Use </a:t>
-            </a:r>
-            <a:r>
-              <a:rPr lang="de-CH" b="1" dirty="0"/>
-              <a:t>time </a:t>
-            </a:r>
-            <a:r>
-              <a:rPr lang="de-CH" b="1" dirty="0" err="1"/>
-              <a:t>token</a:t>
-            </a:r>
-            <a:r>
-              <a:rPr lang="de-CH" dirty="0"/>
+              <a:rPr lang="de-CH" altLang="zh-CN" dirty="0"/>
+              <a:t>Smart </a:t>
+            </a:r>
+            <a:r>
+              <a:rPr lang="de-CH" altLang="zh-CN" dirty="0" err="1"/>
+              <a:t>contract</a:t>
+            </a:r>
+            <a:r>
+              <a:rPr lang="de-CH" altLang="zh-CN" dirty="0"/>
               <a:t> </a:t>
             </a:r>
             <a:r>
-              <a:rPr lang="de-CH" dirty="0" err="1"/>
-              <a:t>instead</a:t>
-            </a:r>
-            <a:r>
-              <a:rPr lang="de-CH" dirty="0"/>
+              <a:rPr lang="de-CH" altLang="zh-CN" dirty="0" err="1"/>
+              <a:t>based</a:t>
+            </a:r>
+            <a:r>
+              <a:rPr lang="de-CH" altLang="zh-CN" dirty="0"/>
               <a:t> </a:t>
             </a:r>
             <a:r>
-              <a:rPr lang="de-CH" dirty="0" err="1"/>
-              <a:t>of</a:t>
-            </a:r>
-            <a:r>
-              <a:rPr lang="de-CH" dirty="0"/>
+              <a:rPr lang="de-CH" altLang="zh-CN" dirty="0" err="1"/>
+              <a:t>system</a:t>
+            </a:r>
+            <a:r>
+              <a:rPr lang="de-CH" altLang="zh-CN" dirty="0"/>
               <a:t> </a:t>
             </a:r>
-            <a:r>
-              <a:rPr lang="de-CH" dirty="0" err="1"/>
-              <a:t>money</a:t>
-            </a:r>
-            <a:r>
-              <a:rPr lang="de-CH" dirty="0"/>
-              <a:t> </a:t>
-            </a:r>
-            <a:r>
-              <a:rPr lang="de-CH" dirty="0" err="1"/>
-              <a:t>to</a:t>
-            </a:r>
-            <a:r>
-              <a:rPr lang="de-CH" dirty="0"/>
-              <a:t> «</a:t>
-            </a:r>
-            <a:r>
-              <a:rPr lang="de-CH" dirty="0" err="1"/>
-              <a:t>exchange</a:t>
-            </a:r>
-            <a:r>
-              <a:rPr lang="de-CH" dirty="0"/>
-              <a:t> </a:t>
-            </a:r>
-            <a:r>
-              <a:rPr lang="de-CH" dirty="0" err="1"/>
-              <a:t>work</a:t>
-            </a:r>
-            <a:r>
-              <a:rPr lang="de-CH" dirty="0"/>
-              <a:t>»</a:t>
-            </a:r>
+            <a:endParaRPr lang="de-CH" b="1" dirty="0"/>
           </a:p>
           <a:p>
             <a:pPr marL="285750" indent="-285750">
@@ -6638,12 +6647,8 @@
               <a:buChar char="•"/>
             </a:pPr>
             <a:r>
-              <a:rPr lang="de-CH" dirty="0"/>
-              <a:t>Smart </a:t>
-            </a:r>
-            <a:r>
-              <a:rPr lang="de-CH" dirty="0" err="1"/>
-              <a:t>contract</a:t>
+              <a:rPr lang="de-CH" b="1" dirty="0"/>
+              <a:t>Flexible</a:t>
             </a:r>
             <a:r>
               <a:rPr lang="de-CH" dirty="0"/>
@@ -6651,7 +6656,7 @@
             </a:r>
             <a:r>
               <a:rPr lang="de-CH" dirty="0" err="1"/>
-              <a:t>based</a:t>
+              <a:t>blockchain</a:t>
             </a:r>
             <a:r>
               <a:rPr lang="de-CH" dirty="0"/>
@@ -6659,7 +6664,7 @@
             </a:r>
             <a:r>
               <a:rPr lang="de-CH" dirty="0" err="1"/>
-              <a:t>system</a:t>
+              <a:t>platform</a:t>
             </a:r>
             <a:r>
               <a:rPr lang="de-CH" dirty="0"/>
@@ -11303,8 +11308,8 @@
           </a:ln>
         </p:spPr>
       </p:pic>
-      <mc:AlternateContent xmlns:mc="http://schemas.openxmlformats.org/markup-compatibility/2006">
-        <mc:Choice xmlns:p14="http://schemas.microsoft.com/office/powerpoint/2010/main" Requires="p14">
+      <mc:AlternateContent xmlns:mc="http://schemas.openxmlformats.org/markup-compatibility/2006" xmlns:p14="http://schemas.microsoft.com/office/powerpoint/2010/main">
+        <mc:Choice Requires="p14">
           <p:contentPart p14:bwMode="auto" r:id="rId5">
             <p14:nvContentPartPr>
               <p14:cNvPr id="19" name="Freihand 18">
@@ -11323,7 +11328,7 @@
             </p14:xfrm>
           </p:contentPart>
         </mc:Choice>
-        <mc:Fallback>
+        <mc:Fallback xmlns="">
           <p:pic>
             <p:nvPicPr>
               <p:cNvPr id="19" name="Freihand 18">
@@ -11354,8 +11359,8 @@
           </p:pic>
         </mc:Fallback>
       </mc:AlternateContent>
-      <mc:AlternateContent xmlns:mc="http://schemas.openxmlformats.org/markup-compatibility/2006">
-        <mc:Choice xmlns:p14="http://schemas.microsoft.com/office/powerpoint/2010/main" Requires="p14">
+      <mc:AlternateContent xmlns:mc="http://schemas.openxmlformats.org/markup-compatibility/2006" xmlns:p14="http://schemas.microsoft.com/office/powerpoint/2010/main">
+        <mc:Choice Requires="p14">
           <p:contentPart p14:bwMode="auto" r:id="rId7">
             <p14:nvContentPartPr>
               <p14:cNvPr id="23" name="Freihand 22">
@@ -11374,7 +11379,7 @@
             </p14:xfrm>
           </p:contentPart>
         </mc:Choice>
-        <mc:Fallback>
+        <mc:Fallback xmlns="">
           <p:pic>
             <p:nvPicPr>
               <p:cNvPr id="23" name="Freihand 22">

--- a/KISS Challenge Presentation.pptx
+++ b/KISS Challenge Presentation.pptx
@@ -2619,65 +2619,10 @@
             <a:endParaRPr lang="de-CH" dirty="0"/>
           </a:p>
           <a:p>
-            <a:pPr marL="0" indent="0">
-              <a:buFont typeface="Arial" panose="020B0604020202020204" pitchFamily="34" charset="0"/>
-              <a:buNone/>
-            </a:pPr>
-            <a:endParaRPr lang="de-CH" dirty="0"/>
-          </a:p>
-          <a:p>
             <a:pPr marL="285750" indent="-285750">
               <a:buFont typeface="Arial" panose="020B0604020202020204" pitchFamily="34" charset="0"/>
               <a:buChar char="•"/>
             </a:pPr>
-            <a:r>
-              <a:rPr lang="de-CH" dirty="0"/>
-              <a:t>Funding </a:t>
-            </a:r>
-            <a:r>
-              <a:rPr lang="de-CH" dirty="0" err="1"/>
-              <a:t>problem</a:t>
-            </a:r>
-            <a:r>
-              <a:rPr lang="de-CH" dirty="0"/>
-              <a:t> </a:t>
-            </a:r>
-            <a:r>
-              <a:rPr lang="de-CH" dirty="0" err="1"/>
-              <a:t>for</a:t>
-            </a:r>
-            <a:r>
-              <a:rPr lang="de-CH" dirty="0"/>
-              <a:t> </a:t>
-            </a:r>
-            <a:r>
-              <a:rPr lang="de-CH" dirty="0" err="1"/>
-              <a:t>old</a:t>
-            </a:r>
-            <a:r>
-              <a:rPr lang="de-CH" dirty="0"/>
-              <a:t> </a:t>
-            </a:r>
-            <a:r>
-              <a:rPr lang="de-CH" dirty="0" err="1"/>
-              <a:t>age</a:t>
-            </a:r>
-            <a:r>
-              <a:rPr lang="de-CH" dirty="0"/>
-              <a:t> </a:t>
-            </a:r>
-            <a:r>
-              <a:rPr lang="de-CH" dirty="0" err="1"/>
-              <a:t>provision</a:t>
-            </a:r>
-            <a:r>
-              <a:rPr lang="de-CH" dirty="0"/>
-              <a:t> </a:t>
-            </a:r>
-            <a:r>
-              <a:rPr lang="de-CH" dirty="0" err="1"/>
-              <a:t>system</a:t>
-            </a:r>
             <a:endParaRPr lang="de-CH" dirty="0"/>
           </a:p>
           <a:p>
@@ -2686,41 +2631,36 @@
               <a:buChar char="•"/>
             </a:pPr>
             <a:r>
+              <a:rPr lang="de-CH" dirty="0"/>
+              <a:t>In </a:t>
+            </a:r>
+            <a:r>
               <a:rPr lang="de-CH" dirty="0" err="1"/>
-              <a:t>Loneliness</a:t>
+              <a:t>our</a:t>
             </a:r>
             <a:r>
               <a:rPr lang="de-CH" dirty="0"/>
               <a:t> </a:t>
             </a:r>
-          </a:p>
-          <a:p>
-            <a:pPr marL="285750" indent="-285750">
-              <a:buFont typeface="Arial" panose="020B0604020202020204" pitchFamily="34" charset="0"/>
-              <a:buChar char="•"/>
-            </a:pPr>
+            <a:r>
+              <a:rPr lang="de-CH" dirty="0" err="1"/>
+              <a:t>solution</a:t>
+            </a:r>
             <a:r>
               <a:rPr lang="de-CH" dirty="0"/>
-              <a:t>Privacy </a:t>
+              <a:t>, </a:t>
             </a:r>
             <a:r>
               <a:rPr lang="de-CH" dirty="0" err="1"/>
-              <a:t>issues</a:t>
-            </a:r>
-            <a:endParaRPr lang="de-CH" dirty="0"/>
-          </a:p>
-          <a:p>
-            <a:pPr marL="285750" indent="-285750">
-              <a:buFont typeface="Arial" panose="020B0604020202020204" pitchFamily="34" charset="0"/>
-              <a:buChar char="•"/>
-            </a:pPr>
+              <a:t>we</a:t>
+            </a:r>
             <a:r>
               <a:rPr lang="de-CH" dirty="0"/>
-              <a:t>Slow </a:t>
+              <a:t> will </a:t>
             </a:r>
             <a:r>
               <a:rPr lang="de-CH" dirty="0" err="1"/>
-              <a:t>digitalization</a:t>
+              <a:t>gurantee</a:t>
             </a:r>
             <a:r>
               <a:rPr lang="de-CH" dirty="0"/>
@@ -2728,7 +2668,15 @@
             </a:r>
             <a:r>
               <a:rPr lang="de-CH" dirty="0" err="1"/>
-              <a:t>of</a:t>
+              <a:t>local</a:t>
+            </a:r>
+            <a:r>
+              <a:rPr lang="de-CH" dirty="0"/>
+              <a:t> KISS </a:t>
+            </a:r>
+            <a:r>
+              <a:rPr lang="de-CH" dirty="0" err="1"/>
+              <a:t>to</a:t>
             </a:r>
             <a:r>
               <a:rPr lang="de-CH" dirty="0"/>
@@ -2736,7 +2684,7 @@
             </a:r>
             <a:r>
               <a:rPr lang="de-CH" dirty="0" err="1"/>
-              <a:t>elderly</a:t>
+              <a:t>ensure</a:t>
             </a:r>
             <a:r>
               <a:rPr lang="de-CH" dirty="0"/>
@@ -2744,15 +2692,96 @@
             </a:r>
             <a:r>
               <a:rPr lang="de-CH" dirty="0" err="1"/>
-              <a:t>people</a:t>
-            </a:r>
-            <a:endParaRPr lang="de-CH" dirty="0"/>
-          </a:p>
-          <a:p>
-            <a:pPr marL="285750" indent="-285750">
-              <a:buFont typeface="Arial" panose="020B0604020202020204" pitchFamily="34" charset="0"/>
-              <a:buChar char="•"/>
-            </a:pPr>
+              <a:t>local</a:t>
+            </a:r>
+            <a:r>
+              <a:rPr lang="de-CH" dirty="0"/>
+              <a:t> </a:t>
+            </a:r>
+            <a:r>
+              <a:rPr lang="de-CH" dirty="0" err="1"/>
+              <a:t>needs</a:t>
+            </a:r>
+            <a:r>
+              <a:rPr lang="de-CH" dirty="0"/>
+              <a:t>. A </a:t>
+            </a:r>
+            <a:r>
+              <a:rPr lang="de-CH" dirty="0" err="1"/>
+              <a:t>person</a:t>
+            </a:r>
+            <a:r>
+              <a:rPr lang="de-CH" dirty="0"/>
+              <a:t> </a:t>
+            </a:r>
+            <a:r>
+              <a:rPr lang="de-CH" dirty="0" err="1"/>
+              <a:t>who</a:t>
+            </a:r>
+            <a:r>
+              <a:rPr lang="de-CH" dirty="0"/>
+              <a:t> </a:t>
+            </a:r>
+            <a:r>
+              <a:rPr lang="de-CH" dirty="0" err="1"/>
+              <a:t>needs</a:t>
+            </a:r>
+            <a:r>
+              <a:rPr lang="de-CH" dirty="0"/>
+              <a:t> </a:t>
+            </a:r>
+            <a:r>
+              <a:rPr lang="de-CH" dirty="0" err="1"/>
+              <a:t>help</a:t>
+            </a:r>
+            <a:r>
+              <a:rPr lang="de-CH" dirty="0"/>
+              <a:t> in </a:t>
+            </a:r>
+            <a:r>
+              <a:rPr lang="de-CH" dirty="0" err="1"/>
+              <a:t>Zurich</a:t>
+            </a:r>
+            <a:r>
+              <a:rPr lang="de-CH" dirty="0"/>
+              <a:t> will find a </a:t>
+            </a:r>
+            <a:r>
+              <a:rPr lang="de-CH" dirty="0" err="1"/>
+              <a:t>helper</a:t>
+            </a:r>
+            <a:r>
+              <a:rPr lang="de-CH" dirty="0"/>
+              <a:t> </a:t>
+            </a:r>
+            <a:r>
+              <a:rPr lang="de-CH" dirty="0" err="1"/>
+              <a:t>from</a:t>
+            </a:r>
+            <a:r>
+              <a:rPr lang="de-CH" dirty="0"/>
+              <a:t> </a:t>
+            </a:r>
+            <a:r>
+              <a:rPr lang="de-CH" dirty="0" err="1"/>
+              <a:t>Zurich</a:t>
+            </a:r>
+            <a:r>
+              <a:rPr lang="de-CH" dirty="0"/>
+              <a:t>, not </a:t>
+            </a:r>
+            <a:r>
+              <a:rPr lang="de-CH" dirty="0" err="1"/>
+              <a:t>from</a:t>
+            </a:r>
+            <a:r>
+              <a:rPr lang="de-CH" dirty="0"/>
+              <a:t> </a:t>
+            </a:r>
+            <a:r>
+              <a:rPr lang="de-CH" dirty="0" err="1"/>
+              <a:t>Geneve</a:t>
+            </a:r>
             <a:endParaRPr lang="de-CH" dirty="0"/>
           </a:p>
           <a:p>
@@ -6967,8 +6996,8 @@
         </p:nvSpPr>
         <p:spPr>
           <a:xfrm>
-            <a:off x="8762505" y="2142123"/>
-            <a:ext cx="752220" cy="338554"/>
+            <a:off x="8629058" y="2127028"/>
+            <a:ext cx="1029945" cy="338554"/>
           </a:xfrm>
           <a:prstGeom prst="rect">
             <a:avLst/>
@@ -6985,8 +7014,17 @@
               <a:rPr lang="de-CH" sz="1600" dirty="0">
                 <a:latin typeface="Agency FB" panose="020B0503020202020204" pitchFamily="34" charset="0"/>
               </a:rPr>
-              <a:t>KISS Zug</a:t>
-            </a:r>
+              <a:t>KISS </a:t>
+            </a:r>
+            <a:r>
+              <a:rPr lang="de-CH" sz="1600" dirty="0" err="1">
+                <a:latin typeface="Agency FB" panose="020B0503020202020204" pitchFamily="34" charset="0"/>
+              </a:rPr>
+              <a:t>Geneve</a:t>
+            </a:r>
+            <a:endParaRPr lang="de-CH" sz="1600" dirty="0">
+              <a:latin typeface="Agency FB" panose="020B0503020202020204" pitchFamily="34" charset="0"/>
+            </a:endParaRPr>
           </a:p>
         </p:txBody>
       </p:sp>
@@ -8662,10 +8700,6 @@
               <a:buChar char="•"/>
             </a:pPr>
             <a:r>
-              <a:rPr lang="de-CH" dirty="0"/>
-              <a:t> </a:t>
-            </a:r>
-            <a:r>
               <a:rPr lang="de-CH" b="1" dirty="0"/>
               <a:t>Automation</a:t>
             </a:r>

--- a/KISS Challenge Presentation.pptx
+++ b/KISS Challenge Presentation.pptx
@@ -2115,7 +2115,7 @@
     </inkml:brush>
   </inkml:definitions>
   <inkml:trace contextRef="#ctx0" brushRef="#br0">7 1 6400,'0'0'142,"-1"0"0,1 0 0,-1 1 0,1-1 0,0 0-1,-1 1 1,1-1 0,0 0 0,-1 1 0,1-1 0,0 0 0,-1 1 0,1-1 0,0 0 0,0 1 0,-1-1 0,1 1 0,0-1 0,0 1 0,0-1 0,0 0 0,0 1-1,0-1 1,0 1 0,0-1 0,0 1 0,0-1 0,0 1 0,0 0-142,0 16 806,2-7-674,-1-1 0,2 0 0,0 1 0,0-1 0,0 0 0,4 5-132,4 7 71,1-1 0,3 4-71,60 79 165,-4-6-69,22 29 31,23 17-127,-67-85 12,791 922 649,-114-241 448,-344-385 1128,14-16 1,66 19-2238,-65-74 740,10-26-88,-25-48 62,-91-51-180,-82-49-17,220 79-517,-376-165-440,12 9 440,8 8-4296,-52-28 990</inkml:trace>
-  <inkml:trace contextRef="#ctx0" brushRef="#br0" timeOffset="1236.092">5320 4789 6016,'-4'-1'921,"-4"-1"5341,8 3-6193,0-1 1,0 0-1,0 0 0,0 0 0,0 0 0,0 0 0,-1 0 0,1 0 1,0 0-1,0 0 0,0 0 0,0 0 0,0 0 0,0 0 0,0 1 1,0-1-1,0 0 0,-1 0 0,1 0 0,0 0 0,0 0 0,0 0 1,0 0-1,0 1 0,0-1 0,0 0 0,0 0 0,0 0 0,0 0 1,0 0-1,0 0 0,0 1 0,0-1 0,0 0 0,0 0 1,0 0-1,0 0 0,0 0 0,0 0 0,0 1 0,1-1 0,-1 0 1,0 0-1,0 0 0,0 0 0,0 0 0,0 0 0,0 0 0,0 0 1,0 0-1,0 1 0,0-1 0,1 0 0,-1 0 0,0 0 0,0 0-69,1 1 98,-1 0-1,1-1 1,0 1-1,0 0 0,0 0 1,0-1-1,0 1 0,0-1 1,0 1-1,0-1 0,1 1 1,-1-1-1,0 1 0,0-1 1,1 0-98,21 4 842,-15-3-515,32 4 292,-1-2 0,7-1-619,-13-1 58,110-1 1643,-143 0-1694,0 0 0,1 0 0,-1 0 0,0 0 0,0 0 0,1 0 0,-1 0 0,0 0 0,0 0 0,1 0 0,-1 0 0,0 0 0,0 0 0,1-1 0,-1 1 0,0 0 1,0 0-1,1 0 0,-1 0 0,0 0 0,0-1 0,0 1 0,1 0 0,-1 0 0,0 0 0,0-1 0,0 1 0,0 0 0,0 0 0,1-1 0,-1 1 0,0 0-7,-2-11 391,-9-8 145,-22-20-460,-21-33-76,28 35 55,-3 1 1,-11-10-56,-14-7 667,14 14-4070,37 34 352,-1-2-2239</inkml:trace>
+  <inkml:trace contextRef="#ctx0" brushRef="#br0" timeOffset="1236.091">5320 4789 6016,'-4'-1'921,"-4"-1"5341,8 3-6193,0-1 1,0 0-1,0 0 0,0 0 0,0 0 0,0 0 0,-1 0 0,1 0 1,0 0-1,0 0 0,0 0 0,0 0 0,0 0 0,0 0 0,0 1 1,0-1-1,0 0 0,-1 0 0,1 0 0,0 0 0,0 0 0,0 0 1,0 0-1,0 1 0,0-1 0,0 0 0,0 0 0,0 0 0,0 0 1,0 0-1,0 0 0,0 1 0,0-1 0,0 0 0,0 0 1,0 0-1,0 0 0,0 0 0,0 0 0,0 1 0,1-1 0,-1 0 1,0 0-1,0 0 0,0 0 0,0 0 0,0 0 0,0 0 0,0 0 1,0 0-1,0 1 0,0-1 0,1 0 0,-1 0 0,0 0 0,0 0-69,1 1 98,-1 0-1,1-1 1,0 1-1,0 0 0,0 0 1,0-1-1,0 1 0,0-1 1,0 1-1,0-1 0,1 1 1,-1-1-1,0 1 0,0-1 1,1 0-98,21 4 842,-15-3-515,32 4 292,-1-2 0,7-1-619,-13-1 58,110-1 1643,-143 0-1694,0 0 0,1 0 0,-1 0 0,0 0 0,0 0 0,1 0 0,-1 0 0,0 0 0,0 0 0,1 0 0,-1 0 0,0 0 0,0 0 0,1-1 0,-1 1 0,0 0 1,0 0-1,1 0 0,-1 0 0,0 0 0,0-1 0,0 1 0,1 0 0,-1 0 0,0 0 0,0-1 0,0 1 0,0 0 0,0 0 0,1-1 0,-1 1 0,0 0-7,-2-11 391,-9-8 145,-22-20-460,-21-33-76,28 35 55,-3 1 1,-11-10-56,-14-7 667,14 14-4070,37 34 352,-1-2-2239</inkml:trace>
 </inkml:ink>
 </file>
 
@@ -2517,6 +2517,23 @@
               <a:t>Cedric</a:t>
             </a:r>
           </a:p>
+          <a:p>
+            <a:r>
+              <a:rPr lang="en-US" dirty="0"/>
+              <a:t>Why </a:t>
+            </a:r>
+            <a:r>
+              <a:rPr lang="en-US" dirty="0" err="1"/>
+              <a:t>INplusOne</a:t>
+            </a:r>
+            <a:r>
+              <a:rPr lang="en-US" dirty="0"/>
+              <a:t>?</a:t>
+            </a:r>
+          </a:p>
+          <a:p>
+            <a:endParaRPr lang="en-US" dirty="0"/>
+          </a:p>
         </p:txBody>
       </p:sp>
       <p:sp>
@@ -2744,7 +2761,15 @@
             </a:r>
             <a:r>
               <a:rPr lang="de-CH" dirty="0"/>
-              <a:t> will find a </a:t>
+              <a:t> will </a:t>
+            </a:r>
+            <a:r>
+              <a:rPr lang="de-CH" dirty="0" err="1"/>
+              <a:t>only</a:t>
+            </a:r>
+            <a:r>
+              <a:rPr lang="de-CH" dirty="0"/>
+              <a:t> find a </a:t>
             </a:r>
             <a:r>
               <a:rPr lang="de-CH" dirty="0" err="1"/>
@@ -2780,12 +2805,18 @@
             </a:r>
             <a:r>
               <a:rPr lang="de-CH" dirty="0" err="1"/>
-              <a:t>Geneve</a:t>
+              <a:t>Geneva</a:t>
             </a:r>
             <a:endParaRPr lang="de-CH" dirty="0"/>
           </a:p>
           <a:p>
             <a:endParaRPr lang="en-US" dirty="0"/>
+          </a:p>
+          <a:p>
+            <a:r>
+              <a:rPr lang="en-US" dirty="0"/>
+              <a:t>Kiss can choose any blockchain system as they wish</a:t>
+            </a:r>
           </a:p>
         </p:txBody>
       </p:sp>
@@ -7020,7 +7051,7 @@
               <a:rPr lang="de-CH" sz="1600" dirty="0" err="1">
                 <a:latin typeface="Agency FB" panose="020B0503020202020204" pitchFamily="34" charset="0"/>
               </a:rPr>
-              <a:t>Geneve</a:t>
+              <a:t>Geneva</a:t>
             </a:r>
             <a:endParaRPr lang="de-CH" sz="1600" dirty="0">
               <a:latin typeface="Agency FB" panose="020B0503020202020204" pitchFamily="34" charset="0"/>
@@ -8553,7 +8584,7 @@
         <p:spPr>
           <a:xfrm>
             <a:off x="6757265" y="2281757"/>
-            <a:ext cx="4401700" cy="2544286"/>
+            <a:ext cx="4401700" cy="2949525"/>
           </a:xfrm>
           <a:prstGeom prst="rect">
             <a:avLst/>
@@ -8634,6 +8665,56 @@
             <a:r>
               <a:rPr lang="de-CH" dirty="0" err="1"/>
               <a:t>way</a:t>
+            </a:r>
+            <a:endParaRPr lang="de-CH" dirty="0"/>
+          </a:p>
+          <a:p>
+            <a:pPr marL="285750" indent="-285750">
+              <a:spcBef>
+                <a:spcPts val="1000"/>
+              </a:spcBef>
+              <a:buFont typeface="Arial" panose="020B0604020202020204" pitchFamily="34" charset="0"/>
+              <a:buChar char="•"/>
+            </a:pPr>
+            <a:r>
+              <a:rPr lang="de-CH" altLang="zh-CN" dirty="0" err="1"/>
+              <a:t>Various</a:t>
+            </a:r>
+            <a:r>
+              <a:rPr lang="de-CH" altLang="zh-CN" dirty="0"/>
+              <a:t> </a:t>
+            </a:r>
+            <a:r>
+              <a:rPr lang="de-CH" altLang="zh-CN" dirty="0" err="1"/>
+              <a:t>ways</a:t>
+            </a:r>
+            <a:r>
+              <a:rPr lang="de-CH" altLang="zh-CN" dirty="0"/>
+              <a:t> </a:t>
+            </a:r>
+            <a:r>
+              <a:rPr lang="de-CH" altLang="zh-CN" dirty="0" err="1"/>
+              <a:t>of</a:t>
+            </a:r>
+            <a:r>
+              <a:rPr lang="de-CH" altLang="zh-CN" dirty="0"/>
+              <a:t> </a:t>
+            </a:r>
+            <a:r>
+              <a:rPr lang="de-CH" altLang="zh-CN" dirty="0" err="1"/>
+              <a:t>using</a:t>
+            </a:r>
+            <a:r>
+              <a:rPr lang="de-CH" altLang="zh-CN" b="1" dirty="0"/>
+              <a:t> </a:t>
+            </a:r>
+            <a:r>
+              <a:rPr lang="de-CH" altLang="zh-CN" b="1" dirty="0" err="1"/>
+              <a:t>token</a:t>
+            </a:r>
+            <a:r>
+              <a:rPr lang="de-CH" altLang="zh-CN" b="1" dirty="0"/>
+              <a:t> </a:t>
             </a:r>
             <a:endParaRPr lang="de-CH" dirty="0"/>
           </a:p>
@@ -10510,7 +10591,7 @@
             </a:r>
             <a:r>
               <a:rPr lang="de-CH" sz="2000" dirty="0" err="1"/>
-              <a:t>between</a:t>
+              <a:t>of</a:t>
             </a:r>
             <a:r>
               <a:rPr lang="de-CH" sz="2000" dirty="0"/>
